--- a/Trees Get Degrees.pptx
+++ b/Trees Get Degrees.pptx
@@ -8,11 +8,12 @@
     <p:sldId id="256" r:id="rId2"/>
     <p:sldId id="259" r:id="rId3"/>
     <p:sldId id="260" r:id="rId4"/>
-    <p:sldId id="262" r:id="rId5"/>
-    <p:sldId id="265" r:id="rId6"/>
-    <p:sldId id="261" r:id="rId7"/>
-    <p:sldId id="263" r:id="rId8"/>
-    <p:sldId id="264" r:id="rId9"/>
+    <p:sldId id="266" r:id="rId5"/>
+    <p:sldId id="262" r:id="rId6"/>
+    <p:sldId id="265" r:id="rId7"/>
+    <p:sldId id="261" r:id="rId8"/>
+    <p:sldId id="263" r:id="rId9"/>
+    <p:sldId id="264" r:id="rId10"/>
   </p:sldIdLst>
   <p:sldSz cx="12192000" cy="6858000"/>
   <p:notesSz cx="6858000" cy="9144000"/>
@@ -111,6 +112,11 @@
       </a:defRPr>
     </a:lvl9pPr>
   </p:defaultTextStyle>
+  <p:extLst>
+    <p:ext uri="{EFAFB233-063F-42B5-8137-9DF3F51BA10A}">
+      <p15:sldGuideLst xmlns:p15="http://schemas.microsoft.com/office/powerpoint/2012/main"/>
+    </p:ext>
+  </p:extLst>
 </p:presentation>
 </file>
 
@@ -261,7 +267,7 @@
           <a:p>
             <a:fld id="{9F311A72-DB94-4758-8D64-8C382DA800DF}" type="datetimeFigureOut">
               <a:rPr lang="en-US" smtClean="0"/>
-              <a:t>4/14/2021</a:t>
+              <a:t>4/15/2021</a:t>
             </a:fld>
             <a:endParaRPr lang="en-US"/>
           </a:p>
@@ -459,7 +465,7 @@
           <a:p>
             <a:fld id="{9F311A72-DB94-4758-8D64-8C382DA800DF}" type="datetimeFigureOut">
               <a:rPr lang="en-US" smtClean="0"/>
-              <a:t>4/14/2021</a:t>
+              <a:t>4/15/2021</a:t>
             </a:fld>
             <a:endParaRPr lang="en-US"/>
           </a:p>
@@ -667,7 +673,7 @@
           <a:p>
             <a:fld id="{9F311A72-DB94-4758-8D64-8C382DA800DF}" type="datetimeFigureOut">
               <a:rPr lang="en-US" smtClean="0"/>
-              <a:t>4/14/2021</a:t>
+              <a:t>4/15/2021</a:t>
             </a:fld>
             <a:endParaRPr lang="en-US"/>
           </a:p>
@@ -865,7 +871,7 @@
           <a:p>
             <a:fld id="{9F311A72-DB94-4758-8D64-8C382DA800DF}" type="datetimeFigureOut">
               <a:rPr lang="en-US" smtClean="0"/>
-              <a:t>4/14/2021</a:t>
+              <a:t>4/15/2021</a:t>
             </a:fld>
             <a:endParaRPr lang="en-US"/>
           </a:p>
@@ -1140,7 +1146,7 @@
           <a:p>
             <a:fld id="{9F311A72-DB94-4758-8D64-8C382DA800DF}" type="datetimeFigureOut">
               <a:rPr lang="en-US" smtClean="0"/>
-              <a:t>4/14/2021</a:t>
+              <a:t>4/15/2021</a:t>
             </a:fld>
             <a:endParaRPr lang="en-US"/>
           </a:p>
@@ -1405,7 +1411,7 @@
           <a:p>
             <a:fld id="{9F311A72-DB94-4758-8D64-8C382DA800DF}" type="datetimeFigureOut">
               <a:rPr lang="en-US" smtClean="0"/>
-              <a:t>4/14/2021</a:t>
+              <a:t>4/15/2021</a:t>
             </a:fld>
             <a:endParaRPr lang="en-US"/>
           </a:p>
@@ -1817,7 +1823,7 @@
           <a:p>
             <a:fld id="{9F311A72-DB94-4758-8D64-8C382DA800DF}" type="datetimeFigureOut">
               <a:rPr lang="en-US" smtClean="0"/>
-              <a:t>4/14/2021</a:t>
+              <a:t>4/15/2021</a:t>
             </a:fld>
             <a:endParaRPr lang="en-US"/>
           </a:p>
@@ -1958,7 +1964,7 @@
           <a:p>
             <a:fld id="{9F311A72-DB94-4758-8D64-8C382DA800DF}" type="datetimeFigureOut">
               <a:rPr lang="en-US" smtClean="0"/>
-              <a:t>4/14/2021</a:t>
+              <a:t>4/15/2021</a:t>
             </a:fld>
             <a:endParaRPr lang="en-US"/>
           </a:p>
@@ -2071,7 +2077,7 @@
           <a:p>
             <a:fld id="{9F311A72-DB94-4758-8D64-8C382DA800DF}" type="datetimeFigureOut">
               <a:rPr lang="en-US" smtClean="0"/>
-              <a:t>4/14/2021</a:t>
+              <a:t>4/15/2021</a:t>
             </a:fld>
             <a:endParaRPr lang="en-US"/>
           </a:p>
@@ -2382,7 +2388,7 @@
           <a:p>
             <a:fld id="{9F311A72-DB94-4758-8D64-8C382DA800DF}" type="datetimeFigureOut">
               <a:rPr lang="en-US" smtClean="0"/>
-              <a:t>4/14/2021</a:t>
+              <a:t>4/15/2021</a:t>
             </a:fld>
             <a:endParaRPr lang="en-US"/>
           </a:p>
@@ -2670,7 +2676,7 @@
           <a:p>
             <a:fld id="{9F311A72-DB94-4758-8D64-8C382DA800DF}" type="datetimeFigureOut">
               <a:rPr lang="en-US" smtClean="0"/>
-              <a:t>4/14/2021</a:t>
+              <a:t>4/15/2021</a:t>
             </a:fld>
             <a:endParaRPr lang="en-US"/>
           </a:p>
@@ -2911,7 +2917,7 @@
           <a:p>
             <a:fld id="{9F311A72-DB94-4758-8D64-8C382DA800DF}" type="datetimeFigureOut">
               <a:rPr lang="en-US" smtClean="0"/>
-              <a:t>4/14/2021</a:t>
+              <a:t>4/15/2021</a:t>
             </a:fld>
             <a:endParaRPr lang="en-US"/>
           </a:p>
@@ -3314,6 +3320,14 @@
 <file path=ppt/slides/slide1.xml><?xml version="1.0" encoding="utf-8"?>
 <p:sld xmlns:a="http://schemas.openxmlformats.org/drawingml/2006/main" xmlns:r="http://schemas.openxmlformats.org/officeDocument/2006/relationships" xmlns:p="http://schemas.openxmlformats.org/presentationml/2006/main">
   <p:cSld>
+    <p:bg>
+      <p:bgPr>
+        <a:solidFill>
+          <a:schemeClr val="bg1"/>
+        </a:solidFill>
+        <a:effectLst/>
+      </p:bgPr>
+    </p:bg>
     <p:spTree>
       <p:nvGrpSpPr>
         <p:cNvPr id="1" name=""/>
@@ -3328,6 +3342,102 @@
           <a:chExt cx="0" cy="0"/>
         </a:xfrm>
       </p:grpSpPr>
+      <p:sp useBgFill="1">
+        <p:nvSpPr>
+          <p:cNvPr id="10" name="Rectangle 9">
+            <a:extLst>
+              <a:ext uri="{FF2B5EF4-FFF2-40B4-BE49-F238E27FC236}">
+                <a16:creationId xmlns:a16="http://schemas.microsoft.com/office/drawing/2014/main" id="{AD35AE2F-5E3A-49D9-8DE1-8A333BA4088E}"/>
+              </a:ext>
+              <a:ext uri="{C183D7F6-B498-43B3-948B-1728B52AA6E4}">
+                <adec:decorative xmlns:adec="http://schemas.microsoft.com/office/drawing/2017/decorative" val="1"/>
+              </a:ext>
+            </a:extLst>
+          </p:cNvPr>
+          <p:cNvSpPr>
+            <a:spLocks noGrp="1" noRot="1" noChangeAspect="1" noMove="1" noResize="1" noEditPoints="1" noAdjustHandles="1" noChangeArrowheads="1" noChangeShapeType="1" noTextEdit="1"/>
+          </p:cNvSpPr>
+          <p:nvPr>
+            <p:extLst>
+              <p:ext uri="{386F3935-93C4-4BCD-93E2-E3B085C9AB24}">
+                <p16:designElem xmlns:p16="http://schemas.microsoft.com/office/powerpoint/2015/main" val="1"/>
+              </p:ext>
+            </p:extLst>
+          </p:nvPr>
+        </p:nvSpPr>
+        <p:spPr>
+          <a:xfrm>
+            <a:off x="0" y="0"/>
+            <a:ext cx="12188952" cy="6858000"/>
+          </a:xfrm>
+          <a:prstGeom prst="rect">
+            <a:avLst/>
+          </a:prstGeom>
+          <a:ln>
+            <a:noFill/>
+          </a:ln>
+        </p:spPr>
+        <p:style>
+          <a:lnRef idx="2">
+            <a:schemeClr val="accent1">
+              <a:shade val="50000"/>
+            </a:schemeClr>
+          </a:lnRef>
+          <a:fillRef idx="1">
+            <a:schemeClr val="accent1"/>
+          </a:fillRef>
+          <a:effectRef idx="0">
+            <a:schemeClr val="accent1"/>
+          </a:effectRef>
+          <a:fontRef idx="minor">
+            <a:schemeClr val="lt1"/>
+          </a:fontRef>
+        </p:style>
+        <p:txBody>
+          <a:bodyPr rtlCol="0" anchor="ctr"/>
+          <a:lstStyle/>
+          <a:p>
+            <a:pPr algn="ctr"/>
+            <a:endParaRPr lang="en-US"/>
+          </a:p>
+        </p:txBody>
+      </p:sp>
+      <p:pic>
+        <p:nvPicPr>
+          <p:cNvPr id="5" name="Picture 4" descr="A tree with green leaves&#10;&#10;Description automatically generated with medium confidence">
+            <a:extLst>
+              <a:ext uri="{FF2B5EF4-FFF2-40B4-BE49-F238E27FC236}">
+                <a16:creationId xmlns:a16="http://schemas.microsoft.com/office/drawing/2014/main" id="{F71831BA-9BF8-4573-A0C7-7CFFE92A9C53}"/>
+              </a:ext>
+            </a:extLst>
+          </p:cNvPr>
+          <p:cNvPicPr>
+            <a:picLocks noChangeAspect="1"/>
+          </p:cNvPicPr>
+          <p:nvPr/>
+        </p:nvPicPr>
+        <p:blipFill rotWithShape="1">
+          <a:blip r:embed="rId2">
+            <a:alphaModFix amt="50000"/>
+            <a:extLst>
+              <a:ext uri="{28A0092B-C50C-407E-A947-70E740481C1C}">
+                <a14:useLocalDpi xmlns:a14="http://schemas.microsoft.com/office/drawing/2010/main" val="0"/>
+              </a:ext>
+            </a:extLst>
+          </a:blip>
+          <a:srcRect t="8041" r="-1" b="33653"/>
+          <a:stretch/>
+        </p:blipFill>
+        <p:spPr>
+          <a:xfrm>
+            <a:off x="20" y="10"/>
+            <a:ext cx="12188930" cy="6857990"/>
+          </a:xfrm>
+          <a:prstGeom prst="rect">
+            <a:avLst/>
+          </a:prstGeom>
+        </p:spPr>
+      </p:pic>
       <p:sp>
         <p:nvSpPr>
           <p:cNvPr id="2" name="Title 1">
@@ -3346,18 +3456,22 @@
         </p:nvSpPr>
         <p:spPr>
           <a:xfrm>
-            <a:off x="1524000" y="864524"/>
-            <a:ext cx="9144000" cy="3352021"/>
+            <a:off x="1524000" y="1122363"/>
+            <a:ext cx="9144000" cy="3063240"/>
           </a:xfrm>
         </p:spPr>
         <p:txBody>
           <a:bodyPr>
-            <a:normAutofit fontScale="90000"/>
+            <a:normAutofit/>
           </a:bodyPr>
           <a:lstStyle/>
           <a:p>
             <a:r>
-              <a:rPr lang="en-US" dirty="0"/>
+              <a:rPr lang="en-US" sz="5100" b="1">
+                <a:solidFill>
+                  <a:srgbClr val="FFFFFF"/>
+                </a:solidFill>
+              </a:rPr>
               <a:t>Trees Get Degrees: Using Decision Trees to Determine Important Features for College Acceptance</a:t>
             </a:r>
           </a:p>
@@ -3381,18 +3495,908 @@
         </p:nvSpPr>
         <p:spPr>
           <a:xfrm>
-            <a:off x="1524000" y="4582939"/>
-            <a:ext cx="9144000" cy="1655762"/>
+            <a:off x="1524000" y="4599432"/>
+            <a:ext cx="9144000" cy="1225296"/>
           </a:xfrm>
         </p:spPr>
         <p:txBody>
-          <a:bodyPr/>
+          <a:bodyPr>
+            <a:normAutofit/>
+          </a:bodyPr>
           <a:lstStyle/>
           <a:p>
             <a:r>
-              <a:rPr lang="en-US" dirty="0"/>
+              <a:rPr lang="en-US">
+                <a:solidFill>
+                  <a:srgbClr val="FFFFFF"/>
+                </a:solidFill>
+              </a:rPr>
               <a:t>By Weston Grewe and Angela Morrison</a:t>
             </a:r>
+          </a:p>
+        </p:txBody>
+      </p:sp>
+      <p:sp>
+        <p:nvSpPr>
+          <p:cNvPr id="12" name="Rectangle 2">
+            <a:extLst>
+              <a:ext uri="{FF2B5EF4-FFF2-40B4-BE49-F238E27FC236}">
+                <a16:creationId xmlns:a16="http://schemas.microsoft.com/office/drawing/2014/main" id="{98072727-1E1A-4B8C-8839-AAB69FA2ECE2}"/>
+              </a:ext>
+              <a:ext uri="{C183D7F6-B498-43B3-948B-1728B52AA6E4}">
+                <adec:decorative xmlns:adec="http://schemas.microsoft.com/office/drawing/2017/decorative" val="1"/>
+              </a:ext>
+            </a:extLst>
+          </p:cNvPr>
+          <p:cNvSpPr>
+            <a:spLocks noGrp="1" noRot="1" noChangeAspect="1" noMove="1" noResize="1" noEditPoints="1" noAdjustHandles="1" noChangeArrowheads="1" noChangeShapeType="1" noTextEdit="1"/>
+          </p:cNvSpPr>
+          <p:nvPr>
+            <p:extLst>
+              <p:ext uri="{386F3935-93C4-4BCD-93E2-E3B085C9AB24}">
+                <p16:designElem xmlns:p16="http://schemas.microsoft.com/office/powerpoint/2015/main" val="1"/>
+              </p:ext>
+            </p:extLst>
+          </p:nvPr>
+        </p:nvSpPr>
+        <p:spPr>
+          <a:xfrm>
+            <a:off x="3974206" y="4368623"/>
+            <a:ext cx="4243589" cy="18288"/>
+          </a:xfrm>
+          <a:custGeom>
+            <a:avLst/>
+            <a:gdLst>
+              <a:gd name="connsiteX0" fmla="*/ 0 w 4243589"/>
+              <a:gd name="connsiteY0" fmla="*/ 0 h 18288"/>
+              <a:gd name="connsiteX1" fmla="*/ 478919 w 4243589"/>
+              <a:gd name="connsiteY1" fmla="*/ 0 h 18288"/>
+              <a:gd name="connsiteX2" fmla="*/ 957839 w 4243589"/>
+              <a:gd name="connsiteY2" fmla="*/ 0 h 18288"/>
+              <a:gd name="connsiteX3" fmla="*/ 1521630 w 4243589"/>
+              <a:gd name="connsiteY3" fmla="*/ 0 h 18288"/>
+              <a:gd name="connsiteX4" fmla="*/ 2212729 w 4243589"/>
+              <a:gd name="connsiteY4" fmla="*/ 0 h 18288"/>
+              <a:gd name="connsiteX5" fmla="*/ 2734084 w 4243589"/>
+              <a:gd name="connsiteY5" fmla="*/ 0 h 18288"/>
+              <a:gd name="connsiteX6" fmla="*/ 3255439 w 4243589"/>
+              <a:gd name="connsiteY6" fmla="*/ 0 h 18288"/>
+              <a:gd name="connsiteX7" fmla="*/ 4243589 w 4243589"/>
+              <a:gd name="connsiteY7" fmla="*/ 0 h 18288"/>
+              <a:gd name="connsiteX8" fmla="*/ 4243589 w 4243589"/>
+              <a:gd name="connsiteY8" fmla="*/ 18288 h 18288"/>
+              <a:gd name="connsiteX9" fmla="*/ 3594926 w 4243589"/>
+              <a:gd name="connsiteY9" fmla="*/ 18288 h 18288"/>
+              <a:gd name="connsiteX10" fmla="*/ 3073571 w 4243589"/>
+              <a:gd name="connsiteY10" fmla="*/ 18288 h 18288"/>
+              <a:gd name="connsiteX11" fmla="*/ 2552216 w 4243589"/>
+              <a:gd name="connsiteY11" fmla="*/ 18288 h 18288"/>
+              <a:gd name="connsiteX12" fmla="*/ 1903553 w 4243589"/>
+              <a:gd name="connsiteY12" fmla="*/ 18288 h 18288"/>
+              <a:gd name="connsiteX13" fmla="*/ 1212454 w 4243589"/>
+              <a:gd name="connsiteY13" fmla="*/ 18288 h 18288"/>
+              <a:gd name="connsiteX14" fmla="*/ 733535 w 4243589"/>
+              <a:gd name="connsiteY14" fmla="*/ 18288 h 18288"/>
+              <a:gd name="connsiteX15" fmla="*/ 0 w 4243589"/>
+              <a:gd name="connsiteY15" fmla="*/ 18288 h 18288"/>
+              <a:gd name="connsiteX16" fmla="*/ 0 w 4243589"/>
+              <a:gd name="connsiteY16" fmla="*/ 0 h 18288"/>
+            </a:gdLst>
+            <a:ahLst/>
+            <a:cxnLst>
+              <a:cxn ang="0">
+                <a:pos x="connsiteX0" y="connsiteY0"/>
+              </a:cxn>
+              <a:cxn ang="0">
+                <a:pos x="connsiteX1" y="connsiteY1"/>
+              </a:cxn>
+              <a:cxn ang="0">
+                <a:pos x="connsiteX2" y="connsiteY2"/>
+              </a:cxn>
+              <a:cxn ang="0">
+                <a:pos x="connsiteX3" y="connsiteY3"/>
+              </a:cxn>
+              <a:cxn ang="0">
+                <a:pos x="connsiteX4" y="connsiteY4"/>
+              </a:cxn>
+              <a:cxn ang="0">
+                <a:pos x="connsiteX5" y="connsiteY5"/>
+              </a:cxn>
+              <a:cxn ang="0">
+                <a:pos x="connsiteX6" y="connsiteY6"/>
+              </a:cxn>
+              <a:cxn ang="0">
+                <a:pos x="connsiteX7" y="connsiteY7"/>
+              </a:cxn>
+              <a:cxn ang="0">
+                <a:pos x="connsiteX8" y="connsiteY8"/>
+              </a:cxn>
+              <a:cxn ang="0">
+                <a:pos x="connsiteX9" y="connsiteY9"/>
+              </a:cxn>
+              <a:cxn ang="0">
+                <a:pos x="connsiteX10" y="connsiteY10"/>
+              </a:cxn>
+              <a:cxn ang="0">
+                <a:pos x="connsiteX11" y="connsiteY11"/>
+              </a:cxn>
+              <a:cxn ang="0">
+                <a:pos x="connsiteX12" y="connsiteY12"/>
+              </a:cxn>
+              <a:cxn ang="0">
+                <a:pos x="connsiteX13" y="connsiteY13"/>
+              </a:cxn>
+              <a:cxn ang="0">
+                <a:pos x="connsiteX14" y="connsiteY14"/>
+              </a:cxn>
+              <a:cxn ang="0">
+                <a:pos x="connsiteX15" y="connsiteY15"/>
+              </a:cxn>
+              <a:cxn ang="0">
+                <a:pos x="connsiteX16" y="connsiteY16"/>
+              </a:cxn>
+            </a:cxnLst>
+            <a:rect l="l" t="t" r="r" b="b"/>
+            <a:pathLst>
+              <a:path w="4243589" h="18288" fill="none" extrusionOk="0">
+                <a:moveTo>
+                  <a:pt x="0" y="0"/>
+                </a:moveTo>
+                <a:cubicBezTo>
+                  <a:pt x="213395" y="-21006"/>
+                  <a:pt x="307421" y="-18116"/>
+                  <a:pt x="478919" y="0"/>
+                </a:cubicBezTo>
+                <a:cubicBezTo>
+                  <a:pt x="650417" y="18116"/>
+                  <a:pt x="831092" y="-21237"/>
+                  <a:pt x="957839" y="0"/>
+                </a:cubicBezTo>
+                <a:cubicBezTo>
+                  <a:pt x="1084586" y="21237"/>
+                  <a:pt x="1301682" y="25124"/>
+                  <a:pt x="1521630" y="0"/>
+                </a:cubicBezTo>
+                <a:cubicBezTo>
+                  <a:pt x="1741578" y="-25124"/>
+                  <a:pt x="1970269" y="-29139"/>
+                  <a:pt x="2212729" y="0"/>
+                </a:cubicBezTo>
+                <a:cubicBezTo>
+                  <a:pt x="2455189" y="29139"/>
+                  <a:pt x="2558847" y="-4796"/>
+                  <a:pt x="2734084" y="0"/>
+                </a:cubicBezTo>
+                <a:cubicBezTo>
+                  <a:pt x="2909321" y="4796"/>
+                  <a:pt x="3097217" y="-13409"/>
+                  <a:pt x="3255439" y="0"/>
+                </a:cubicBezTo>
+                <a:cubicBezTo>
+                  <a:pt x="3413662" y="13409"/>
+                  <a:pt x="3979999" y="-10121"/>
+                  <a:pt x="4243589" y="0"/>
+                </a:cubicBezTo>
+                <a:cubicBezTo>
+                  <a:pt x="4244484" y="8974"/>
+                  <a:pt x="4243043" y="9359"/>
+                  <a:pt x="4243589" y="18288"/>
+                </a:cubicBezTo>
+                <a:cubicBezTo>
+                  <a:pt x="4058777" y="31246"/>
+                  <a:pt x="3910348" y="3158"/>
+                  <a:pt x="3594926" y="18288"/>
+                </a:cubicBezTo>
+                <a:cubicBezTo>
+                  <a:pt x="3279504" y="33418"/>
+                  <a:pt x="3319955" y="-3977"/>
+                  <a:pt x="3073571" y="18288"/>
+                </a:cubicBezTo>
+                <a:cubicBezTo>
+                  <a:pt x="2827187" y="40553"/>
+                  <a:pt x="2767387" y="1863"/>
+                  <a:pt x="2552216" y="18288"/>
+                </a:cubicBezTo>
+                <a:cubicBezTo>
+                  <a:pt x="2337046" y="34713"/>
+                  <a:pt x="2181871" y="19527"/>
+                  <a:pt x="1903553" y="18288"/>
+                </a:cubicBezTo>
+                <a:cubicBezTo>
+                  <a:pt x="1625235" y="17049"/>
+                  <a:pt x="1557672" y="24174"/>
+                  <a:pt x="1212454" y="18288"/>
+                </a:cubicBezTo>
+                <a:cubicBezTo>
+                  <a:pt x="867236" y="12402"/>
+                  <a:pt x="874382" y="15627"/>
+                  <a:pt x="733535" y="18288"/>
+                </a:cubicBezTo>
+                <a:cubicBezTo>
+                  <a:pt x="592688" y="20949"/>
+                  <a:pt x="183477" y="14753"/>
+                  <a:pt x="0" y="18288"/>
+                </a:cubicBezTo>
+                <a:cubicBezTo>
+                  <a:pt x="-229" y="14222"/>
+                  <a:pt x="509" y="5816"/>
+                  <a:pt x="0" y="0"/>
+                </a:cubicBezTo>
+                <a:close/>
+              </a:path>
+              <a:path w="4243589" h="18288" stroke="0" extrusionOk="0">
+                <a:moveTo>
+                  <a:pt x="0" y="0"/>
+                </a:moveTo>
+                <a:cubicBezTo>
+                  <a:pt x="143690" y="16630"/>
+                  <a:pt x="266667" y="14847"/>
+                  <a:pt x="521355" y="0"/>
+                </a:cubicBezTo>
+                <a:cubicBezTo>
+                  <a:pt x="776043" y="-14847"/>
+                  <a:pt x="814491" y="-17363"/>
+                  <a:pt x="1000275" y="0"/>
+                </a:cubicBezTo>
+                <a:cubicBezTo>
+                  <a:pt x="1186059" y="17363"/>
+                  <a:pt x="1352504" y="-23507"/>
+                  <a:pt x="1521630" y="0"/>
+                </a:cubicBezTo>
+                <a:cubicBezTo>
+                  <a:pt x="1690756" y="23507"/>
+                  <a:pt x="1889525" y="5871"/>
+                  <a:pt x="2127857" y="0"/>
+                </a:cubicBezTo>
+                <a:cubicBezTo>
+                  <a:pt x="2366189" y="-5871"/>
+                  <a:pt x="2620628" y="-27997"/>
+                  <a:pt x="2776520" y="0"/>
+                </a:cubicBezTo>
+                <a:cubicBezTo>
+                  <a:pt x="2932412" y="27997"/>
+                  <a:pt x="3131683" y="-25073"/>
+                  <a:pt x="3467618" y="0"/>
+                </a:cubicBezTo>
+                <a:cubicBezTo>
+                  <a:pt x="3803553" y="25073"/>
+                  <a:pt x="4017371" y="3071"/>
+                  <a:pt x="4243589" y="0"/>
+                </a:cubicBezTo>
+                <a:cubicBezTo>
+                  <a:pt x="4243134" y="6162"/>
+                  <a:pt x="4243492" y="11775"/>
+                  <a:pt x="4243589" y="18288"/>
+                </a:cubicBezTo>
+                <a:cubicBezTo>
+                  <a:pt x="4017834" y="-5779"/>
+                  <a:pt x="3834586" y="13376"/>
+                  <a:pt x="3594926" y="18288"/>
+                </a:cubicBezTo>
+                <a:cubicBezTo>
+                  <a:pt x="3355266" y="23200"/>
+                  <a:pt x="3204179" y="2869"/>
+                  <a:pt x="2903827" y="18288"/>
+                </a:cubicBezTo>
+                <a:cubicBezTo>
+                  <a:pt x="2603475" y="33707"/>
+                  <a:pt x="2526187" y="46187"/>
+                  <a:pt x="2212729" y="18288"/>
+                </a:cubicBezTo>
+                <a:cubicBezTo>
+                  <a:pt x="1899271" y="-9611"/>
+                  <a:pt x="1966289" y="29692"/>
+                  <a:pt x="1733809" y="18288"/>
+                </a:cubicBezTo>
+                <a:cubicBezTo>
+                  <a:pt x="1501329" y="6884"/>
+                  <a:pt x="1343612" y="12492"/>
+                  <a:pt x="1085146" y="18288"/>
+                </a:cubicBezTo>
+                <a:cubicBezTo>
+                  <a:pt x="826680" y="24084"/>
+                  <a:pt x="778184" y="35607"/>
+                  <a:pt x="521355" y="18288"/>
+                </a:cubicBezTo>
+                <a:cubicBezTo>
+                  <a:pt x="264526" y="969"/>
+                  <a:pt x="120277" y="4268"/>
+                  <a:pt x="0" y="18288"/>
+                </a:cubicBezTo>
+                <a:cubicBezTo>
+                  <a:pt x="766" y="10800"/>
+                  <a:pt x="-457" y="8180"/>
+                  <a:pt x="0" y="0"/>
+                </a:cubicBezTo>
+                <a:close/>
+              </a:path>
+            </a:pathLst>
+          </a:custGeom>
+          <a:solidFill>
+            <a:srgbClr val="FFFFFF">
+              <a:alpha val="75000"/>
+            </a:srgbClr>
+          </a:solidFill>
+          <a:ln w="44450" cap="rnd">
+            <a:solidFill>
+              <a:srgbClr val="FFFFFF">
+                <a:alpha val="75000"/>
+              </a:srgbClr>
+            </a:solidFill>
+            <a:round/>
+            <a:extLst>
+              <a:ext uri="{C807C97D-BFC1-408E-A445-0C87EB9F89A2}">
+                <ask:lineSketchStyleProps xmlns:ask="http://schemas.microsoft.com/office/drawing/2018/sketchyshapes" sd="2727557108">
+                  <a:prstGeom prst="rect">
+                    <a:avLst/>
+                  </a:prstGeom>
+                  <ask:type>
+                    <ask:lineSketchFreehand/>
+                  </ask:type>
+                </ask:lineSketchStyleProps>
+              </a:ext>
+            </a:extLst>
+          </a:ln>
+        </p:spPr>
+        <p:style>
+          <a:lnRef idx="2">
+            <a:schemeClr val="accent1">
+              <a:shade val="50000"/>
+            </a:schemeClr>
+          </a:lnRef>
+          <a:fillRef idx="1">
+            <a:schemeClr val="accent1"/>
+          </a:fillRef>
+          <a:effectRef idx="0">
+            <a:schemeClr val="accent1"/>
+          </a:effectRef>
+          <a:fontRef idx="minor">
+            <a:schemeClr val="lt1"/>
+          </a:fontRef>
+        </p:style>
+        <p:txBody>
+          <a:bodyPr rtlCol="0" anchor="ctr"/>
+          <a:lstStyle/>
+          <a:p>
+            <a:pPr algn="ctr"/>
+            <a:endParaRPr lang="en-US"/>
+          </a:p>
+        </p:txBody>
+      </p:sp>
+      <p:sp>
+        <p:nvSpPr>
+          <p:cNvPr id="14" name="Rectangle 6">
+            <a:extLst>
+              <a:ext uri="{FF2B5EF4-FFF2-40B4-BE49-F238E27FC236}">
+                <a16:creationId xmlns:a16="http://schemas.microsoft.com/office/drawing/2014/main" id="{79EB4626-023C-436D-9F57-9EB46080909D}"/>
+              </a:ext>
+              <a:ext uri="{C183D7F6-B498-43B3-948B-1728B52AA6E4}">
+                <adec:decorative xmlns:adec="http://schemas.microsoft.com/office/drawing/2017/decorative" val="1"/>
+              </a:ext>
+            </a:extLst>
+          </p:cNvPr>
+          <p:cNvSpPr>
+            <a:spLocks noGrp="1" noRot="1" noChangeAspect="1" noMove="1" noResize="1" noEditPoints="1" noAdjustHandles="1" noChangeArrowheads="1" noChangeShapeType="1" noTextEdit="1"/>
+          </p:cNvSpPr>
+          <p:nvPr>
+            <p:extLst>
+              <p:ext uri="{386F3935-93C4-4BCD-93E2-E3B085C9AB24}">
+                <p16:designElem xmlns:p16="http://schemas.microsoft.com/office/powerpoint/2015/main" val="1"/>
+              </p:ext>
+            </p:extLst>
+          </p:nvPr>
+        </p:nvSpPr>
+        <p:spPr>
+          <a:xfrm flipV="1">
+            <a:off x="838200" y="720953"/>
+            <a:ext cx="10515600" cy="5416094"/>
+          </a:xfrm>
+          <a:custGeom>
+            <a:avLst/>
+            <a:gdLst>
+              <a:gd name="connsiteX0" fmla="*/ 0 w 10515600"/>
+              <a:gd name="connsiteY0" fmla="*/ 902700 h 5416094"/>
+              <a:gd name="connsiteX1" fmla="*/ 902700 w 10515600"/>
+              <a:gd name="connsiteY1" fmla="*/ 0 h 5416094"/>
+              <a:gd name="connsiteX2" fmla="*/ 1746919 w 10515600"/>
+              <a:gd name="connsiteY2" fmla="*/ 0 h 5416094"/>
+              <a:gd name="connsiteX3" fmla="*/ 2329833 w 10515600"/>
+              <a:gd name="connsiteY3" fmla="*/ 0 h 5416094"/>
+              <a:gd name="connsiteX4" fmla="*/ 2825644 w 10515600"/>
+              <a:gd name="connsiteY4" fmla="*/ 0 h 5416094"/>
+              <a:gd name="connsiteX5" fmla="*/ 3582762 w 10515600"/>
+              <a:gd name="connsiteY5" fmla="*/ 0 h 5416094"/>
+              <a:gd name="connsiteX6" fmla="*/ 4165675 w 10515600"/>
+              <a:gd name="connsiteY6" fmla="*/ 0 h 5416094"/>
+              <a:gd name="connsiteX7" fmla="*/ 5009894 w 10515600"/>
+              <a:gd name="connsiteY7" fmla="*/ 0 h 5416094"/>
+              <a:gd name="connsiteX8" fmla="*/ 5505706 w 10515600"/>
+              <a:gd name="connsiteY8" fmla="*/ 0 h 5416094"/>
+              <a:gd name="connsiteX9" fmla="*/ 6349925 w 10515600"/>
+              <a:gd name="connsiteY9" fmla="*/ 0 h 5416094"/>
+              <a:gd name="connsiteX10" fmla="*/ 6758634 w 10515600"/>
+              <a:gd name="connsiteY10" fmla="*/ 0 h 5416094"/>
+              <a:gd name="connsiteX11" fmla="*/ 7428650 w 10515600"/>
+              <a:gd name="connsiteY11" fmla="*/ 0 h 5416094"/>
+              <a:gd name="connsiteX12" fmla="*/ 8098665 w 10515600"/>
+              <a:gd name="connsiteY12" fmla="*/ 0 h 5416094"/>
+              <a:gd name="connsiteX13" fmla="*/ 8681579 w 10515600"/>
+              <a:gd name="connsiteY13" fmla="*/ 0 h 5416094"/>
+              <a:gd name="connsiteX14" fmla="*/ 9612900 w 10515600"/>
+              <a:gd name="connsiteY14" fmla="*/ 0 h 5416094"/>
+              <a:gd name="connsiteX15" fmla="*/ 10515600 w 10515600"/>
+              <a:gd name="connsiteY15" fmla="*/ 902700 h 5416094"/>
+              <a:gd name="connsiteX16" fmla="*/ 10515600 w 10515600"/>
+              <a:gd name="connsiteY16" fmla="*/ 1504482 h 5416094"/>
+              <a:gd name="connsiteX17" fmla="*/ 10515600 w 10515600"/>
+              <a:gd name="connsiteY17" fmla="*/ 2178479 h 5416094"/>
+              <a:gd name="connsiteX18" fmla="*/ 10515600 w 10515600"/>
+              <a:gd name="connsiteY18" fmla="*/ 2780261 h 5416094"/>
+              <a:gd name="connsiteX19" fmla="*/ 10515600 w 10515600"/>
+              <a:gd name="connsiteY19" fmla="*/ 3273722 h 5416094"/>
+              <a:gd name="connsiteX20" fmla="*/ 10515600 w 10515600"/>
+              <a:gd name="connsiteY20" fmla="*/ 3803291 h 5416094"/>
+              <a:gd name="connsiteX21" fmla="*/ 10515600 w 10515600"/>
+              <a:gd name="connsiteY21" fmla="*/ 4513394 h 5416094"/>
+              <a:gd name="connsiteX22" fmla="*/ 9612900 w 10515600"/>
+              <a:gd name="connsiteY22" fmla="*/ 5416094 h 5416094"/>
+              <a:gd name="connsiteX23" fmla="*/ 9117089 w 10515600"/>
+              <a:gd name="connsiteY23" fmla="*/ 5416094 h 5416094"/>
+              <a:gd name="connsiteX24" fmla="*/ 8708379 w 10515600"/>
+              <a:gd name="connsiteY24" fmla="*/ 5416094 h 5416094"/>
+              <a:gd name="connsiteX25" fmla="*/ 8299670 w 10515600"/>
+              <a:gd name="connsiteY25" fmla="*/ 5416094 h 5416094"/>
+              <a:gd name="connsiteX26" fmla="*/ 7629654 w 10515600"/>
+              <a:gd name="connsiteY26" fmla="*/ 5416094 h 5416094"/>
+              <a:gd name="connsiteX27" fmla="*/ 7133843 w 10515600"/>
+              <a:gd name="connsiteY27" fmla="*/ 5416094 h 5416094"/>
+              <a:gd name="connsiteX28" fmla="*/ 6376726 w 10515600"/>
+              <a:gd name="connsiteY28" fmla="*/ 5416094 h 5416094"/>
+              <a:gd name="connsiteX29" fmla="*/ 5880914 w 10515600"/>
+              <a:gd name="connsiteY29" fmla="*/ 5416094 h 5416094"/>
+              <a:gd name="connsiteX30" fmla="*/ 5123797 w 10515600"/>
+              <a:gd name="connsiteY30" fmla="*/ 5416094 h 5416094"/>
+              <a:gd name="connsiteX31" fmla="*/ 4715088 w 10515600"/>
+              <a:gd name="connsiteY31" fmla="*/ 5416094 h 5416094"/>
+              <a:gd name="connsiteX32" fmla="*/ 3957970 w 10515600"/>
+              <a:gd name="connsiteY32" fmla="*/ 5416094 h 5416094"/>
+              <a:gd name="connsiteX33" fmla="*/ 3462159 w 10515600"/>
+              <a:gd name="connsiteY33" fmla="*/ 5416094 h 5416094"/>
+              <a:gd name="connsiteX34" fmla="*/ 3053449 w 10515600"/>
+              <a:gd name="connsiteY34" fmla="*/ 5416094 h 5416094"/>
+              <a:gd name="connsiteX35" fmla="*/ 2557638 w 10515600"/>
+              <a:gd name="connsiteY35" fmla="*/ 5416094 h 5416094"/>
+              <a:gd name="connsiteX36" fmla="*/ 1800521 w 10515600"/>
+              <a:gd name="connsiteY36" fmla="*/ 5416094 h 5416094"/>
+              <a:gd name="connsiteX37" fmla="*/ 902700 w 10515600"/>
+              <a:gd name="connsiteY37" fmla="*/ 5416094 h 5416094"/>
+              <a:gd name="connsiteX38" fmla="*/ 0 w 10515600"/>
+              <a:gd name="connsiteY38" fmla="*/ 4513394 h 5416094"/>
+              <a:gd name="connsiteX39" fmla="*/ 0 w 10515600"/>
+              <a:gd name="connsiteY39" fmla="*/ 3911612 h 5416094"/>
+              <a:gd name="connsiteX40" fmla="*/ 0 w 10515600"/>
+              <a:gd name="connsiteY40" fmla="*/ 3309829 h 5416094"/>
+              <a:gd name="connsiteX41" fmla="*/ 0 w 10515600"/>
+              <a:gd name="connsiteY41" fmla="*/ 2780261 h 5416094"/>
+              <a:gd name="connsiteX42" fmla="*/ 0 w 10515600"/>
+              <a:gd name="connsiteY42" fmla="*/ 2106265 h 5416094"/>
+              <a:gd name="connsiteX43" fmla="*/ 0 w 10515600"/>
+              <a:gd name="connsiteY43" fmla="*/ 1504482 h 5416094"/>
+              <a:gd name="connsiteX44" fmla="*/ 0 w 10515600"/>
+              <a:gd name="connsiteY44" fmla="*/ 902700 h 5416094"/>
+            </a:gdLst>
+            <a:ahLst/>
+            <a:cxnLst>
+              <a:cxn ang="0">
+                <a:pos x="connsiteX0" y="connsiteY0"/>
+              </a:cxn>
+              <a:cxn ang="0">
+                <a:pos x="connsiteX1" y="connsiteY1"/>
+              </a:cxn>
+              <a:cxn ang="0">
+                <a:pos x="connsiteX2" y="connsiteY2"/>
+              </a:cxn>
+              <a:cxn ang="0">
+                <a:pos x="connsiteX3" y="connsiteY3"/>
+              </a:cxn>
+              <a:cxn ang="0">
+                <a:pos x="connsiteX4" y="connsiteY4"/>
+              </a:cxn>
+              <a:cxn ang="0">
+                <a:pos x="connsiteX5" y="connsiteY5"/>
+              </a:cxn>
+              <a:cxn ang="0">
+                <a:pos x="connsiteX6" y="connsiteY6"/>
+              </a:cxn>
+              <a:cxn ang="0">
+                <a:pos x="connsiteX7" y="connsiteY7"/>
+              </a:cxn>
+              <a:cxn ang="0">
+                <a:pos x="connsiteX8" y="connsiteY8"/>
+              </a:cxn>
+              <a:cxn ang="0">
+                <a:pos x="connsiteX9" y="connsiteY9"/>
+              </a:cxn>
+              <a:cxn ang="0">
+                <a:pos x="connsiteX10" y="connsiteY10"/>
+              </a:cxn>
+              <a:cxn ang="0">
+                <a:pos x="connsiteX11" y="connsiteY11"/>
+              </a:cxn>
+              <a:cxn ang="0">
+                <a:pos x="connsiteX12" y="connsiteY12"/>
+              </a:cxn>
+              <a:cxn ang="0">
+                <a:pos x="connsiteX13" y="connsiteY13"/>
+              </a:cxn>
+              <a:cxn ang="0">
+                <a:pos x="connsiteX14" y="connsiteY14"/>
+              </a:cxn>
+              <a:cxn ang="0">
+                <a:pos x="connsiteX15" y="connsiteY15"/>
+              </a:cxn>
+              <a:cxn ang="0">
+                <a:pos x="connsiteX16" y="connsiteY16"/>
+              </a:cxn>
+              <a:cxn ang="0">
+                <a:pos x="connsiteX17" y="connsiteY17"/>
+              </a:cxn>
+              <a:cxn ang="0">
+                <a:pos x="connsiteX18" y="connsiteY18"/>
+              </a:cxn>
+              <a:cxn ang="0">
+                <a:pos x="connsiteX19" y="connsiteY19"/>
+              </a:cxn>
+              <a:cxn ang="0">
+                <a:pos x="connsiteX20" y="connsiteY20"/>
+              </a:cxn>
+              <a:cxn ang="0">
+                <a:pos x="connsiteX21" y="connsiteY21"/>
+              </a:cxn>
+              <a:cxn ang="0">
+                <a:pos x="connsiteX22" y="connsiteY22"/>
+              </a:cxn>
+              <a:cxn ang="0">
+                <a:pos x="connsiteX23" y="connsiteY23"/>
+              </a:cxn>
+              <a:cxn ang="0">
+                <a:pos x="connsiteX24" y="connsiteY24"/>
+              </a:cxn>
+              <a:cxn ang="0">
+                <a:pos x="connsiteX25" y="connsiteY25"/>
+              </a:cxn>
+              <a:cxn ang="0">
+                <a:pos x="connsiteX26" y="connsiteY26"/>
+              </a:cxn>
+              <a:cxn ang="0">
+                <a:pos x="connsiteX27" y="connsiteY27"/>
+              </a:cxn>
+              <a:cxn ang="0">
+                <a:pos x="connsiteX28" y="connsiteY28"/>
+              </a:cxn>
+              <a:cxn ang="0">
+                <a:pos x="connsiteX29" y="connsiteY29"/>
+              </a:cxn>
+              <a:cxn ang="0">
+                <a:pos x="connsiteX30" y="connsiteY30"/>
+              </a:cxn>
+              <a:cxn ang="0">
+                <a:pos x="connsiteX31" y="connsiteY31"/>
+              </a:cxn>
+              <a:cxn ang="0">
+                <a:pos x="connsiteX32" y="connsiteY32"/>
+              </a:cxn>
+              <a:cxn ang="0">
+                <a:pos x="connsiteX33" y="connsiteY33"/>
+              </a:cxn>
+              <a:cxn ang="0">
+                <a:pos x="connsiteX34" y="connsiteY34"/>
+              </a:cxn>
+              <a:cxn ang="0">
+                <a:pos x="connsiteX35" y="connsiteY35"/>
+              </a:cxn>
+              <a:cxn ang="0">
+                <a:pos x="connsiteX36" y="connsiteY36"/>
+              </a:cxn>
+              <a:cxn ang="0">
+                <a:pos x="connsiteX37" y="connsiteY37"/>
+              </a:cxn>
+              <a:cxn ang="0">
+                <a:pos x="connsiteX38" y="connsiteY38"/>
+              </a:cxn>
+              <a:cxn ang="0">
+                <a:pos x="connsiteX39" y="connsiteY39"/>
+              </a:cxn>
+              <a:cxn ang="0">
+                <a:pos x="connsiteX40" y="connsiteY40"/>
+              </a:cxn>
+              <a:cxn ang="0">
+                <a:pos x="connsiteX41" y="connsiteY41"/>
+              </a:cxn>
+              <a:cxn ang="0">
+                <a:pos x="connsiteX42" y="connsiteY42"/>
+              </a:cxn>
+              <a:cxn ang="0">
+                <a:pos x="connsiteX43" y="connsiteY43"/>
+              </a:cxn>
+              <a:cxn ang="0">
+                <a:pos x="connsiteX44" y="connsiteY44"/>
+              </a:cxn>
+            </a:cxnLst>
+            <a:rect l="l" t="t" r="r" b="b"/>
+            <a:pathLst>
+              <a:path w="10515600" h="5416094" extrusionOk="0">
+                <a:moveTo>
+                  <a:pt x="0" y="902700"/>
+                </a:moveTo>
+                <a:cubicBezTo>
+                  <a:pt x="-57306" y="368805"/>
+                  <a:pt x="305054" y="37193"/>
+                  <a:pt x="902700" y="0"/>
+                </a:cubicBezTo>
+                <a:cubicBezTo>
+                  <a:pt x="1280419" y="-35006"/>
+                  <a:pt x="1407743" y="-35339"/>
+                  <a:pt x="1746919" y="0"/>
+                </a:cubicBezTo>
+                <a:cubicBezTo>
+                  <a:pt x="2086095" y="35339"/>
+                  <a:pt x="2146539" y="-12333"/>
+                  <a:pt x="2329833" y="0"/>
+                </a:cubicBezTo>
+                <a:cubicBezTo>
+                  <a:pt x="2513127" y="12333"/>
+                  <a:pt x="2706706" y="12952"/>
+                  <a:pt x="2825644" y="0"/>
+                </a:cubicBezTo>
+                <a:cubicBezTo>
+                  <a:pt x="2944582" y="-12952"/>
+                  <a:pt x="3420817" y="-27100"/>
+                  <a:pt x="3582762" y="0"/>
+                </a:cubicBezTo>
+                <a:cubicBezTo>
+                  <a:pt x="3744707" y="27100"/>
+                  <a:pt x="4023584" y="-9167"/>
+                  <a:pt x="4165675" y="0"/>
+                </a:cubicBezTo>
+                <a:cubicBezTo>
+                  <a:pt x="4307766" y="9167"/>
+                  <a:pt x="4770188" y="27031"/>
+                  <a:pt x="5009894" y="0"/>
+                </a:cubicBezTo>
+                <a:cubicBezTo>
+                  <a:pt x="5249600" y="-27031"/>
+                  <a:pt x="5349881" y="-194"/>
+                  <a:pt x="5505706" y="0"/>
+                </a:cubicBezTo>
+                <a:cubicBezTo>
+                  <a:pt x="5661531" y="194"/>
+                  <a:pt x="6129254" y="-29363"/>
+                  <a:pt x="6349925" y="0"/>
+                </a:cubicBezTo>
+                <a:cubicBezTo>
+                  <a:pt x="6570596" y="29363"/>
+                  <a:pt x="6581199" y="-14617"/>
+                  <a:pt x="6758634" y="0"/>
+                </a:cubicBezTo>
+                <a:cubicBezTo>
+                  <a:pt x="6936069" y="14617"/>
+                  <a:pt x="7246491" y="25675"/>
+                  <a:pt x="7428650" y="0"/>
+                </a:cubicBezTo>
+                <a:cubicBezTo>
+                  <a:pt x="7610809" y="-25675"/>
+                  <a:pt x="7825190" y="-17078"/>
+                  <a:pt x="8098665" y="0"/>
+                </a:cubicBezTo>
+                <a:cubicBezTo>
+                  <a:pt x="8372141" y="17078"/>
+                  <a:pt x="8559625" y="-21568"/>
+                  <a:pt x="8681579" y="0"/>
+                </a:cubicBezTo>
+                <a:cubicBezTo>
+                  <a:pt x="8803533" y="21568"/>
+                  <a:pt x="9307226" y="-46066"/>
+                  <a:pt x="9612900" y="0"/>
+                </a:cubicBezTo>
+                <a:cubicBezTo>
+                  <a:pt x="10119954" y="-10560"/>
+                  <a:pt x="10418674" y="366684"/>
+                  <a:pt x="10515600" y="902700"/>
+                </a:cubicBezTo>
+                <a:cubicBezTo>
+                  <a:pt x="10494548" y="1140809"/>
+                  <a:pt x="10524881" y="1252168"/>
+                  <a:pt x="10515600" y="1504482"/>
+                </a:cubicBezTo>
+                <a:cubicBezTo>
+                  <a:pt x="10506319" y="1756796"/>
+                  <a:pt x="10494309" y="1995078"/>
+                  <a:pt x="10515600" y="2178479"/>
+                </a:cubicBezTo>
+                <a:cubicBezTo>
+                  <a:pt x="10536891" y="2361880"/>
+                  <a:pt x="10522845" y="2487483"/>
+                  <a:pt x="10515600" y="2780261"/>
+                </a:cubicBezTo>
+                <a:cubicBezTo>
+                  <a:pt x="10508355" y="3073039"/>
+                  <a:pt x="10533694" y="3138252"/>
+                  <a:pt x="10515600" y="3273722"/>
+                </a:cubicBezTo>
+                <a:cubicBezTo>
+                  <a:pt x="10497506" y="3409192"/>
+                  <a:pt x="10514952" y="3569910"/>
+                  <a:pt x="10515600" y="3803291"/>
+                </a:cubicBezTo>
+                <a:cubicBezTo>
+                  <a:pt x="10516248" y="4036672"/>
+                  <a:pt x="10499126" y="4317688"/>
+                  <a:pt x="10515600" y="4513394"/>
+                </a:cubicBezTo>
+                <a:cubicBezTo>
+                  <a:pt x="10585499" y="4997151"/>
+                  <a:pt x="10115437" y="5453981"/>
+                  <a:pt x="9612900" y="5416094"/>
+                </a:cubicBezTo>
+                <a:cubicBezTo>
+                  <a:pt x="9473271" y="5418358"/>
+                  <a:pt x="9316384" y="5423764"/>
+                  <a:pt x="9117089" y="5416094"/>
+                </a:cubicBezTo>
+                <a:cubicBezTo>
+                  <a:pt x="8917794" y="5408424"/>
+                  <a:pt x="8902141" y="5433256"/>
+                  <a:pt x="8708379" y="5416094"/>
+                </a:cubicBezTo>
+                <a:cubicBezTo>
+                  <a:pt x="8514617" y="5398933"/>
+                  <a:pt x="8454700" y="5422387"/>
+                  <a:pt x="8299670" y="5416094"/>
+                </a:cubicBezTo>
+                <a:cubicBezTo>
+                  <a:pt x="8144640" y="5409801"/>
+                  <a:pt x="7907022" y="5398388"/>
+                  <a:pt x="7629654" y="5416094"/>
+                </a:cubicBezTo>
+                <a:cubicBezTo>
+                  <a:pt x="7352286" y="5433800"/>
+                  <a:pt x="7244777" y="5409877"/>
+                  <a:pt x="7133843" y="5416094"/>
+                </a:cubicBezTo>
+                <a:cubicBezTo>
+                  <a:pt x="7022909" y="5422311"/>
+                  <a:pt x="6748865" y="5379753"/>
+                  <a:pt x="6376726" y="5416094"/>
+                </a:cubicBezTo>
+                <a:cubicBezTo>
+                  <a:pt x="6004587" y="5452435"/>
+                  <a:pt x="5991442" y="5438860"/>
+                  <a:pt x="5880914" y="5416094"/>
+                </a:cubicBezTo>
+                <a:cubicBezTo>
+                  <a:pt x="5770386" y="5393328"/>
+                  <a:pt x="5294303" y="5440618"/>
+                  <a:pt x="5123797" y="5416094"/>
+                </a:cubicBezTo>
+                <a:cubicBezTo>
+                  <a:pt x="4953291" y="5391570"/>
+                  <a:pt x="4828705" y="5430421"/>
+                  <a:pt x="4715088" y="5416094"/>
+                </a:cubicBezTo>
+                <a:cubicBezTo>
+                  <a:pt x="4601471" y="5401767"/>
+                  <a:pt x="4227806" y="5381491"/>
+                  <a:pt x="3957970" y="5416094"/>
+                </a:cubicBezTo>
+                <a:cubicBezTo>
+                  <a:pt x="3688134" y="5450697"/>
+                  <a:pt x="3670638" y="5425309"/>
+                  <a:pt x="3462159" y="5416094"/>
+                </a:cubicBezTo>
+                <a:cubicBezTo>
+                  <a:pt x="3253680" y="5406879"/>
+                  <a:pt x="3167443" y="5432031"/>
+                  <a:pt x="3053449" y="5416094"/>
+                </a:cubicBezTo>
+                <a:cubicBezTo>
+                  <a:pt x="2939455" y="5400158"/>
+                  <a:pt x="2701485" y="5433995"/>
+                  <a:pt x="2557638" y="5416094"/>
+                </a:cubicBezTo>
+                <a:cubicBezTo>
+                  <a:pt x="2413791" y="5398193"/>
+                  <a:pt x="2168647" y="5424510"/>
+                  <a:pt x="1800521" y="5416094"/>
+                </a:cubicBezTo>
+                <a:cubicBezTo>
+                  <a:pt x="1432395" y="5407678"/>
+                  <a:pt x="1261364" y="5454497"/>
+                  <a:pt x="902700" y="5416094"/>
+                </a:cubicBezTo>
+                <a:cubicBezTo>
+                  <a:pt x="519468" y="5419760"/>
+                  <a:pt x="63003" y="5077223"/>
+                  <a:pt x="0" y="4513394"/>
+                </a:cubicBezTo>
+                <a:cubicBezTo>
+                  <a:pt x="-20265" y="4243495"/>
+                  <a:pt x="27650" y="4053844"/>
+                  <a:pt x="0" y="3911612"/>
+                </a:cubicBezTo>
+                <a:cubicBezTo>
+                  <a:pt x="-27650" y="3769380"/>
+                  <a:pt x="24988" y="3469350"/>
+                  <a:pt x="0" y="3309829"/>
+                </a:cubicBezTo>
+                <a:cubicBezTo>
+                  <a:pt x="-24988" y="3150308"/>
+                  <a:pt x="-16973" y="2933511"/>
+                  <a:pt x="0" y="2780261"/>
+                </a:cubicBezTo>
+                <a:cubicBezTo>
+                  <a:pt x="16973" y="2627011"/>
+                  <a:pt x="-11552" y="2315258"/>
+                  <a:pt x="0" y="2106265"/>
+                </a:cubicBezTo>
+                <a:cubicBezTo>
+                  <a:pt x="11552" y="1897272"/>
+                  <a:pt x="-9167" y="1726905"/>
+                  <a:pt x="0" y="1504482"/>
+                </a:cubicBezTo>
+                <a:cubicBezTo>
+                  <a:pt x="9167" y="1282059"/>
+                  <a:pt x="10972" y="1160784"/>
+                  <a:pt x="0" y="902700"/>
+                </a:cubicBezTo>
+                <a:close/>
+              </a:path>
+            </a:pathLst>
+          </a:custGeom>
+          <a:noFill/>
+          <a:ln w="47625" cap="rnd">
+            <a:solidFill>
+              <a:srgbClr val="FFFFFF">
+                <a:alpha val="80000"/>
+              </a:srgbClr>
+            </a:solidFill>
+            <a:round/>
+            <a:extLst>
+              <a:ext uri="{C807C97D-BFC1-408E-A445-0C87EB9F89A2}">
+                <ask:lineSketchStyleProps xmlns:ask="http://schemas.microsoft.com/office/drawing/2018/sketchyshapes" sd="1219033472">
+                  <a:prstGeom prst="roundRect">
+                    <a:avLst/>
+                  </a:prstGeom>
+                  <ask:type>
+                    <ask:lineSketchFreehand/>
+                  </ask:type>
+                </ask:lineSketchStyleProps>
+              </a:ext>
+            </a:extLst>
+          </a:ln>
+        </p:spPr>
+        <p:style>
+          <a:lnRef idx="2">
+            <a:schemeClr val="accent1">
+              <a:shade val="50000"/>
+            </a:schemeClr>
+          </a:lnRef>
+          <a:fillRef idx="1">
+            <a:schemeClr val="accent1"/>
+          </a:fillRef>
+          <a:effectRef idx="0">
+            <a:schemeClr val="accent1"/>
+          </a:effectRef>
+          <a:fontRef idx="minor">
+            <a:schemeClr val="lt1"/>
+          </a:fontRef>
+        </p:style>
+        <p:txBody>
+          <a:bodyPr rtlCol="0" anchor="ctr"/>
+          <a:lstStyle/>
+          <a:p>
+            <a:pPr algn="ctr"/>
+            <a:endParaRPr lang="en-US"/>
           </a:p>
         </p:txBody>
       </p:sp>
@@ -3404,7 +4408,7 @@
     </p:extLst>
   </p:cSld>
   <p:clrMapOvr>
-    <a:masterClrMapping/>
+    <a:overrideClrMapping bg1="dk1" tx1="lt1" bg2="dk2" tx2="lt2" accent1="accent1" accent2="accent2" accent3="accent3" accent4="accent4" accent5="accent5" accent6="accent6" hlink="hlink" folHlink="folHlink"/>
   </p:clrMapOvr>
 </p:sld>
 </file>
@@ -3412,6 +4416,14 @@
 <file path=ppt/slides/slide2.xml><?xml version="1.0" encoding="utf-8"?>
 <p:sld xmlns:a="http://schemas.openxmlformats.org/drawingml/2006/main" xmlns:r="http://schemas.openxmlformats.org/officeDocument/2006/relationships" xmlns:p="http://schemas.openxmlformats.org/presentationml/2006/main">
   <p:cSld>
+    <p:bg>
+      <p:bgPr>
+        <a:solidFill>
+          <a:schemeClr val="bg1"/>
+        </a:solidFill>
+        <a:effectLst/>
+      </p:bgPr>
+    </p:bg>
     <p:spTree>
       <p:nvGrpSpPr>
         <p:cNvPr id="1" name=""/>
@@ -3426,6 +4438,378 @@
           <a:chExt cx="0" cy="0"/>
         </a:xfrm>
       </p:grpSpPr>
+      <p:pic>
+        <p:nvPicPr>
+          <p:cNvPr id="1026" name="Picture 2" descr="The Legislative Branch">
+            <a:extLst>
+              <a:ext uri="{FF2B5EF4-FFF2-40B4-BE49-F238E27FC236}">
+                <a16:creationId xmlns:a16="http://schemas.microsoft.com/office/drawing/2014/main" id="{97074B1D-CAB2-42ED-8B35-9DC8E0573BAB}"/>
+              </a:ext>
+            </a:extLst>
+          </p:cNvPr>
+          <p:cNvPicPr>
+            <a:picLocks noChangeAspect="1" noChangeArrowheads="1"/>
+          </p:cNvPicPr>
+          <p:nvPr/>
+        </p:nvPicPr>
+        <p:blipFill rotWithShape="1">
+          <a:blip r:embed="rId2">
+            <a:extLst>
+              <a:ext uri="{BEBA8EAE-BF5A-486C-A8C5-ECC9F3942E4B}">
+                <a14:imgProps xmlns:a14="http://schemas.microsoft.com/office/drawing/2010/main">
+                  <a14:imgLayer r:embed="rId3">
+                    <a14:imgEffect>
+                      <a14:backgroundRemoval t="9961" b="89844" l="3158" r="96316">
+                        <a14:foregroundMark x1="16667" y1="31836" x2="16667" y2="31836"/>
+                        <a14:foregroundMark x1="13158" y1="36133" x2="13158" y2="36133"/>
+                        <a14:foregroundMark x1="5965" y1="35156" x2="5965" y2="35156"/>
+                        <a14:foregroundMark x1="6491" y1="42578" x2="6491" y2="42578"/>
+                        <a14:foregroundMark x1="3158" y1="43945" x2="3158" y2="43945"/>
+                        <a14:foregroundMark x1="36316" y1="62891" x2="36316" y2="62891"/>
+                        <a14:foregroundMark x1="35789" y1="49023" x2="35789" y2="49023"/>
+                        <a14:foregroundMark x1="37544" y1="51953" x2="37544" y2="51953"/>
+                        <a14:foregroundMark x1="47368" y1="50391" x2="47368" y2="50391"/>
+                        <a14:foregroundMark x1="48421" y1="55664" x2="48421" y2="55664"/>
+                        <a14:foregroundMark x1="58772" y1="59961" x2="58772" y2="59961"/>
+                        <a14:foregroundMark x1="64035" y1="73047" x2="64035" y2="73047"/>
+                        <a14:foregroundMark x1="54561" y1="74219" x2="54561" y2="74219"/>
+                        <a14:foregroundMark x1="57544" y1="76953" x2="57544" y2="76953"/>
+                        <a14:foregroundMark x1="74035" y1="54297" x2="74035" y2="54297"/>
+                        <a14:foregroundMark x1="76316" y1="58203" x2="76316" y2="58203"/>
+                        <a14:foregroundMark x1="76667" y1="58594" x2="76667" y2="58594"/>
+                        <a14:foregroundMark x1="87719" y1="47461" x2="87719" y2="47461"/>
+                        <a14:foregroundMark x1="92632" y1="51563" x2="92632" y2="51563"/>
+                        <a14:foregroundMark x1="95965" y1="52930" x2="95965" y2="52930"/>
+                        <a14:foregroundMark x1="96316" y1="48047" x2="96316" y2="48047"/>
+                        <a14:foregroundMark x1="91754" y1="66211" x2="91754" y2="66211"/>
+                        <a14:foregroundMark x1="87895" y1="67578" x2="87895" y2="67578"/>
+                        <a14:foregroundMark x1="62632" y1="26953" x2="62632" y2="26953"/>
+                        <a14:foregroundMark x1="52632" y1="30273" x2="52632" y2="30273"/>
+                        <a14:foregroundMark x1="45439" y1="30273" x2="45439" y2="30273"/>
+                        <a14:foregroundMark x1="31228" y1="35742" x2="31228" y2="35742"/>
+                        <a14:foregroundMark x1="69123" y1="41992" x2="69123" y2="41992"/>
+                        <a14:foregroundMark x1="68246" y1="44727" x2="68246" y2="44727"/>
+                        <a14:foregroundMark x1="65088" y1="34570" x2="65088" y2="34570"/>
+                      </a14:backgroundRemoval>
+                    </a14:imgEffect>
+                  </a14:imgLayer>
+                </a14:imgProps>
+              </a:ext>
+              <a:ext uri="{28A0092B-C50C-407E-A947-70E740481C1C}">
+                <a14:useLocalDpi xmlns:a14="http://schemas.microsoft.com/office/drawing/2010/main" val="0"/>
+              </a:ext>
+            </a:extLst>
+          </a:blip>
+          <a:srcRect t="411" r="-1" b="4954"/>
+          <a:stretch/>
+        </p:blipFill>
+        <p:spPr bwMode="auto">
+          <a:xfrm flipH="1">
+            <a:off x="4117521" y="10"/>
+            <a:ext cx="8074479" cy="6857990"/>
+          </a:xfrm>
+          <a:prstGeom prst="rect">
+            <a:avLst/>
+          </a:prstGeom>
+          <a:noFill/>
+          <a:extLst>
+            <a:ext uri="{909E8E84-426E-40DD-AFC4-6F175D3DCCD1}">
+              <a14:hiddenFill xmlns:a14="http://schemas.microsoft.com/office/drawing/2010/main">
+                <a:solidFill>
+                  <a:srgbClr val="FFFFFF"/>
+                </a:solidFill>
+              </a14:hiddenFill>
+            </a:ext>
+          </a:extLst>
+        </p:spPr>
+      </p:pic>
+      <p:sp>
+        <p:nvSpPr>
+          <p:cNvPr id="135" name="Freeform: Shape 134">
+            <a:extLst>
+              <a:ext uri="{FF2B5EF4-FFF2-40B4-BE49-F238E27FC236}">
+                <a16:creationId xmlns:a16="http://schemas.microsoft.com/office/drawing/2014/main" id="{8F23F8A3-8FD7-4779-8323-FDC26BE99889}"/>
+              </a:ext>
+              <a:ext uri="{C183D7F6-B498-43B3-948B-1728B52AA6E4}">
+                <adec:decorative xmlns:adec="http://schemas.microsoft.com/office/drawing/2017/decorative" val="1"/>
+              </a:ext>
+            </a:extLst>
+          </p:cNvPr>
+          <p:cNvSpPr>
+            <a:spLocks noGrp="1" noRot="1" noChangeAspect="1" noMove="1" noResize="1" noEditPoints="1" noAdjustHandles="1" noChangeArrowheads="1" noChangeShapeType="1" noTextEdit="1"/>
+          </p:cNvSpPr>
+          <p:nvPr>
+            <p:extLst>
+              <p:ext uri="{386F3935-93C4-4BCD-93E2-E3B085C9AB24}">
+                <p16:designElem xmlns:p16="http://schemas.microsoft.com/office/powerpoint/2015/main" val="1"/>
+              </p:ext>
+            </p:extLst>
+          </p:nvPr>
+        </p:nvSpPr>
+        <p:spPr>
+          <a:xfrm flipV="1">
+            <a:off x="0" y="-478"/>
+            <a:ext cx="7859800" cy="6858478"/>
+          </a:xfrm>
+          <a:custGeom>
+            <a:avLst/>
+            <a:gdLst>
+              <a:gd name="connsiteX0" fmla="*/ 7859800 w 7859800"/>
+              <a:gd name="connsiteY0" fmla="*/ 6858478 h 6858478"/>
+              <a:gd name="connsiteX1" fmla="*/ 435245 w 7859800"/>
+              <a:gd name="connsiteY1" fmla="*/ 6858478 h 6858478"/>
+              <a:gd name="connsiteX2" fmla="*/ 435505 w 7859800"/>
+              <a:gd name="connsiteY2" fmla="*/ 6857916 h 6858478"/>
+              <a:gd name="connsiteX3" fmla="*/ 0 w 7859800"/>
+              <a:gd name="connsiteY3" fmla="*/ 6857916 h 6858478"/>
+              <a:gd name="connsiteX4" fmla="*/ 0 w 7859800"/>
+              <a:gd name="connsiteY4" fmla="*/ 0 h 6858478"/>
+              <a:gd name="connsiteX5" fmla="*/ 3611620 w 7859800"/>
+              <a:gd name="connsiteY5" fmla="*/ 0 h 6858478"/>
+              <a:gd name="connsiteX6" fmla="*/ 4677848 w 7859800"/>
+              <a:gd name="connsiteY6" fmla="*/ 0 h 6858478"/>
+              <a:gd name="connsiteX7" fmla="*/ 4683425 w 7859800"/>
+              <a:gd name="connsiteY7" fmla="*/ 0 h 6858478"/>
+            </a:gdLst>
+            <a:ahLst/>
+            <a:cxnLst>
+              <a:cxn ang="0">
+                <a:pos x="connsiteX0" y="connsiteY0"/>
+              </a:cxn>
+              <a:cxn ang="0">
+                <a:pos x="connsiteX1" y="connsiteY1"/>
+              </a:cxn>
+              <a:cxn ang="0">
+                <a:pos x="connsiteX2" y="connsiteY2"/>
+              </a:cxn>
+              <a:cxn ang="0">
+                <a:pos x="connsiteX3" y="connsiteY3"/>
+              </a:cxn>
+              <a:cxn ang="0">
+                <a:pos x="connsiteX4" y="connsiteY4"/>
+              </a:cxn>
+              <a:cxn ang="0">
+                <a:pos x="connsiteX5" y="connsiteY5"/>
+              </a:cxn>
+              <a:cxn ang="0">
+                <a:pos x="connsiteX6" y="connsiteY6"/>
+              </a:cxn>
+              <a:cxn ang="0">
+                <a:pos x="connsiteX7" y="connsiteY7"/>
+              </a:cxn>
+            </a:cxnLst>
+            <a:rect l="l" t="t" r="r" b="b"/>
+            <a:pathLst>
+              <a:path w="7859800" h="6858478">
+                <a:moveTo>
+                  <a:pt x="7859800" y="6858478"/>
+                </a:moveTo>
+                <a:lnTo>
+                  <a:pt x="435245" y="6858478"/>
+                </a:lnTo>
+                <a:lnTo>
+                  <a:pt x="435505" y="6857916"/>
+                </a:lnTo>
+                <a:lnTo>
+                  <a:pt x="0" y="6857916"/>
+                </a:lnTo>
+                <a:lnTo>
+                  <a:pt x="0" y="0"/>
+                </a:lnTo>
+                <a:lnTo>
+                  <a:pt x="3611620" y="0"/>
+                </a:lnTo>
+                <a:lnTo>
+                  <a:pt x="4677848" y="0"/>
+                </a:lnTo>
+                <a:lnTo>
+                  <a:pt x="4683425" y="0"/>
+                </a:lnTo>
+                <a:close/>
+              </a:path>
+            </a:pathLst>
+          </a:custGeom>
+          <a:solidFill>
+            <a:schemeClr val="bg1">
+              <a:lumMod val="85000"/>
+              <a:lumOff val="15000"/>
+              <a:alpha val="70000"/>
+            </a:schemeClr>
+          </a:solidFill>
+          <a:ln>
+            <a:noFill/>
+          </a:ln>
+        </p:spPr>
+        <p:style>
+          <a:lnRef idx="2">
+            <a:schemeClr val="accent1">
+              <a:shade val="50000"/>
+            </a:schemeClr>
+          </a:lnRef>
+          <a:fillRef idx="1">
+            <a:schemeClr val="accent1"/>
+          </a:fillRef>
+          <a:effectRef idx="0">
+            <a:schemeClr val="accent1"/>
+          </a:effectRef>
+          <a:fontRef idx="minor">
+            <a:schemeClr val="lt1"/>
+          </a:fontRef>
+        </p:style>
+        <p:txBody>
+          <a:bodyPr wrap="square" rtlCol="0" anchor="ctr">
+            <a:noAutofit/>
+          </a:bodyPr>
+          <a:lstStyle/>
+          <a:p>
+            <a:pPr algn="ctr"/>
+            <a:endParaRPr lang="en-US"/>
+          </a:p>
+        </p:txBody>
+      </p:sp>
+      <p:sp>
+        <p:nvSpPr>
+          <p:cNvPr id="137" name="Freeform: Shape 136">
+            <a:extLst>
+              <a:ext uri="{FF2B5EF4-FFF2-40B4-BE49-F238E27FC236}">
+                <a16:creationId xmlns:a16="http://schemas.microsoft.com/office/drawing/2014/main" id="{F605C4CC-A25C-416F-8333-7CB7DC97D870}"/>
+              </a:ext>
+              <a:ext uri="{C183D7F6-B498-43B3-948B-1728B52AA6E4}">
+                <adec:decorative xmlns:adec="http://schemas.microsoft.com/office/drawing/2017/decorative" val="1"/>
+              </a:ext>
+            </a:extLst>
+          </p:cNvPr>
+          <p:cNvSpPr>
+            <a:spLocks noGrp="1" noRot="1" noChangeAspect="1" noMove="1" noResize="1" noEditPoints="1" noAdjustHandles="1" noChangeArrowheads="1" noChangeShapeType="1" noTextEdit="1"/>
+          </p:cNvSpPr>
+          <p:nvPr>
+            <p:extLst>
+              <p:ext uri="{386F3935-93C4-4BCD-93E2-E3B085C9AB24}">
+                <p16:designElem xmlns:p16="http://schemas.microsoft.com/office/powerpoint/2015/main" val="1"/>
+              </p:ext>
+            </p:extLst>
+          </p:nvPr>
+        </p:nvSpPr>
+        <p:spPr>
+          <a:xfrm flipV="1">
+            <a:off x="0" y="-478"/>
+            <a:ext cx="7431174" cy="6858478"/>
+          </a:xfrm>
+          <a:custGeom>
+            <a:avLst/>
+            <a:gdLst>
+              <a:gd name="connsiteX0" fmla="*/ 7431174 w 7431174"/>
+              <a:gd name="connsiteY0" fmla="*/ 6858478 h 6858478"/>
+              <a:gd name="connsiteX1" fmla="*/ 6619 w 7431174"/>
+              <a:gd name="connsiteY1" fmla="*/ 6858478 h 6858478"/>
+              <a:gd name="connsiteX2" fmla="*/ 6879 w 7431174"/>
+              <a:gd name="connsiteY2" fmla="*/ 6857916 h 6858478"/>
+              <a:gd name="connsiteX3" fmla="*/ 0 w 7431174"/>
+              <a:gd name="connsiteY3" fmla="*/ 6857916 h 6858478"/>
+              <a:gd name="connsiteX4" fmla="*/ 0 w 7431174"/>
+              <a:gd name="connsiteY4" fmla="*/ 0 h 6858478"/>
+              <a:gd name="connsiteX5" fmla="*/ 3182994 w 7431174"/>
+              <a:gd name="connsiteY5" fmla="*/ 0 h 6858478"/>
+              <a:gd name="connsiteX6" fmla="*/ 4249222 w 7431174"/>
+              <a:gd name="connsiteY6" fmla="*/ 0 h 6858478"/>
+              <a:gd name="connsiteX7" fmla="*/ 4254799 w 7431174"/>
+              <a:gd name="connsiteY7" fmla="*/ 0 h 6858478"/>
+            </a:gdLst>
+            <a:ahLst/>
+            <a:cxnLst>
+              <a:cxn ang="0">
+                <a:pos x="connsiteX0" y="connsiteY0"/>
+              </a:cxn>
+              <a:cxn ang="0">
+                <a:pos x="connsiteX1" y="connsiteY1"/>
+              </a:cxn>
+              <a:cxn ang="0">
+                <a:pos x="connsiteX2" y="connsiteY2"/>
+              </a:cxn>
+              <a:cxn ang="0">
+                <a:pos x="connsiteX3" y="connsiteY3"/>
+              </a:cxn>
+              <a:cxn ang="0">
+                <a:pos x="connsiteX4" y="connsiteY4"/>
+              </a:cxn>
+              <a:cxn ang="0">
+                <a:pos x="connsiteX5" y="connsiteY5"/>
+              </a:cxn>
+              <a:cxn ang="0">
+                <a:pos x="connsiteX6" y="connsiteY6"/>
+              </a:cxn>
+              <a:cxn ang="0">
+                <a:pos x="connsiteX7" y="connsiteY7"/>
+              </a:cxn>
+            </a:cxnLst>
+            <a:rect l="l" t="t" r="r" b="b"/>
+            <a:pathLst>
+              <a:path w="7431174" h="6858478">
+                <a:moveTo>
+                  <a:pt x="7431174" y="6858478"/>
+                </a:moveTo>
+                <a:lnTo>
+                  <a:pt x="6619" y="6858478"/>
+                </a:lnTo>
+                <a:lnTo>
+                  <a:pt x="6879" y="6857916"/>
+                </a:lnTo>
+                <a:lnTo>
+                  <a:pt x="0" y="6857916"/>
+                </a:lnTo>
+                <a:lnTo>
+                  <a:pt x="0" y="0"/>
+                </a:lnTo>
+                <a:lnTo>
+                  <a:pt x="3182994" y="0"/>
+                </a:lnTo>
+                <a:lnTo>
+                  <a:pt x="4249222" y="0"/>
+                </a:lnTo>
+                <a:lnTo>
+                  <a:pt x="4254799" y="0"/>
+                </a:lnTo>
+                <a:close/>
+              </a:path>
+            </a:pathLst>
+          </a:custGeom>
+          <a:solidFill>
+            <a:schemeClr val="bg1">
+              <a:lumMod val="85000"/>
+              <a:lumOff val="15000"/>
+            </a:schemeClr>
+          </a:solidFill>
+          <a:ln>
+            <a:noFill/>
+          </a:ln>
+        </p:spPr>
+        <p:style>
+          <a:lnRef idx="2">
+            <a:schemeClr val="accent1">
+              <a:shade val="50000"/>
+            </a:schemeClr>
+          </a:lnRef>
+          <a:fillRef idx="1">
+            <a:schemeClr val="accent1"/>
+          </a:fillRef>
+          <a:effectRef idx="0">
+            <a:schemeClr val="accent1"/>
+          </a:effectRef>
+          <a:fontRef idx="minor">
+            <a:schemeClr val="lt1"/>
+          </a:fontRef>
+        </p:style>
+        <p:txBody>
+          <a:bodyPr wrap="square" rtlCol="0" anchor="ctr">
+            <a:noAutofit/>
+          </a:bodyPr>
+          <a:lstStyle/>
+          <a:p>
+            <a:pPr algn="ctr"/>
+            <a:endParaRPr lang="en-US"/>
+          </a:p>
+        </p:txBody>
+      </p:sp>
       <p:sp>
         <p:nvSpPr>
           <p:cNvPr id="2" name="Title 1">
@@ -3442,9 +4826,16 @@
             <p:ph type="title"/>
           </p:nvPr>
         </p:nvSpPr>
-        <p:spPr/>
-        <p:txBody>
-          <a:bodyPr/>
+        <p:spPr>
+          <a:xfrm>
+            <a:off x="804672" y="365125"/>
+            <a:ext cx="5266155" cy="1325563"/>
+          </a:xfrm>
+        </p:spPr>
+        <p:txBody>
+          <a:bodyPr>
+            <a:normAutofit/>
+          </a:bodyPr>
           <a:lstStyle/>
           <a:p>
             <a:r>
@@ -3470,30 +4861,80 @@
             <p:ph idx="1"/>
           </p:nvPr>
         </p:nvSpPr>
-        <p:spPr/>
-        <p:txBody>
-          <a:bodyPr/>
+        <p:spPr>
+          <a:xfrm>
+            <a:off x="804672" y="2022601"/>
+            <a:ext cx="3941499" cy="4154361"/>
+          </a:xfrm>
+        </p:spPr>
+        <p:txBody>
+          <a:bodyPr>
+            <a:normAutofit/>
+          </a:bodyPr>
           <a:lstStyle/>
           <a:p>
             <a:r>
-              <a:rPr lang="en-US" dirty="0"/>
+              <a:rPr lang="en-US" sz="2000"/>
               <a:t>Tailored to specific school communities</a:t>
             </a:r>
           </a:p>
           <a:p>
             <a:r>
-              <a:rPr lang="en-US" dirty="0"/>
+              <a:rPr lang="en-US" sz="2000"/>
               <a:t>Better informing schools on how to prepare students to get into college</a:t>
             </a:r>
           </a:p>
           <a:p>
             <a:r>
-              <a:rPr lang="en-US" dirty="0"/>
+              <a:rPr lang="en-US" sz="2000"/>
               <a:t>Interpretable and practical decision tree results</a:t>
             </a:r>
           </a:p>
         </p:txBody>
       </p:sp>
+      <p:pic>
+        <p:nvPicPr>
+          <p:cNvPr id="7" name="Picture 6" descr="Shape, arrow&#10;&#10;Description automatically generated">
+            <a:extLst>
+              <a:ext uri="{FF2B5EF4-FFF2-40B4-BE49-F238E27FC236}">
+                <a16:creationId xmlns:a16="http://schemas.microsoft.com/office/drawing/2014/main" id="{DFA28636-4674-4704-8770-2DB64B3799A3}"/>
+              </a:ext>
+            </a:extLst>
+          </p:cNvPr>
+          <p:cNvPicPr>
+            <a:picLocks noChangeAspect="1"/>
+          </p:cNvPicPr>
+          <p:nvPr/>
+        </p:nvPicPr>
+        <p:blipFill>
+          <a:blip r:embed="rId4">
+            <a:duotone>
+              <a:schemeClr val="accent6">
+                <a:shade val="45000"/>
+                <a:satMod val="135000"/>
+              </a:schemeClr>
+              <a:prstClr val="white"/>
+            </a:duotone>
+            <a:extLst>
+              <a:ext uri="{28A0092B-C50C-407E-A947-70E740481C1C}">
+                <a14:useLocalDpi xmlns:a14="http://schemas.microsoft.com/office/drawing/2010/main" val="0"/>
+              </a:ext>
+            </a:extLst>
+          </a:blip>
+          <a:stretch>
+            <a:fillRect/>
+          </a:stretch>
+        </p:blipFill>
+        <p:spPr>
+          <a:xfrm>
+            <a:off x="3522991" y="302879"/>
+            <a:ext cx="1250301" cy="1250301"/>
+          </a:xfrm>
+          <a:prstGeom prst="rect">
+            <a:avLst/>
+          </a:prstGeom>
+        </p:spPr>
+      </p:pic>
     </p:spTree>
     <p:extLst>
       <p:ext uri="{BB962C8B-B14F-4D97-AF65-F5344CB8AC3E}">
@@ -3502,7 +4943,7 @@
     </p:extLst>
   </p:cSld>
   <p:clrMapOvr>
-    <a:masterClrMapping/>
+    <a:overrideClrMapping bg1="dk1" tx1="lt1" bg2="dk2" tx2="lt2" accent1="accent1" accent2="accent2" accent3="accent3" accent4="accent4" accent5="accent5" accent6="accent6" hlink="hlink" folHlink="folHlink"/>
   </p:clrMapOvr>
 </p:sld>
 </file>
@@ -3510,6 +4951,14 @@
 <file path=ppt/slides/slide3.xml><?xml version="1.0" encoding="utf-8"?>
 <p:sld xmlns:a="http://schemas.openxmlformats.org/drawingml/2006/main" xmlns:r="http://schemas.openxmlformats.org/officeDocument/2006/relationships" xmlns:p="http://schemas.openxmlformats.org/presentationml/2006/main">
   <p:cSld>
+    <p:bg>
+      <p:bgPr>
+        <a:solidFill>
+          <a:schemeClr val="bg1"/>
+        </a:solidFill>
+        <a:effectLst/>
+      </p:bgPr>
+    </p:bg>
     <p:spTree>
       <p:nvGrpSpPr>
         <p:cNvPr id="1" name=""/>
@@ -3540,9 +4989,16 @@
             <p:ph type="title"/>
           </p:nvPr>
         </p:nvSpPr>
-        <p:spPr/>
-        <p:txBody>
-          <a:bodyPr/>
+        <p:spPr>
+          <a:xfrm>
+            <a:off x="3986206" y="387701"/>
+            <a:ext cx="6172200" cy="1828800"/>
+          </a:xfrm>
+        </p:spPr>
+        <p:txBody>
+          <a:bodyPr>
+            <a:normAutofit/>
+          </a:bodyPr>
           <a:lstStyle/>
           <a:p>
             <a:r>
@@ -3568,52 +5024,212 @@
             <p:ph idx="1"/>
           </p:nvPr>
         </p:nvSpPr>
-        <p:spPr/>
-        <p:txBody>
-          <a:bodyPr/>
+        <p:spPr>
+          <a:xfrm>
+            <a:off x="3986206" y="2216501"/>
+            <a:ext cx="6172200" cy="3858768"/>
+          </a:xfrm>
+        </p:spPr>
+        <p:txBody>
+          <a:bodyPr>
+            <a:normAutofit/>
+          </a:bodyPr>
           <a:lstStyle/>
           <a:p>
             <a:r>
-              <a:rPr lang="en-US" dirty="0"/>
+              <a:rPr lang="en-US" sz="2000" dirty="0"/>
               <a:t>2017 Public School Data from Massachusetts</a:t>
             </a:r>
           </a:p>
           <a:p>
             <a:pPr lvl="1"/>
             <a:r>
-              <a:rPr lang="en-US" dirty="0"/>
+              <a:rPr lang="en-US" sz="2000" dirty="0"/>
               <a:t>Remove schools that do not cater to any high school students</a:t>
             </a:r>
           </a:p>
           <a:p>
             <a:pPr lvl="1"/>
             <a:r>
-              <a:rPr lang="en-US" dirty="0"/>
+              <a:rPr lang="en-US" sz="2000" dirty="0"/>
               <a:t>Remove features that are not standard among most if not all schools in the country</a:t>
             </a:r>
           </a:p>
           <a:p>
             <a:pPr lvl="1"/>
             <a:r>
-              <a:rPr lang="en-US" dirty="0"/>
+              <a:rPr lang="en-US" sz="2000" dirty="0"/>
               <a:t>Convert data to binary variables for LP</a:t>
             </a:r>
           </a:p>
           <a:p>
             <a:r>
-              <a:rPr lang="en-US" dirty="0"/>
+              <a:rPr lang="en-US" sz="2000" dirty="0"/>
               <a:t>Average Percentage of Students that Attended College after high school in Massachusetts </a:t>
             </a:r>
           </a:p>
           <a:p>
             <a:pPr lvl="1"/>
             <a:r>
-              <a:rPr lang="en-US" dirty="0"/>
+              <a:rPr lang="en-US" sz="2000" dirty="0"/>
               <a:t>Used in determining is a school is “successful” in that they send a higher percentage of students to college after high school than the state as a whole</a:t>
             </a:r>
           </a:p>
         </p:txBody>
       </p:sp>
+      <p:pic>
+        <p:nvPicPr>
+          <p:cNvPr id="7" name="Picture 6" descr="A tree with green leaves&#10;&#10;Description automatically generated with medium confidence">
+            <a:extLst>
+              <a:ext uri="{FF2B5EF4-FFF2-40B4-BE49-F238E27FC236}">
+                <a16:creationId xmlns:a16="http://schemas.microsoft.com/office/drawing/2014/main" id="{DD064B4D-C075-49CE-810D-BDE127C6A06B}"/>
+              </a:ext>
+            </a:extLst>
+          </p:cNvPr>
+          <p:cNvPicPr>
+            <a:picLocks noChangeAspect="1"/>
+          </p:cNvPicPr>
+          <p:nvPr/>
+        </p:nvPicPr>
+        <p:blipFill>
+          <a:blip r:embed="rId2">
+            <a:extLst>
+              <a:ext uri="{28A0092B-C50C-407E-A947-70E740481C1C}">
+                <a14:useLocalDpi xmlns:a14="http://schemas.microsoft.com/office/drawing/2010/main" val="0"/>
+              </a:ext>
+            </a:extLst>
+          </a:blip>
+          <a:stretch>
+            <a:fillRect/>
+          </a:stretch>
+        </p:blipFill>
+        <p:spPr>
+          <a:xfrm>
+            <a:off x="-3286748" y="-7132484"/>
+            <a:ext cx="7107528" cy="13990483"/>
+          </a:xfrm>
+          <a:prstGeom prst="rect">
+            <a:avLst/>
+          </a:prstGeom>
+        </p:spPr>
+      </p:pic>
+      <p:pic>
+        <p:nvPicPr>
+          <p:cNvPr id="8" name="Picture 7">
+            <a:extLst>
+              <a:ext uri="{FF2B5EF4-FFF2-40B4-BE49-F238E27FC236}">
+                <a16:creationId xmlns:a16="http://schemas.microsoft.com/office/drawing/2014/main" id="{063D56AF-64F1-4ACE-A460-F8C579EF863F}"/>
+              </a:ext>
+            </a:extLst>
+          </p:cNvPr>
+          <p:cNvPicPr>
+            <a:picLocks noChangeAspect="1"/>
+          </p:cNvPicPr>
+          <p:nvPr/>
+        </p:nvPicPr>
+        <p:blipFill>
+          <a:blip r:embed="rId3">
+            <a:duotone>
+              <a:schemeClr val="accent4">
+                <a:shade val="45000"/>
+                <a:satMod val="135000"/>
+              </a:schemeClr>
+              <a:prstClr val="white"/>
+            </a:duotone>
+            <a:extLst>
+              <a:ext uri="{BEBA8EAE-BF5A-486C-A8C5-ECC9F3942E4B}">
+                <a14:imgProps xmlns:a14="http://schemas.microsoft.com/office/drawing/2010/main">
+                  <a14:imgLayer r:embed="rId4">
+                    <a14:imgEffect>
+                      <a14:backgroundRemoval t="5455" b="92500" l="4286" r="95238">
+                        <a14:foregroundMark x1="43571" y1="25341" x2="43571" y2="25341"/>
+                        <a14:foregroundMark x1="42500" y1="26023" x2="42500" y2="26023"/>
+                        <a14:foregroundMark x1="42262" y1="27386" x2="41429" y2="44318"/>
+                        <a14:foregroundMark x1="43095" y1="44091" x2="41071" y2="51591"/>
+                        <a14:foregroundMark x1="41071" y1="51591" x2="41429" y2="57955"/>
+                        <a14:foregroundMark x1="42976" y1="50227" x2="58333" y2="47614"/>
+                        <a14:foregroundMark x1="58333" y1="47614" x2="72976" y2="42159"/>
+                        <a14:foregroundMark x1="72976" y1="42159" x2="78214" y2="38068"/>
+                        <a14:foregroundMark x1="61190" y1="23295" x2="64405" y2="29659"/>
+                        <a14:foregroundMark x1="64405" y1="29659" x2="65476" y2="36932"/>
+                        <a14:foregroundMark x1="65476" y1="36932" x2="64524" y2="52841"/>
+                        <a14:foregroundMark x1="39167" y1="26136" x2="46905" y2="26477"/>
+                        <a14:foregroundMark x1="46905" y1="26477" x2="65714" y2="18636"/>
+                        <a14:foregroundMark x1="65714" y1="18636" x2="68214" y2="16591"/>
+                        <a14:foregroundMark x1="68214" y1="16591" x2="77262" y2="28409"/>
+                        <a14:foregroundMark x1="77262" y1="28409" x2="80476" y2="42273"/>
+                        <a14:foregroundMark x1="80476" y1="42273" x2="78452" y2="49091"/>
+                        <a14:foregroundMark x1="78452" y1="49091" x2="78452" y2="49432"/>
+                        <a14:foregroundMark x1="42857" y1="5568" x2="53929" y2="14773"/>
+                        <a14:foregroundMark x1="53929" y1="14773" x2="58214" y2="20568"/>
+                        <a14:foregroundMark x1="58214" y1="20568" x2="58810" y2="20455"/>
+                        <a14:foregroundMark x1="45476" y1="6250" x2="53571" y2="7841"/>
+                        <a14:foregroundMark x1="53571" y1="7841" x2="66905" y2="15909"/>
+                        <a14:foregroundMark x1="66905" y1="15909" x2="68095" y2="15795"/>
+                        <a14:foregroundMark x1="41667" y1="6023" x2="42738" y2="21591"/>
+                        <a14:foregroundMark x1="42738" y1="21591" x2="40952" y2="26705"/>
+                        <a14:foregroundMark x1="15357" y1="17955" x2="37024" y2="26136"/>
+                        <a14:foregroundMark x1="37024" y1="26136" x2="41310" y2="25455"/>
+                        <a14:foregroundMark x1="41548" y1="5455" x2="35000" y2="8636"/>
+                        <a14:foregroundMark x1="35000" y1="8636" x2="24405" y2="19773"/>
+                        <a14:foregroundMark x1="24405" y1="19773" x2="19881" y2="31023"/>
+                        <a14:foregroundMark x1="37381" y1="5682" x2="30119" y2="6477"/>
+                        <a14:foregroundMark x1="30119" y1="6477" x2="20662" y2="10725"/>
+                        <a14:foregroundMark x1="13072" y1="16873" x2="7024" y2="25341"/>
+                        <a14:foregroundMark x1="29881" y1="6477" x2="29881" y2="6477"/>
+                        <a14:foregroundMark x1="13929" y1="16705" x2="18333" y2="12955"/>
+                        <a14:foregroundMark x1="13690" y1="16477" x2="17738" y2="13182"/>
+                        <a14:foregroundMark x1="7024" y1="27500" x2="7024" y2="27500"/>
+                        <a14:foregroundMark x1="7500" y1="29545" x2="4286" y2="35795"/>
+                        <a14:foregroundMark x1="4286" y1="35795" x2="4524" y2="38523"/>
+                        <a14:foregroundMark x1="20595" y1="31136" x2="17976" y2="45455"/>
+                        <a14:foregroundMark x1="5238" y1="39545" x2="26071" y2="47955"/>
+                        <a14:foregroundMark x1="26071" y1="47955" x2="41667" y2="50341"/>
+                        <a14:foregroundMark x1="18690" y1="48523" x2="21667" y2="55341"/>
+                        <a14:foregroundMark x1="21667" y1="55341" x2="22500" y2="62500"/>
+                        <a14:foregroundMark x1="22500" y1="62500" x2="25119" y2="67386"/>
+                        <a14:foregroundMark x1="4762" y1="40568" x2="5595" y2="50568"/>
+                        <a14:foregroundMark x1="6429" y1="52500" x2="8571" y2="58068"/>
+                        <a14:foregroundMark x1="10357" y1="60114" x2="18571" y2="64545"/>
+                        <a14:foregroundMark x1="11310" y1="63409" x2="16190" y2="68977"/>
+                        <a14:foregroundMark x1="16190" y1="68977" x2="22738" y2="73182"/>
+                        <a14:foregroundMark x1="22738" y1="73182" x2="24762" y2="73864"/>
+                        <a14:foregroundMark x1="39524" y1="76591" x2="39286" y2="84545"/>
+                        <a14:foregroundMark x1="39286" y1="84545" x2="37143" y2="91023"/>
+                        <a14:foregroundMark x1="53214" y1="78182" x2="50833" y2="90568"/>
+                        <a14:foregroundMark x1="71310" y1="74886" x2="71429" y2="82500"/>
+                        <a14:foregroundMark x1="71429" y1="82500" x2="67857" y2="91250"/>
+                        <a14:foregroundMark x1="85595" y1="67614" x2="81905" y2="92500"/>
+                        <a14:foregroundMark x1="81905" y1="92500" x2="82143" y2="92386"/>
+                        <a14:foregroundMark x1="95238" y1="46932" x2="89881" y2="52273"/>
+                        <a14:backgroundMark x1="15119" y1="13750" x2="15119" y2="13750"/>
+                        <a14:backgroundMark x1="14141" y1="15499" x2="12738" y2="16591"/>
+                        <a14:backgroundMark x1="20476" y1="10568" x2="18084" y2="12430"/>
+                        <a14:backgroundMark x1="24405" y1="52159" x2="35476" y2="62955"/>
+                        <a14:backgroundMark x1="35476" y1="62955" x2="42976" y2="63295"/>
+                        <a14:backgroundMark x1="42976" y1="63295" x2="50119" y2="61477"/>
+                        <a14:backgroundMark x1="50119" y1="61477" x2="50238" y2="61477"/>
+                      </a14:backgroundRemoval>
+                    </a14:imgEffect>
+                  </a14:imgLayer>
+                </a14:imgProps>
+              </a:ext>
+            </a:extLst>
+          </a:blip>
+          <a:stretch>
+            <a:fillRect/>
+          </a:stretch>
+        </p:blipFill>
+        <p:spPr>
+          <a:xfrm>
+            <a:off x="6275189" y="782731"/>
+            <a:ext cx="1015799" cy="1064170"/>
+          </a:xfrm>
+          <a:prstGeom prst="rect">
+            <a:avLst/>
+          </a:prstGeom>
+        </p:spPr>
+      </p:pic>
     </p:spTree>
     <p:extLst>
       <p:ext uri="{BB962C8B-B14F-4D97-AF65-F5344CB8AC3E}">
@@ -3622,7 +5238,7 @@
     </p:extLst>
   </p:cSld>
   <p:clrMapOvr>
-    <a:masterClrMapping/>
+    <a:overrideClrMapping bg1="dk1" tx1="lt1" bg2="dk2" tx2="lt2" accent1="accent1" accent2="accent2" accent3="accent3" accent4="accent4" accent5="accent5" accent6="accent6" hlink="hlink" folHlink="folHlink"/>
   </p:clrMapOvr>
 </p:sld>
 </file>
@@ -3630,6 +5246,17 @@
 <file path=ppt/slides/slide4.xml><?xml version="1.0" encoding="utf-8"?>
 <p:sld xmlns:a="http://schemas.openxmlformats.org/drawingml/2006/main" xmlns:r="http://schemas.openxmlformats.org/officeDocument/2006/relationships" xmlns:p="http://schemas.openxmlformats.org/presentationml/2006/main">
   <p:cSld>
+    <p:bg>
+      <p:bgPr>
+        <a:solidFill>
+          <a:schemeClr val="tx1">
+            <a:lumMod val="65000"/>
+            <a:lumOff val="35000"/>
+          </a:schemeClr>
+        </a:solidFill>
+        <a:effectLst/>
+      </p:bgPr>
+    </p:bg>
     <p:spTree>
       <p:nvGrpSpPr>
         <p:cNvPr id="1" name=""/>
@@ -3649,7 +5276,7 @@
           <p:cNvPr id="2" name="Title 1">
             <a:extLst>
               <a:ext uri="{FF2B5EF4-FFF2-40B4-BE49-F238E27FC236}">
-                <a16:creationId xmlns:a16="http://schemas.microsoft.com/office/drawing/2014/main" id="{ADD6D830-A66C-4E68-A2E8-38B11A39E630}"/>
+                <a16:creationId xmlns:a16="http://schemas.microsoft.com/office/drawing/2014/main" id="{12E5E657-7BEA-45FB-8B5C-E14A66BFE975}"/>
               </a:ext>
             </a:extLst>
           </p:cNvPr>
@@ -3660,62 +5287,1280 @@
             <p:ph type="title"/>
           </p:nvPr>
         </p:nvSpPr>
-        <p:spPr/>
+        <p:spPr>
+          <a:xfrm>
+            <a:off x="3864429" y="156708"/>
+            <a:ext cx="3640494" cy="1325563"/>
+          </a:xfrm>
+        </p:spPr>
         <p:txBody>
           <a:bodyPr/>
           <a:lstStyle/>
           <a:p>
             <a:r>
-              <a:rPr lang="en-US" dirty="0"/>
-              <a:t>Model Set Up</a:t>
-            </a:r>
-          </a:p>
-        </p:txBody>
-      </p:sp>
-      <p:sp>
-        <p:nvSpPr>
-          <p:cNvPr id="3" name="Content Placeholder 2">
-            <a:extLst>
-              <a:ext uri="{FF2B5EF4-FFF2-40B4-BE49-F238E27FC236}">
-                <a16:creationId xmlns:a16="http://schemas.microsoft.com/office/drawing/2014/main" id="{19F67473-2569-4A59-B2DD-4950152203D2}"/>
-              </a:ext>
-            </a:extLst>
-          </p:cNvPr>
-          <p:cNvSpPr>
-            <a:spLocks noGrp="1"/>
-          </p:cNvSpPr>
+              <a:rPr lang="en-US" b="1" dirty="0">
+                <a:solidFill>
+                  <a:schemeClr val="bg1"/>
+                </a:solidFill>
+              </a:rPr>
+              <a:t>Quick Example</a:t>
+            </a:r>
+          </a:p>
+        </p:txBody>
+      </p:sp>
+      <p:graphicFrame>
+        <p:nvGraphicFramePr>
+          <p:cNvPr id="4" name="Table 4">
+            <a:extLst>
+              <a:ext uri="{FF2B5EF4-FFF2-40B4-BE49-F238E27FC236}">
+                <a16:creationId xmlns:a16="http://schemas.microsoft.com/office/drawing/2014/main" id="{B61EF41D-1DF8-44CC-BA7F-075ACA757588}"/>
+              </a:ext>
+            </a:extLst>
+          </p:cNvPr>
+          <p:cNvGraphicFramePr>
+            <a:graphicFrameLocks noGrp="1"/>
+          </p:cNvGraphicFramePr>
           <p:nvPr>
             <p:ph idx="1"/>
-          </p:nvPr>
-        </p:nvSpPr>
-        <p:spPr/>
-        <p:txBody>
-          <a:bodyPr/>
+            <p:extLst>
+              <p:ext uri="{D42A27DB-BD31-4B8C-83A1-F6EECF244321}">
+                <p14:modId xmlns:p14="http://schemas.microsoft.com/office/powerpoint/2010/main" val="1480135206"/>
+              </p:ext>
+            </p:extLst>
+          </p:nvPr>
+        </p:nvGraphicFramePr>
+        <p:xfrm>
+          <a:off x="634634" y="1711417"/>
+          <a:ext cx="5693230" cy="3977640"/>
+        </p:xfrm>
+        <a:graphic>
+          <a:graphicData uri="http://schemas.openxmlformats.org/drawingml/2006/table">
+            <a:tbl>
+              <a:tblPr firstRow="1" bandRow="1">
+                <a:tableStyleId>{5C22544A-7EE6-4342-B048-85BDC9FD1C3A}</a:tableStyleId>
+              </a:tblPr>
+              <a:tblGrid>
+                <a:gridCol w="1111899">
+                  <a:extLst>
+                    <a:ext uri="{9D8B030D-6E8A-4147-A177-3AD203B41FA5}">
+                      <a16:colId xmlns:a16="http://schemas.microsoft.com/office/drawing/2014/main" val="3389157987"/>
+                    </a:ext>
+                  </a:extLst>
+                </a:gridCol>
+                <a:gridCol w="634482">
+                  <a:extLst>
+                    <a:ext uri="{9D8B030D-6E8A-4147-A177-3AD203B41FA5}">
+                      <a16:colId xmlns:a16="http://schemas.microsoft.com/office/drawing/2014/main" val="3628165192"/>
+                    </a:ext>
+                  </a:extLst>
+                </a:gridCol>
+                <a:gridCol w="587828">
+                  <a:extLst>
+                    <a:ext uri="{9D8B030D-6E8A-4147-A177-3AD203B41FA5}">
+                      <a16:colId xmlns:a16="http://schemas.microsoft.com/office/drawing/2014/main" val="2751542041"/>
+                    </a:ext>
+                  </a:extLst>
+                </a:gridCol>
+                <a:gridCol w="1576874">
+                  <a:extLst>
+                    <a:ext uri="{9D8B030D-6E8A-4147-A177-3AD203B41FA5}">
+                      <a16:colId xmlns:a16="http://schemas.microsoft.com/office/drawing/2014/main" val="2016038053"/>
+                    </a:ext>
+                  </a:extLst>
+                </a:gridCol>
+                <a:gridCol w="1782147">
+                  <a:extLst>
+                    <a:ext uri="{9D8B030D-6E8A-4147-A177-3AD203B41FA5}">
+                      <a16:colId xmlns:a16="http://schemas.microsoft.com/office/drawing/2014/main" val="966051585"/>
+                    </a:ext>
+                  </a:extLst>
+                </a:gridCol>
+              </a:tblGrid>
+              <a:tr h="370840">
+                <a:tc>
+                  <a:txBody>
+                    <a:bodyPr/>
+                    <a:lstStyle/>
+                    <a:p>
+                      <a:pPr algn="ctr"/>
+                      <a:r>
+                        <a:rPr lang="en-US" dirty="0"/>
+                        <a:t>Name</a:t>
+                      </a:r>
+                    </a:p>
+                  </a:txBody>
+                  <a:tcPr/>
+                </a:tc>
+                <a:tc>
+                  <a:txBody>
+                    <a:bodyPr/>
+                    <a:lstStyle/>
+                    <a:p>
+                      <a:pPr algn="ctr"/>
+                      <a:r>
+                        <a:rPr lang="en-US" dirty="0"/>
+                        <a:t>Cool</a:t>
+                      </a:r>
+                    </a:p>
+                  </a:txBody>
+                  <a:tcPr/>
+                </a:tc>
+                <a:tc>
+                  <a:txBody>
+                    <a:bodyPr/>
+                    <a:lstStyle/>
+                    <a:p>
+                      <a:pPr algn="ctr"/>
+                      <a:r>
+                        <a:rPr lang="en-US" dirty="0"/>
+                        <a:t>Tall</a:t>
+                      </a:r>
+                    </a:p>
+                  </a:txBody>
+                  <a:tcPr/>
+                </a:tc>
+                <a:tc>
+                  <a:txBody>
+                    <a:bodyPr/>
+                    <a:lstStyle/>
+                    <a:p>
+                      <a:pPr algn="ctr"/>
+                      <a:r>
+                        <a:rPr lang="en-US" dirty="0"/>
+                        <a:t>Strong </a:t>
+                      </a:r>
+                      <a:r>
+                        <a:rPr lang="en-US" dirty="0" err="1"/>
+                        <a:t>Bitmoji</a:t>
+                      </a:r>
+                      <a:r>
+                        <a:rPr lang="en-US" dirty="0"/>
+                        <a:t> Game</a:t>
+                      </a:r>
+                    </a:p>
+                  </a:txBody>
+                  <a:tcPr/>
+                </a:tc>
+                <a:tc>
+                  <a:txBody>
+                    <a:bodyPr/>
+                    <a:lstStyle/>
+                    <a:p>
+                      <a:pPr algn="ctr"/>
+                      <a:r>
+                        <a:rPr lang="en-US" dirty="0"/>
+                        <a:t>Eats Pineapple on Pizza</a:t>
+                      </a:r>
+                    </a:p>
+                  </a:txBody>
+                  <a:tcPr/>
+                </a:tc>
+                <a:extLst>
+                  <a:ext uri="{0D108BD9-81ED-4DB2-BD59-A6C34878D82A}">
+                    <a16:rowId xmlns:a16="http://schemas.microsoft.com/office/drawing/2014/main" val="4236086655"/>
+                  </a:ext>
+                </a:extLst>
+              </a:tr>
+              <a:tr h="370840">
+                <a:tc>
+                  <a:txBody>
+                    <a:bodyPr/>
+                    <a:lstStyle/>
+                    <a:p>
+                      <a:r>
+                        <a:rPr lang="en-US" dirty="0"/>
+                        <a:t>Alyssa</a:t>
+                      </a:r>
+                    </a:p>
+                  </a:txBody>
+                  <a:tcPr/>
+                </a:tc>
+                <a:tc>
+                  <a:txBody>
+                    <a:bodyPr/>
+                    <a:lstStyle/>
+                    <a:p>
+                      <a:pPr algn="ctr"/>
+                      <a:r>
+                        <a:rPr lang="en-US" dirty="0"/>
+                        <a:t>1</a:t>
+                      </a:r>
+                    </a:p>
+                  </a:txBody>
+                  <a:tcPr/>
+                </a:tc>
+                <a:tc>
+                  <a:txBody>
+                    <a:bodyPr/>
+                    <a:lstStyle/>
+                    <a:p>
+                      <a:pPr algn="ctr"/>
+                      <a:r>
+                        <a:rPr lang="en-US" dirty="0"/>
+                        <a:t>0</a:t>
+                      </a:r>
+                    </a:p>
+                  </a:txBody>
+                  <a:tcPr/>
+                </a:tc>
+                <a:tc>
+                  <a:txBody>
+                    <a:bodyPr/>
+                    <a:lstStyle/>
+                    <a:p>
+                      <a:pPr algn="ctr"/>
+                      <a:r>
+                        <a:rPr lang="en-US" dirty="0"/>
+                        <a:t>1</a:t>
+                      </a:r>
+                    </a:p>
+                  </a:txBody>
+                  <a:tcPr/>
+                </a:tc>
+                <a:tc>
+                  <a:txBody>
+                    <a:bodyPr/>
+                    <a:lstStyle/>
+                    <a:p>
+                      <a:pPr algn="ctr"/>
+                      <a:r>
+                        <a:rPr lang="en-US" dirty="0"/>
+                        <a:t>1</a:t>
+                      </a:r>
+                    </a:p>
+                  </a:txBody>
+                  <a:tcPr/>
+                </a:tc>
+                <a:extLst>
+                  <a:ext uri="{0D108BD9-81ED-4DB2-BD59-A6C34878D82A}">
+                    <a16:rowId xmlns:a16="http://schemas.microsoft.com/office/drawing/2014/main" val="1277548415"/>
+                  </a:ext>
+                </a:extLst>
+              </a:tr>
+              <a:tr h="370840">
+                <a:tc>
+                  <a:txBody>
+                    <a:bodyPr/>
+                    <a:lstStyle/>
+                    <a:p>
+                      <a:r>
+                        <a:rPr lang="en-US" dirty="0"/>
+                        <a:t>Angela</a:t>
+                      </a:r>
+                    </a:p>
+                  </a:txBody>
+                  <a:tcPr/>
+                </a:tc>
+                <a:tc>
+                  <a:txBody>
+                    <a:bodyPr/>
+                    <a:lstStyle/>
+                    <a:p>
+                      <a:pPr algn="ctr"/>
+                      <a:r>
+                        <a:rPr lang="en-US" dirty="0"/>
+                        <a:t>0</a:t>
+                      </a:r>
+                    </a:p>
+                  </a:txBody>
+                  <a:tcPr/>
+                </a:tc>
+                <a:tc>
+                  <a:txBody>
+                    <a:bodyPr/>
+                    <a:lstStyle/>
+                    <a:p>
+                      <a:pPr algn="ctr"/>
+                      <a:r>
+                        <a:rPr lang="en-US" dirty="0"/>
+                        <a:t>0</a:t>
+                      </a:r>
+                    </a:p>
+                  </a:txBody>
+                  <a:tcPr/>
+                </a:tc>
+                <a:tc>
+                  <a:txBody>
+                    <a:bodyPr/>
+                    <a:lstStyle/>
+                    <a:p>
+                      <a:pPr algn="ctr"/>
+                      <a:r>
+                        <a:rPr lang="en-US" dirty="0"/>
+                        <a:t>1</a:t>
+                      </a:r>
+                    </a:p>
+                  </a:txBody>
+                  <a:tcPr/>
+                </a:tc>
+                <a:tc>
+                  <a:txBody>
+                    <a:bodyPr/>
+                    <a:lstStyle/>
+                    <a:p>
+                      <a:pPr algn="ctr"/>
+                      <a:r>
+                        <a:rPr lang="en-US" dirty="0"/>
+                        <a:t>-1</a:t>
+                      </a:r>
+                    </a:p>
+                  </a:txBody>
+                  <a:tcPr/>
+                </a:tc>
+                <a:extLst>
+                  <a:ext uri="{0D108BD9-81ED-4DB2-BD59-A6C34878D82A}">
+                    <a16:rowId xmlns:a16="http://schemas.microsoft.com/office/drawing/2014/main" val="4255381867"/>
+                  </a:ext>
+                </a:extLst>
+              </a:tr>
+              <a:tr h="370840">
+                <a:tc>
+                  <a:txBody>
+                    <a:bodyPr/>
+                    <a:lstStyle/>
+                    <a:p>
+                      <a:r>
+                        <a:rPr lang="en-US" dirty="0"/>
+                        <a:t>Collin</a:t>
+                      </a:r>
+                    </a:p>
+                  </a:txBody>
+                  <a:tcPr/>
+                </a:tc>
+                <a:tc>
+                  <a:txBody>
+                    <a:bodyPr/>
+                    <a:lstStyle/>
+                    <a:p>
+                      <a:pPr algn="ctr"/>
+                      <a:r>
+                        <a:rPr lang="en-US" dirty="0"/>
+                        <a:t>1</a:t>
+                      </a:r>
+                    </a:p>
+                  </a:txBody>
+                  <a:tcPr/>
+                </a:tc>
+                <a:tc>
+                  <a:txBody>
+                    <a:bodyPr/>
+                    <a:lstStyle/>
+                    <a:p>
+                      <a:pPr algn="ctr"/>
+                      <a:r>
+                        <a:rPr lang="en-US" dirty="0"/>
+                        <a:t>1</a:t>
+                      </a:r>
+                    </a:p>
+                  </a:txBody>
+                  <a:tcPr/>
+                </a:tc>
+                <a:tc>
+                  <a:txBody>
+                    <a:bodyPr/>
+                    <a:lstStyle/>
+                    <a:p>
+                      <a:pPr algn="ctr"/>
+                      <a:r>
+                        <a:rPr lang="en-US" dirty="0"/>
+                        <a:t>0</a:t>
+                      </a:r>
+                    </a:p>
+                  </a:txBody>
+                  <a:tcPr/>
+                </a:tc>
+                <a:tc>
+                  <a:txBody>
+                    <a:bodyPr/>
+                    <a:lstStyle/>
+                    <a:p>
+                      <a:pPr algn="ctr"/>
+                      <a:r>
+                        <a:rPr lang="en-US" dirty="0"/>
+                        <a:t>1</a:t>
+                      </a:r>
+                    </a:p>
+                  </a:txBody>
+                  <a:tcPr/>
+                </a:tc>
+                <a:extLst>
+                  <a:ext uri="{0D108BD9-81ED-4DB2-BD59-A6C34878D82A}">
+                    <a16:rowId xmlns:a16="http://schemas.microsoft.com/office/drawing/2014/main" val="1255490623"/>
+                  </a:ext>
+                </a:extLst>
+              </a:tr>
+              <a:tr h="370840">
+                <a:tc>
+                  <a:txBody>
+                    <a:bodyPr/>
+                    <a:lstStyle/>
+                    <a:p>
+                      <a:r>
+                        <a:rPr lang="en-US" dirty="0"/>
+                        <a:t>Drew</a:t>
+                      </a:r>
+                    </a:p>
+                  </a:txBody>
+                  <a:tcPr/>
+                </a:tc>
+                <a:tc>
+                  <a:txBody>
+                    <a:bodyPr/>
+                    <a:lstStyle/>
+                    <a:p>
+                      <a:pPr algn="ctr"/>
+                      <a:r>
+                        <a:rPr lang="en-US" dirty="0"/>
+                        <a:t>1</a:t>
+                      </a:r>
+                    </a:p>
+                  </a:txBody>
+                  <a:tcPr/>
+                </a:tc>
+                <a:tc>
+                  <a:txBody>
+                    <a:bodyPr/>
+                    <a:lstStyle/>
+                    <a:p>
+                      <a:pPr algn="ctr"/>
+                      <a:r>
+                        <a:rPr lang="en-US" dirty="0"/>
+                        <a:t>1</a:t>
+                      </a:r>
+                    </a:p>
+                  </a:txBody>
+                  <a:tcPr/>
+                </a:tc>
+                <a:tc>
+                  <a:txBody>
+                    <a:bodyPr/>
+                    <a:lstStyle/>
+                    <a:p>
+                      <a:pPr algn="ctr"/>
+                      <a:r>
+                        <a:rPr lang="en-US" dirty="0"/>
+                        <a:t>1</a:t>
+                      </a:r>
+                    </a:p>
+                  </a:txBody>
+                  <a:tcPr/>
+                </a:tc>
+                <a:tc>
+                  <a:txBody>
+                    <a:bodyPr/>
+                    <a:lstStyle/>
+                    <a:p>
+                      <a:pPr algn="ctr"/>
+                      <a:r>
+                        <a:rPr lang="en-US" dirty="0"/>
+                        <a:t>1</a:t>
+                      </a:r>
+                    </a:p>
+                  </a:txBody>
+                  <a:tcPr/>
+                </a:tc>
+                <a:extLst>
+                  <a:ext uri="{0D108BD9-81ED-4DB2-BD59-A6C34878D82A}">
+                    <a16:rowId xmlns:a16="http://schemas.microsoft.com/office/drawing/2014/main" val="195518424"/>
+                  </a:ext>
+                </a:extLst>
+              </a:tr>
+              <a:tr h="370840">
+                <a:tc>
+                  <a:txBody>
+                    <a:bodyPr/>
+                    <a:lstStyle/>
+                    <a:p>
+                      <a:r>
+                        <a:rPr lang="en-US" dirty="0"/>
+                        <a:t>Michael</a:t>
+                      </a:r>
+                    </a:p>
+                  </a:txBody>
+                  <a:tcPr/>
+                </a:tc>
+                <a:tc>
+                  <a:txBody>
+                    <a:bodyPr/>
+                    <a:lstStyle/>
+                    <a:p>
+                      <a:pPr algn="ctr"/>
+                      <a:r>
+                        <a:rPr lang="en-US" dirty="0"/>
+                        <a:t>1</a:t>
+                      </a:r>
+                    </a:p>
+                  </a:txBody>
+                  <a:tcPr/>
+                </a:tc>
+                <a:tc>
+                  <a:txBody>
+                    <a:bodyPr/>
+                    <a:lstStyle/>
+                    <a:p>
+                      <a:pPr algn="ctr"/>
+                      <a:r>
+                        <a:rPr lang="en-US" dirty="0"/>
+                        <a:t>1</a:t>
+                      </a:r>
+                    </a:p>
+                  </a:txBody>
+                  <a:tcPr/>
+                </a:tc>
+                <a:tc>
+                  <a:txBody>
+                    <a:bodyPr/>
+                    <a:lstStyle/>
+                    <a:p>
+                      <a:pPr algn="ctr"/>
+                      <a:r>
+                        <a:rPr lang="en-US" dirty="0"/>
+                        <a:t>0</a:t>
+                      </a:r>
+                    </a:p>
+                  </a:txBody>
+                  <a:tcPr/>
+                </a:tc>
+                <a:tc>
+                  <a:txBody>
+                    <a:bodyPr/>
+                    <a:lstStyle/>
+                    <a:p>
+                      <a:pPr algn="ctr"/>
+                      <a:r>
+                        <a:rPr lang="en-US" dirty="0"/>
+                        <a:t>1</a:t>
+                      </a:r>
+                    </a:p>
+                  </a:txBody>
+                  <a:tcPr/>
+                </a:tc>
+                <a:extLst>
+                  <a:ext uri="{0D108BD9-81ED-4DB2-BD59-A6C34878D82A}">
+                    <a16:rowId xmlns:a16="http://schemas.microsoft.com/office/drawing/2014/main" val="742597157"/>
+                  </a:ext>
+                </a:extLst>
+              </a:tr>
+              <a:tr h="370840">
+                <a:tc>
+                  <a:txBody>
+                    <a:bodyPr/>
+                    <a:lstStyle/>
+                    <a:p>
+                      <a:r>
+                        <a:rPr lang="en-US" dirty="0"/>
+                        <a:t>Sandy</a:t>
+                      </a:r>
+                    </a:p>
+                  </a:txBody>
+                  <a:tcPr/>
+                </a:tc>
+                <a:tc>
+                  <a:txBody>
+                    <a:bodyPr/>
+                    <a:lstStyle/>
+                    <a:p>
+                      <a:pPr algn="ctr"/>
+                      <a:r>
+                        <a:rPr lang="en-US" dirty="0"/>
+                        <a:t>1</a:t>
+                      </a:r>
+                    </a:p>
+                  </a:txBody>
+                  <a:tcPr/>
+                </a:tc>
+                <a:tc>
+                  <a:txBody>
+                    <a:bodyPr/>
+                    <a:lstStyle/>
+                    <a:p>
+                      <a:pPr algn="ctr"/>
+                      <a:r>
+                        <a:rPr lang="en-US" dirty="0"/>
+                        <a:t>1</a:t>
+                      </a:r>
+                    </a:p>
+                  </a:txBody>
+                  <a:tcPr/>
+                </a:tc>
+                <a:tc>
+                  <a:txBody>
+                    <a:bodyPr/>
+                    <a:lstStyle/>
+                    <a:p>
+                      <a:pPr algn="ctr"/>
+                      <a:r>
+                        <a:rPr lang="en-US" dirty="0"/>
+                        <a:t>0</a:t>
+                      </a:r>
+                    </a:p>
+                  </a:txBody>
+                  <a:tcPr/>
+                </a:tc>
+                <a:tc>
+                  <a:txBody>
+                    <a:bodyPr/>
+                    <a:lstStyle/>
+                    <a:p>
+                      <a:pPr algn="ctr"/>
+                      <a:r>
+                        <a:rPr lang="en-US" dirty="0"/>
+                        <a:t>1</a:t>
+                      </a:r>
+                    </a:p>
+                  </a:txBody>
+                  <a:tcPr/>
+                </a:tc>
+                <a:extLst>
+                  <a:ext uri="{0D108BD9-81ED-4DB2-BD59-A6C34878D82A}">
+                    <a16:rowId xmlns:a16="http://schemas.microsoft.com/office/drawing/2014/main" val="1423780547"/>
+                  </a:ext>
+                </a:extLst>
+              </a:tr>
+              <a:tr h="370840">
+                <a:tc>
+                  <a:txBody>
+                    <a:bodyPr/>
+                    <a:lstStyle/>
+                    <a:p>
+                      <a:r>
+                        <a:rPr lang="en-US" dirty="0"/>
+                        <a:t>Rebecca</a:t>
+                      </a:r>
+                    </a:p>
+                  </a:txBody>
+                  <a:tcPr/>
+                </a:tc>
+                <a:tc>
+                  <a:txBody>
+                    <a:bodyPr/>
+                    <a:lstStyle/>
+                    <a:p>
+                      <a:pPr algn="ctr"/>
+                      <a:r>
+                        <a:rPr lang="en-US" dirty="0"/>
+                        <a:t>1</a:t>
+                      </a:r>
+                    </a:p>
+                  </a:txBody>
+                  <a:tcPr/>
+                </a:tc>
+                <a:tc>
+                  <a:txBody>
+                    <a:bodyPr/>
+                    <a:lstStyle/>
+                    <a:p>
+                      <a:pPr algn="ctr"/>
+                      <a:r>
+                        <a:rPr lang="en-US" dirty="0"/>
+                        <a:t>1</a:t>
+                      </a:r>
+                    </a:p>
+                  </a:txBody>
+                  <a:tcPr/>
+                </a:tc>
+                <a:tc>
+                  <a:txBody>
+                    <a:bodyPr/>
+                    <a:lstStyle/>
+                    <a:p>
+                      <a:pPr algn="ctr"/>
+                      <a:r>
+                        <a:rPr lang="en-US" dirty="0"/>
+                        <a:t>1</a:t>
+                      </a:r>
+                    </a:p>
+                  </a:txBody>
+                  <a:tcPr/>
+                </a:tc>
+                <a:tc>
+                  <a:txBody>
+                    <a:bodyPr/>
+                    <a:lstStyle/>
+                    <a:p>
+                      <a:pPr algn="ctr"/>
+                      <a:r>
+                        <a:rPr lang="en-US" dirty="0"/>
+                        <a:t>1</a:t>
+                      </a:r>
+                    </a:p>
+                  </a:txBody>
+                  <a:tcPr/>
+                </a:tc>
+                <a:extLst>
+                  <a:ext uri="{0D108BD9-81ED-4DB2-BD59-A6C34878D82A}">
+                    <a16:rowId xmlns:a16="http://schemas.microsoft.com/office/drawing/2014/main" val="1588022925"/>
+                  </a:ext>
+                </a:extLst>
+              </a:tr>
+              <a:tr h="370840">
+                <a:tc>
+                  <a:txBody>
+                    <a:bodyPr/>
+                    <a:lstStyle/>
+                    <a:p>
+                      <a:r>
+                        <a:rPr lang="en-US" dirty="0"/>
+                        <a:t>Weston</a:t>
+                      </a:r>
+                    </a:p>
+                  </a:txBody>
+                  <a:tcPr/>
+                </a:tc>
+                <a:tc>
+                  <a:txBody>
+                    <a:bodyPr/>
+                    <a:lstStyle/>
+                    <a:p>
+                      <a:pPr algn="ctr"/>
+                      <a:r>
+                        <a:rPr lang="en-US" dirty="0"/>
+                        <a:t>1</a:t>
+                      </a:r>
+                    </a:p>
+                  </a:txBody>
+                  <a:tcPr/>
+                </a:tc>
+                <a:tc>
+                  <a:txBody>
+                    <a:bodyPr/>
+                    <a:lstStyle/>
+                    <a:p>
+                      <a:pPr algn="ctr"/>
+                      <a:r>
+                        <a:rPr lang="en-US" dirty="0"/>
+                        <a:t>0</a:t>
+                      </a:r>
+                    </a:p>
+                  </a:txBody>
+                  <a:tcPr/>
+                </a:tc>
+                <a:tc>
+                  <a:txBody>
+                    <a:bodyPr/>
+                    <a:lstStyle/>
+                    <a:p>
+                      <a:pPr algn="ctr"/>
+                      <a:r>
+                        <a:rPr lang="en-US" dirty="0"/>
+                        <a:t>1</a:t>
+                      </a:r>
+                    </a:p>
+                  </a:txBody>
+                  <a:tcPr/>
+                </a:tc>
+                <a:tc>
+                  <a:txBody>
+                    <a:bodyPr/>
+                    <a:lstStyle/>
+                    <a:p>
+                      <a:pPr algn="ctr"/>
+                      <a:r>
+                        <a:rPr lang="en-US" dirty="0"/>
+                        <a:t>1</a:t>
+                      </a:r>
+                    </a:p>
+                  </a:txBody>
+                  <a:tcPr/>
+                </a:tc>
+                <a:extLst>
+                  <a:ext uri="{0D108BD9-81ED-4DB2-BD59-A6C34878D82A}">
+                    <a16:rowId xmlns:a16="http://schemas.microsoft.com/office/drawing/2014/main" val="1863778286"/>
+                  </a:ext>
+                </a:extLst>
+              </a:tr>
+              <a:tr h="370840">
+                <a:tc>
+                  <a:txBody>
+                    <a:bodyPr/>
+                    <a:lstStyle/>
+                    <a:p>
+                      <a:r>
+                        <a:rPr lang="en-US" dirty="0"/>
+                        <a:t>Steffen</a:t>
+                      </a:r>
+                    </a:p>
+                  </a:txBody>
+                  <a:tcPr/>
+                </a:tc>
+                <a:tc>
+                  <a:txBody>
+                    <a:bodyPr/>
+                    <a:lstStyle/>
+                    <a:p>
+                      <a:pPr algn="ctr"/>
+                      <a:r>
+                        <a:rPr lang="en-US" dirty="0"/>
+                        <a:t>1</a:t>
+                      </a:r>
+                    </a:p>
+                  </a:txBody>
+                  <a:tcPr/>
+                </a:tc>
+                <a:tc>
+                  <a:txBody>
+                    <a:bodyPr/>
+                    <a:lstStyle/>
+                    <a:p>
+                      <a:pPr algn="ctr"/>
+                      <a:r>
+                        <a:rPr lang="en-US" dirty="0"/>
+                        <a:t>1</a:t>
+                      </a:r>
+                    </a:p>
+                  </a:txBody>
+                  <a:tcPr/>
+                </a:tc>
+                <a:tc>
+                  <a:txBody>
+                    <a:bodyPr/>
+                    <a:lstStyle/>
+                    <a:p>
+                      <a:pPr algn="ctr"/>
+                      <a:r>
+                        <a:rPr lang="en-US" dirty="0"/>
+                        <a:t>0</a:t>
+                      </a:r>
+                    </a:p>
+                  </a:txBody>
+                  <a:tcPr/>
+                </a:tc>
+                <a:tc>
+                  <a:txBody>
+                    <a:bodyPr/>
+                    <a:lstStyle/>
+                    <a:p>
+                      <a:pPr algn="ctr"/>
+                      <a:r>
+                        <a:rPr lang="en-US" dirty="0"/>
+                        <a:t>1</a:t>
+                      </a:r>
+                    </a:p>
+                  </a:txBody>
+                  <a:tcPr/>
+                </a:tc>
+                <a:extLst>
+                  <a:ext uri="{0D108BD9-81ED-4DB2-BD59-A6C34878D82A}">
+                    <a16:rowId xmlns:a16="http://schemas.microsoft.com/office/drawing/2014/main" val="2324809760"/>
+                  </a:ext>
+                </a:extLst>
+              </a:tr>
+            </a:tbl>
+          </a:graphicData>
+        </a:graphic>
+      </p:graphicFrame>
+      <p:sp>
+        <p:nvSpPr>
+          <p:cNvPr id="5" name="Oval 4">
+            <a:extLst>
+              <a:ext uri="{FF2B5EF4-FFF2-40B4-BE49-F238E27FC236}">
+                <a16:creationId xmlns:a16="http://schemas.microsoft.com/office/drawing/2014/main" id="{F65F59E5-41EA-40FB-91C8-F34580071AEA}"/>
+              </a:ext>
+            </a:extLst>
+          </p:cNvPr>
+          <p:cNvSpPr/>
+          <p:nvPr/>
+        </p:nvSpPr>
+        <p:spPr>
+          <a:xfrm>
+            <a:off x="8994712" y="2167968"/>
+            <a:ext cx="933061" cy="948457"/>
+          </a:xfrm>
+          <a:prstGeom prst="ellipse">
+            <a:avLst/>
+          </a:prstGeom>
+        </p:spPr>
+        <p:style>
+          <a:lnRef idx="2">
+            <a:schemeClr val="accent1">
+              <a:shade val="50000"/>
+            </a:schemeClr>
+          </a:lnRef>
+          <a:fillRef idx="1">
+            <a:schemeClr val="accent1"/>
+          </a:fillRef>
+          <a:effectRef idx="0">
+            <a:schemeClr val="accent1"/>
+          </a:effectRef>
+          <a:fontRef idx="minor">
+            <a:schemeClr val="lt1"/>
+          </a:fontRef>
+        </p:style>
+        <p:txBody>
+          <a:bodyPr rtlCol="0" anchor="ctr"/>
           <a:lstStyle/>
           <a:p>
-            <a:r>
-              <a:rPr lang="en-US" dirty="0"/>
-              <a:t>Separate samples into “positive” and “negative” outcomes</a:t>
-            </a:r>
-          </a:p>
-          <a:p>
-            <a:r>
-              <a:rPr lang="en-US" dirty="0"/>
-              <a:t>Define tree structure</a:t>
-            </a:r>
-          </a:p>
-          <a:p>
-            <a:r>
-              <a:rPr lang="en-US" dirty="0"/>
-              <a:t>Determine different between total number of “positive” and “negative” outcomes to include factor in objective function</a:t>
-            </a:r>
-          </a:p>
-        </p:txBody>
-      </p:sp>
+            <a:pPr algn="ctr"/>
+            <a:endParaRPr lang="en-US"/>
+          </a:p>
+        </p:txBody>
+      </p:sp>
+      <p:sp>
+        <p:nvSpPr>
+          <p:cNvPr id="6" name="Oval 5">
+            <a:extLst>
+              <a:ext uri="{FF2B5EF4-FFF2-40B4-BE49-F238E27FC236}">
+                <a16:creationId xmlns:a16="http://schemas.microsoft.com/office/drawing/2014/main" id="{592E2C97-7AF0-40F4-82D9-631CFF67E600}"/>
+              </a:ext>
+            </a:extLst>
+          </p:cNvPr>
+          <p:cNvSpPr/>
+          <p:nvPr/>
+        </p:nvSpPr>
+        <p:spPr>
+          <a:xfrm>
+            <a:off x="7504923" y="4289127"/>
+            <a:ext cx="933061" cy="948457"/>
+          </a:xfrm>
+          <a:prstGeom prst="ellipse">
+            <a:avLst/>
+          </a:prstGeom>
+        </p:spPr>
+        <p:style>
+          <a:lnRef idx="2">
+            <a:schemeClr val="accent1">
+              <a:shade val="50000"/>
+            </a:schemeClr>
+          </a:lnRef>
+          <a:fillRef idx="1">
+            <a:schemeClr val="accent1"/>
+          </a:fillRef>
+          <a:effectRef idx="0">
+            <a:schemeClr val="accent1"/>
+          </a:effectRef>
+          <a:fontRef idx="minor">
+            <a:schemeClr val="lt1"/>
+          </a:fontRef>
+        </p:style>
+        <p:txBody>
+          <a:bodyPr rtlCol="0" anchor="ctr"/>
+          <a:lstStyle/>
+          <a:p>
+            <a:pPr algn="ctr"/>
+            <a:endParaRPr lang="en-US"/>
+          </a:p>
+        </p:txBody>
+      </p:sp>
+      <p:sp>
+        <p:nvSpPr>
+          <p:cNvPr id="7" name="Oval 6">
+            <a:extLst>
+              <a:ext uri="{FF2B5EF4-FFF2-40B4-BE49-F238E27FC236}">
+                <a16:creationId xmlns:a16="http://schemas.microsoft.com/office/drawing/2014/main" id="{CDB2059B-F0EF-4D92-BA28-0CC4EC0B7AA9}"/>
+              </a:ext>
+            </a:extLst>
+          </p:cNvPr>
+          <p:cNvSpPr/>
+          <p:nvPr/>
+        </p:nvSpPr>
+        <p:spPr>
+          <a:xfrm>
+            <a:off x="10484498" y="4289127"/>
+            <a:ext cx="933061" cy="948457"/>
+          </a:xfrm>
+          <a:prstGeom prst="ellipse">
+            <a:avLst/>
+          </a:prstGeom>
+        </p:spPr>
+        <p:style>
+          <a:lnRef idx="2">
+            <a:schemeClr val="accent1">
+              <a:shade val="50000"/>
+            </a:schemeClr>
+          </a:lnRef>
+          <a:fillRef idx="1">
+            <a:schemeClr val="accent1"/>
+          </a:fillRef>
+          <a:effectRef idx="0">
+            <a:schemeClr val="accent1"/>
+          </a:effectRef>
+          <a:fontRef idx="minor">
+            <a:schemeClr val="lt1"/>
+          </a:fontRef>
+        </p:style>
+        <p:txBody>
+          <a:bodyPr rtlCol="0" anchor="ctr"/>
+          <a:lstStyle/>
+          <a:p>
+            <a:pPr algn="ctr"/>
+            <a:endParaRPr lang="en-US"/>
+          </a:p>
+        </p:txBody>
+      </p:sp>
+      <p:cxnSp>
+        <p:nvCxnSpPr>
+          <p:cNvPr id="9" name="Straight Connector 8">
+            <a:extLst>
+              <a:ext uri="{FF2B5EF4-FFF2-40B4-BE49-F238E27FC236}">
+                <a16:creationId xmlns:a16="http://schemas.microsoft.com/office/drawing/2014/main" id="{EE52CD2C-5B05-4555-9498-9DBE24C526D4}"/>
+              </a:ext>
+            </a:extLst>
+          </p:cNvPr>
+          <p:cNvCxnSpPr>
+            <a:stCxn id="5" idx="3"/>
+            <a:endCxn id="6" idx="7"/>
+          </p:cNvCxnSpPr>
+          <p:nvPr/>
+        </p:nvCxnSpPr>
+        <p:spPr>
+          <a:xfrm flipH="1">
+            <a:off x="8301340" y="2977527"/>
+            <a:ext cx="830016" cy="1450498"/>
+          </a:xfrm>
+          <a:prstGeom prst="line">
+            <a:avLst/>
+          </a:prstGeom>
+          <a:ln w="63500"/>
+        </p:spPr>
+        <p:style>
+          <a:lnRef idx="1">
+            <a:schemeClr val="accent1"/>
+          </a:lnRef>
+          <a:fillRef idx="0">
+            <a:schemeClr val="accent1"/>
+          </a:fillRef>
+          <a:effectRef idx="0">
+            <a:schemeClr val="accent1"/>
+          </a:effectRef>
+          <a:fontRef idx="minor">
+            <a:schemeClr val="tx1"/>
+          </a:fontRef>
+        </p:style>
+      </p:cxnSp>
+      <p:cxnSp>
+        <p:nvCxnSpPr>
+          <p:cNvPr id="12" name="Straight Connector 11">
+            <a:extLst>
+              <a:ext uri="{FF2B5EF4-FFF2-40B4-BE49-F238E27FC236}">
+                <a16:creationId xmlns:a16="http://schemas.microsoft.com/office/drawing/2014/main" id="{7761A9F3-D196-4295-96E1-3CFDA055BBC6}"/>
+              </a:ext>
+            </a:extLst>
+          </p:cNvPr>
+          <p:cNvCxnSpPr>
+            <a:stCxn id="5" idx="5"/>
+            <a:endCxn id="7" idx="1"/>
+          </p:cNvCxnSpPr>
+          <p:nvPr/>
+        </p:nvCxnSpPr>
+        <p:spPr>
+          <a:xfrm>
+            <a:off x="9791129" y="2977527"/>
+            <a:ext cx="830013" cy="1450498"/>
+          </a:xfrm>
+          <a:prstGeom prst="line">
+            <a:avLst/>
+          </a:prstGeom>
+          <a:ln w="63500"/>
+        </p:spPr>
+        <p:style>
+          <a:lnRef idx="1">
+            <a:schemeClr val="accent1"/>
+          </a:lnRef>
+          <a:fillRef idx="0">
+            <a:schemeClr val="accent1"/>
+          </a:fillRef>
+          <a:effectRef idx="0">
+            <a:schemeClr val="accent1"/>
+          </a:effectRef>
+          <a:fontRef idx="minor">
+            <a:schemeClr val="tx1"/>
+          </a:fontRef>
+        </p:style>
+      </p:cxnSp>
+      <p:sp>
+        <p:nvSpPr>
+          <p:cNvPr id="13" name="TextBox 12">
+            <a:extLst>
+              <a:ext uri="{FF2B5EF4-FFF2-40B4-BE49-F238E27FC236}">
+                <a16:creationId xmlns:a16="http://schemas.microsoft.com/office/drawing/2014/main" id="{F144B1F1-486A-4B53-AEA1-14E429712BF5}"/>
+              </a:ext>
+            </a:extLst>
+          </p:cNvPr>
+          <p:cNvSpPr txBox="1"/>
+          <p:nvPr/>
+        </p:nvSpPr>
+        <p:spPr>
+          <a:xfrm>
+            <a:off x="8719457" y="1798636"/>
+            <a:ext cx="1486678" cy="369332"/>
+          </a:xfrm>
+          <a:prstGeom prst="rect">
+            <a:avLst/>
+          </a:prstGeom>
+          <a:noFill/>
+        </p:spPr>
+        <p:txBody>
+          <a:bodyPr wrap="square" rtlCol="0">
+            <a:spAutoFit/>
+          </a:bodyPr>
+          <a:lstStyle/>
+          <a:p>
+            <a:r>
+              <a:rPr lang="en-US" dirty="0">
+                <a:solidFill>
+                  <a:schemeClr val="bg1"/>
+                </a:solidFill>
+              </a:rPr>
+              <a:t>Split on Cool</a:t>
+            </a:r>
+          </a:p>
+        </p:txBody>
+      </p:sp>
+      <p:sp>
+        <p:nvSpPr>
+          <p:cNvPr id="14" name="TextBox 13">
+            <a:extLst>
+              <a:ext uri="{FF2B5EF4-FFF2-40B4-BE49-F238E27FC236}">
+                <a16:creationId xmlns:a16="http://schemas.microsoft.com/office/drawing/2014/main" id="{99428C85-0FCD-4142-9DDE-918183F1C4C3}"/>
+              </a:ext>
+            </a:extLst>
+          </p:cNvPr>
+          <p:cNvSpPr txBox="1"/>
+          <p:nvPr/>
+        </p:nvSpPr>
+        <p:spPr>
+          <a:xfrm>
+            <a:off x="7551576" y="5237584"/>
+            <a:ext cx="933061" cy="369332"/>
+          </a:xfrm>
+          <a:prstGeom prst="rect">
+            <a:avLst/>
+          </a:prstGeom>
+          <a:noFill/>
+        </p:spPr>
+        <p:txBody>
+          <a:bodyPr wrap="square" rtlCol="0">
+            <a:spAutoFit/>
+          </a:bodyPr>
+          <a:lstStyle/>
+          <a:p>
+            <a:r>
+              <a:rPr lang="en-US" dirty="0">
+                <a:solidFill>
+                  <a:schemeClr val="bg1"/>
+                </a:solidFill>
+              </a:rPr>
+              <a:t>Angela</a:t>
+            </a:r>
+          </a:p>
+        </p:txBody>
+      </p:sp>
+      <p:sp>
+        <p:nvSpPr>
+          <p:cNvPr id="15" name="TextBox 14">
+            <a:extLst>
+              <a:ext uri="{FF2B5EF4-FFF2-40B4-BE49-F238E27FC236}">
+                <a16:creationId xmlns:a16="http://schemas.microsoft.com/office/drawing/2014/main" id="{8CDB8CE0-F6EC-48F0-99ED-D60C5B7D02A2}"/>
+              </a:ext>
+            </a:extLst>
+          </p:cNvPr>
+          <p:cNvSpPr txBox="1"/>
+          <p:nvPr/>
+        </p:nvSpPr>
+        <p:spPr>
+          <a:xfrm>
+            <a:off x="10099506" y="5231364"/>
+            <a:ext cx="1703043" cy="369332"/>
+          </a:xfrm>
+          <a:prstGeom prst="rect">
+            <a:avLst/>
+          </a:prstGeom>
+          <a:noFill/>
+        </p:spPr>
+        <p:txBody>
+          <a:bodyPr wrap="square" rtlCol="0">
+            <a:spAutoFit/>
+          </a:bodyPr>
+          <a:lstStyle/>
+          <a:p>
+            <a:r>
+              <a:rPr lang="en-US" dirty="0">
+                <a:solidFill>
+                  <a:schemeClr val="bg1"/>
+                </a:solidFill>
+              </a:rPr>
+              <a:t>The Rest of y’all</a:t>
+            </a:r>
+          </a:p>
+        </p:txBody>
+      </p:sp>
+      <p:pic>
+        <p:nvPicPr>
+          <p:cNvPr id="4098" name="Picture 2" descr="Transparent Data Analytics Icon Clipart (#5411750) - PinClipart">
+            <a:extLst>
+              <a:ext uri="{FF2B5EF4-FFF2-40B4-BE49-F238E27FC236}">
+                <a16:creationId xmlns:a16="http://schemas.microsoft.com/office/drawing/2014/main" id="{3143862E-5E3B-4348-8F20-52D1FA842289}"/>
+              </a:ext>
+            </a:extLst>
+          </p:cNvPr>
+          <p:cNvPicPr>
+            <a:picLocks noChangeAspect="1" noChangeArrowheads="1"/>
+          </p:cNvPicPr>
+          <p:nvPr/>
+        </p:nvPicPr>
+        <p:blipFill>
+          <a:blip r:embed="rId2">
+            <a:duotone>
+              <a:schemeClr val="accent2">
+                <a:shade val="45000"/>
+                <a:satMod val="135000"/>
+              </a:schemeClr>
+              <a:prstClr val="white"/>
+            </a:duotone>
+            <a:extLst>
+              <a:ext uri="{BEBA8EAE-BF5A-486C-A8C5-ECC9F3942E4B}">
+                <a14:imgProps xmlns:a14="http://schemas.microsoft.com/office/drawing/2010/main">
+                  <a14:imgLayer r:embed="rId3">
+                    <a14:imgEffect>
+                      <a14:backgroundRemoval t="8624" b="91743" l="10000" r="90000">
+                        <a14:foregroundMark x1="28977" y1="8624" x2="28977" y2="8624"/>
+                        <a14:foregroundMark x1="76023" y1="91743" x2="76023" y2="91743"/>
+                        <a14:foregroundMark x1="76250" y1="60734" x2="76250" y2="60734"/>
+                        <a14:foregroundMark x1="52045" y1="38349" x2="52045" y2="38349"/>
+                        <a14:foregroundMark x1="46705" y1="42202" x2="46705" y2="42202"/>
+                        <a14:foregroundMark x1="42159" y1="41101" x2="42159" y2="41101"/>
+                        <a14:foregroundMark x1="36136" y1="43119" x2="36136" y2="43119"/>
+                        <a14:foregroundMark x1="31477" y1="46972" x2="31477" y2="46972"/>
+                        <a14:foregroundMark x1="57273" y1="50275" x2="57273" y2="50275"/>
+                      </a14:backgroundRemoval>
+                    </a14:imgEffect>
+                  </a14:imgLayer>
+                </a14:imgProps>
+              </a:ext>
+              <a:ext uri="{28A0092B-C50C-407E-A947-70E740481C1C}">
+                <a14:useLocalDpi xmlns:a14="http://schemas.microsoft.com/office/drawing/2010/main" val="0"/>
+              </a:ext>
+            </a:extLst>
+          </a:blip>
+          <a:srcRect/>
+          <a:stretch>
+            <a:fillRect/>
+          </a:stretch>
+        </p:blipFill>
+        <p:spPr bwMode="auto">
+          <a:xfrm>
+            <a:off x="7203875" y="477139"/>
+            <a:ext cx="1280762" cy="793199"/>
+          </a:xfrm>
+          <a:prstGeom prst="rect">
+            <a:avLst/>
+          </a:prstGeom>
+          <a:noFill/>
+          <a:extLst>
+            <a:ext uri="{909E8E84-426E-40DD-AFC4-6F175D3DCCD1}">
+              <a14:hiddenFill xmlns:a14="http://schemas.microsoft.com/office/drawing/2010/main">
+                <a:solidFill>
+                  <a:srgbClr val="FFFFFF"/>
+                </a:solidFill>
+              </a14:hiddenFill>
+            </a:ext>
+          </a:extLst>
+        </p:spPr>
+      </p:pic>
     </p:spTree>
     <p:extLst>
       <p:ext uri="{BB962C8B-B14F-4D97-AF65-F5344CB8AC3E}">
-        <p14:creationId xmlns:p14="http://schemas.microsoft.com/office/powerpoint/2010/main" val="2439508052"/>
+        <p14:creationId xmlns:p14="http://schemas.microsoft.com/office/powerpoint/2010/main" val="1142192105"/>
       </p:ext>
     </p:extLst>
   </p:cSld>
@@ -3728,6 +6573,17 @@
 <file path=ppt/slides/slide5.xml><?xml version="1.0" encoding="utf-8"?>
 <p:sld xmlns:a="http://schemas.openxmlformats.org/drawingml/2006/main" xmlns:r="http://schemas.openxmlformats.org/officeDocument/2006/relationships" xmlns:p="http://schemas.openxmlformats.org/presentationml/2006/main">
   <p:cSld>
+    <p:bg>
+      <p:bgPr>
+        <a:solidFill>
+          <a:schemeClr val="bg1">
+            <a:tint val="95000"/>
+            <a:satMod val="170000"/>
+          </a:schemeClr>
+        </a:solidFill>
+        <a:effectLst/>
+      </p:bgPr>
+    </p:bg>
     <p:spTree>
       <p:nvGrpSpPr>
         <p:cNvPr id="1" name=""/>
@@ -3747,7 +6603,7 @@
           <p:cNvPr id="2" name="Title 1">
             <a:extLst>
               <a:ext uri="{FF2B5EF4-FFF2-40B4-BE49-F238E27FC236}">
-                <a16:creationId xmlns:a16="http://schemas.microsoft.com/office/drawing/2014/main" id="{B468A54F-6B42-4042-B664-3A17402D4844}"/>
+                <a16:creationId xmlns:a16="http://schemas.microsoft.com/office/drawing/2014/main" id="{ADD6D830-A66C-4E68-A2E8-38B11A39E630}"/>
               </a:ext>
             </a:extLst>
           </p:cNvPr>
@@ -3758,24 +6614,277 @@
             <p:ph type="title"/>
           </p:nvPr>
         </p:nvSpPr>
-        <p:spPr/>
-        <p:txBody>
-          <a:bodyPr/>
+        <p:spPr>
+          <a:xfrm>
+            <a:off x="6634134" y="1396289"/>
+            <a:ext cx="5006336" cy="1325563"/>
+          </a:xfrm>
+        </p:spPr>
+        <p:txBody>
+          <a:bodyPr>
+            <a:normAutofit/>
+          </a:bodyPr>
           <a:lstStyle/>
           <a:p>
             <a:r>
               <a:rPr lang="en-US" dirty="0"/>
-              <a:t>Why an IP?</a:t>
-            </a:r>
-          </a:p>
-        </p:txBody>
-      </p:sp>
+              <a:t>Model Set Up</a:t>
+            </a:r>
+          </a:p>
+        </p:txBody>
+      </p:sp>
+      <p:sp>
+        <p:nvSpPr>
+          <p:cNvPr id="71" name="Freeform: Shape 70">
+            <a:extLst>
+              <a:ext uri="{FF2B5EF4-FFF2-40B4-BE49-F238E27FC236}">
+                <a16:creationId xmlns:a16="http://schemas.microsoft.com/office/drawing/2014/main" id="{4F74D28C-3268-4E35-8EE1-D92CB4A85A7D}"/>
+              </a:ext>
+              <a:ext uri="{C183D7F6-B498-43B3-948B-1728B52AA6E4}">
+                <adec:decorative xmlns:adec="http://schemas.microsoft.com/office/drawing/2017/decorative" val="1"/>
+              </a:ext>
+            </a:extLst>
+          </p:cNvPr>
+          <p:cNvSpPr>
+            <a:spLocks noGrp="1" noRot="1" noChangeAspect="1" noMove="1" noResize="1" noEditPoints="1" noAdjustHandles="1" noChangeArrowheads="1" noChangeShapeType="1" noTextEdit="1"/>
+          </p:cNvSpPr>
+          <p:nvPr>
+            <p:extLst>
+              <p:ext uri="{386F3935-93C4-4BCD-93E2-E3B085C9AB24}">
+                <p16:designElem xmlns:p16="http://schemas.microsoft.com/office/powerpoint/2015/main" val="1"/>
+              </p:ext>
+            </p:extLst>
+          </p:nvPr>
+        </p:nvSpPr>
+        <p:spPr>
+          <a:xfrm flipH="1">
+            <a:off x="0" y="0"/>
+            <a:ext cx="6172782" cy="6858000"/>
+          </a:xfrm>
+          <a:custGeom>
+            <a:avLst/>
+            <a:gdLst>
+              <a:gd name="connsiteX0" fmla="*/ 6172782 w 6172782"/>
+              <a:gd name="connsiteY0" fmla="*/ 0 h 6858000"/>
+              <a:gd name="connsiteX1" fmla="*/ 69075 w 6172782"/>
+              <a:gd name="connsiteY1" fmla="*/ 0 h 6858000"/>
+              <a:gd name="connsiteX2" fmla="*/ 35131 w 6172782"/>
+              <a:gd name="connsiteY2" fmla="*/ 267128 h 6858000"/>
+              <a:gd name="connsiteX3" fmla="*/ 0 w 6172782"/>
+              <a:gd name="connsiteY3" fmla="*/ 962845 h 6858000"/>
+              <a:gd name="connsiteX4" fmla="*/ 3276103 w 6172782"/>
+              <a:gd name="connsiteY4" fmla="*/ 6782205 h 6858000"/>
+              <a:gd name="connsiteX5" fmla="*/ 3407923 w 6172782"/>
+              <a:gd name="connsiteY5" fmla="*/ 6858000 h 6858000"/>
+              <a:gd name="connsiteX6" fmla="*/ 6172782 w 6172782"/>
+              <a:gd name="connsiteY6" fmla="*/ 6858000 h 6858000"/>
+            </a:gdLst>
+            <a:ahLst/>
+            <a:cxnLst>
+              <a:cxn ang="0">
+                <a:pos x="connsiteX0" y="connsiteY0"/>
+              </a:cxn>
+              <a:cxn ang="0">
+                <a:pos x="connsiteX1" y="connsiteY1"/>
+              </a:cxn>
+              <a:cxn ang="0">
+                <a:pos x="connsiteX2" y="connsiteY2"/>
+              </a:cxn>
+              <a:cxn ang="0">
+                <a:pos x="connsiteX3" y="connsiteY3"/>
+              </a:cxn>
+              <a:cxn ang="0">
+                <a:pos x="connsiteX4" y="connsiteY4"/>
+              </a:cxn>
+              <a:cxn ang="0">
+                <a:pos x="connsiteX5" y="connsiteY5"/>
+              </a:cxn>
+              <a:cxn ang="0">
+                <a:pos x="connsiteX6" y="connsiteY6"/>
+              </a:cxn>
+            </a:cxnLst>
+            <a:rect l="l" t="t" r="r" b="b"/>
+            <a:pathLst>
+              <a:path w="6172782" h="6858000">
+                <a:moveTo>
+                  <a:pt x="6172782" y="0"/>
+                </a:moveTo>
+                <a:lnTo>
+                  <a:pt x="69075" y="0"/>
+                </a:lnTo>
+                <a:lnTo>
+                  <a:pt x="35131" y="267128"/>
+                </a:lnTo>
+                <a:cubicBezTo>
+                  <a:pt x="11901" y="495874"/>
+                  <a:pt x="0" y="727970"/>
+                  <a:pt x="0" y="962845"/>
+                </a:cubicBezTo>
+                <a:cubicBezTo>
+                  <a:pt x="0" y="3429034"/>
+                  <a:pt x="1312002" y="5588789"/>
+                  <a:pt x="3276103" y="6782205"/>
+                </a:cubicBezTo>
+                <a:lnTo>
+                  <a:pt x="3407923" y="6858000"/>
+                </a:lnTo>
+                <a:lnTo>
+                  <a:pt x="6172782" y="6858000"/>
+                </a:lnTo>
+                <a:close/>
+              </a:path>
+            </a:pathLst>
+          </a:custGeom>
+          <a:solidFill>
+            <a:srgbClr val="FFFFFF">
+              <a:alpha val="80000"/>
+            </a:srgbClr>
+          </a:solidFill>
+          <a:ln>
+            <a:noFill/>
+          </a:ln>
+        </p:spPr>
+        <p:style>
+          <a:lnRef idx="2">
+            <a:schemeClr val="accent1">
+              <a:shade val="50000"/>
+            </a:schemeClr>
+          </a:lnRef>
+          <a:fillRef idx="1">
+            <a:schemeClr val="accent1"/>
+          </a:fillRef>
+          <a:effectRef idx="0">
+            <a:schemeClr val="accent1"/>
+          </a:effectRef>
+          <a:fontRef idx="minor">
+            <a:schemeClr val="lt1"/>
+          </a:fontRef>
+        </p:style>
+        <p:txBody>
+          <a:bodyPr wrap="square" rtlCol="0" anchor="ctr">
+            <a:noAutofit/>
+          </a:bodyPr>
+          <a:lstStyle/>
+          <a:p>
+            <a:pPr marL="0" marR="0" lvl="0" indent="0" algn="ctr" defTabSz="914400" rtl="0" eaLnBrk="1" fontAlgn="auto" latinLnBrk="0" hangingPunct="1">
+              <a:lnSpc>
+                <a:spcPct val="100000"/>
+              </a:lnSpc>
+              <a:spcBef>
+                <a:spcPts val="0"/>
+              </a:spcBef>
+              <a:spcAft>
+                <a:spcPts val="0"/>
+              </a:spcAft>
+              <a:buClrTx/>
+              <a:buSzTx/>
+              <a:buFontTx/>
+              <a:buNone/>
+              <a:tabLst/>
+              <a:defRPr/>
+            </a:pPr>
+            <a:endParaRPr kumimoji="0" lang="en-US" sz="1800" b="0" i="0" u="none" strike="noStrike" kern="1200" cap="none" spc="0" normalizeH="0" baseline="0" noProof="0">
+              <a:ln>
+                <a:noFill/>
+              </a:ln>
+              <a:solidFill>
+                <a:prstClr val="white"/>
+              </a:solidFill>
+              <a:effectLst/>
+              <a:uLnTx/>
+              <a:uFillTx/>
+              <a:latin typeface="Calibri" panose="020F0502020204030204"/>
+              <a:ea typeface="+mn-ea"/>
+              <a:cs typeface="+mn-cs"/>
+            </a:endParaRPr>
+          </a:p>
+        </p:txBody>
+      </p:sp>
+      <p:pic>
+        <p:nvPicPr>
+          <p:cNvPr id="2050" name="Picture 2" descr="C# - Decision Tree - Simple Example - Code4Noobz">
+            <a:extLst>
+              <a:ext uri="{FF2B5EF4-FFF2-40B4-BE49-F238E27FC236}">
+                <a16:creationId xmlns:a16="http://schemas.microsoft.com/office/drawing/2014/main" id="{20704A0A-3481-49AD-B6FF-A597D2718839}"/>
+              </a:ext>
+            </a:extLst>
+          </p:cNvPr>
+          <p:cNvPicPr>
+            <a:picLocks noChangeAspect="1" noChangeArrowheads="1"/>
+          </p:cNvPicPr>
+          <p:nvPr/>
+        </p:nvPicPr>
+        <p:blipFill rotWithShape="1">
+          <a:blip r:embed="rId2">
+            <a:extLst>
+              <a:ext uri="{28A0092B-C50C-407E-A947-70E740481C1C}">
+                <a14:useLocalDpi xmlns:a14="http://schemas.microsoft.com/office/drawing/2010/main" val="0"/>
+              </a:ext>
+            </a:extLst>
+          </a:blip>
+          <a:srcRect r="-2" b="573"/>
+          <a:stretch/>
+        </p:blipFill>
+        <p:spPr bwMode="auto">
+          <a:xfrm>
+            <a:off x="20" y="10"/>
+            <a:ext cx="6024134" cy="6857990"/>
+          </a:xfrm>
+          <a:custGeom>
+            <a:avLst/>
+            <a:gdLst/>
+            <a:ahLst/>
+            <a:cxnLst/>
+            <a:rect l="l" t="t" r="r" b="b"/>
+            <a:pathLst>
+              <a:path w="6024154" h="6858000">
+                <a:moveTo>
+                  <a:pt x="0" y="0"/>
+                </a:moveTo>
+                <a:lnTo>
+                  <a:pt x="5953780" y="0"/>
+                </a:lnTo>
+                <a:lnTo>
+                  <a:pt x="5989880" y="284091"/>
+                </a:lnTo>
+                <a:cubicBezTo>
+                  <a:pt x="6012544" y="507260"/>
+                  <a:pt x="6024154" y="733696"/>
+                  <a:pt x="6024154" y="962844"/>
+                </a:cubicBezTo>
+                <a:cubicBezTo>
+                  <a:pt x="6024154" y="3483472"/>
+                  <a:pt x="4619336" y="5675986"/>
+                  <a:pt x="2549934" y="6800152"/>
+                </a:cubicBezTo>
+                <a:lnTo>
+                  <a:pt x="2436987" y="6858000"/>
+                </a:lnTo>
+                <a:lnTo>
+                  <a:pt x="0" y="6858000"/>
+                </a:lnTo>
+                <a:close/>
+              </a:path>
+            </a:pathLst>
+          </a:custGeom>
+          <a:noFill/>
+          <a:extLst>
+            <a:ext uri="{909E8E84-426E-40DD-AFC4-6F175D3DCCD1}">
+              <a14:hiddenFill xmlns:a14="http://schemas.microsoft.com/office/drawing/2010/main">
+                <a:solidFill>
+                  <a:srgbClr val="FFFFFF"/>
+                </a:solidFill>
+              </a14:hiddenFill>
+            </a:ext>
+          </a:extLst>
+        </p:spPr>
+      </p:pic>
       <p:sp>
         <p:nvSpPr>
           <p:cNvPr id="3" name="Content Placeholder 2">
             <a:extLst>
               <a:ext uri="{FF2B5EF4-FFF2-40B4-BE49-F238E27FC236}">
-                <a16:creationId xmlns:a16="http://schemas.microsoft.com/office/drawing/2014/main" id="{8C5FF341-6AAE-4742-B8F9-163A196ACE73}"/>
+                <a16:creationId xmlns:a16="http://schemas.microsoft.com/office/drawing/2014/main" id="{19F67473-2569-4A59-B2DD-4950152203D2}"/>
               </a:ext>
             </a:extLst>
           </p:cNvPr>
@@ -3786,33 +6895,117 @@
             <p:ph idx="1"/>
           </p:nvPr>
         </p:nvSpPr>
-        <p:spPr/>
-        <p:txBody>
-          <a:bodyPr/>
+        <p:spPr>
+          <a:xfrm>
+            <a:off x="6638578" y="2871982"/>
+            <a:ext cx="5004073" cy="3181684"/>
+          </a:xfrm>
+        </p:spPr>
+        <p:txBody>
+          <a:bodyPr anchor="t">
+            <a:normAutofit/>
+          </a:bodyPr>
           <a:lstStyle/>
           <a:p>
             <a:r>
-              <a:rPr lang="en-US" dirty="0"/>
-              <a:t>LP is not realistic</a:t>
-            </a:r>
-          </a:p>
-          <a:p>
-            <a:r>
-              <a:rPr lang="en-US" dirty="0"/>
-              <a:t>Allows for uninterpretable splitting of variables (especially since they are categorial/binary)</a:t>
-            </a:r>
-          </a:p>
-        </p:txBody>
-      </p:sp>
+              <a:rPr lang="en-US" sz="1800" dirty="0"/>
+              <a:t>Separate samples into “positive” and “negative” outcomes</a:t>
+            </a:r>
+          </a:p>
+          <a:p>
+            <a:r>
+              <a:rPr lang="en-US" sz="1800" dirty="0"/>
+              <a:t>Define tree structure</a:t>
+            </a:r>
+          </a:p>
+          <a:p>
+            <a:r>
+              <a:rPr lang="en-US" sz="1800" dirty="0"/>
+              <a:t>Determine difference between total number of “positive” and “negative” outcomes to include factor in objective function</a:t>
+            </a:r>
+          </a:p>
+        </p:txBody>
+      </p:sp>
+      <p:pic>
+        <p:nvPicPr>
+          <p:cNvPr id="4" name="Picture 3">
+            <a:extLst>
+              <a:ext uri="{FF2B5EF4-FFF2-40B4-BE49-F238E27FC236}">
+                <a16:creationId xmlns:a16="http://schemas.microsoft.com/office/drawing/2014/main" id="{3D51A91C-F681-4242-8016-130626FC0E3B}"/>
+              </a:ext>
+            </a:extLst>
+          </p:cNvPr>
+          <p:cNvPicPr>
+            <a:picLocks noChangeAspect="1"/>
+          </p:cNvPicPr>
+          <p:nvPr/>
+        </p:nvPicPr>
+        <p:blipFill>
+          <a:blip r:embed="rId3">
+            <a:duotone>
+              <a:schemeClr val="accent1">
+                <a:shade val="45000"/>
+                <a:satMod val="135000"/>
+              </a:schemeClr>
+              <a:prstClr val="white"/>
+            </a:duotone>
+            <a:extLst>
+              <a:ext uri="{BEBA8EAE-BF5A-486C-A8C5-ECC9F3942E4B}">
+                <a14:imgProps xmlns:a14="http://schemas.microsoft.com/office/drawing/2010/main">
+                  <a14:imgLayer r:embed="rId4">
+                    <a14:imgEffect>
+                      <a14:backgroundRemoval t="6625" b="96250" l="5366" r="94268">
+                        <a14:foregroundMark x1="40488" y1="6625" x2="40488" y2="6625"/>
+                        <a14:foregroundMark x1="52927" y1="10875" x2="52927" y2="10875"/>
+                        <a14:foregroundMark x1="51829" y1="17125" x2="51829" y2="17125"/>
+                        <a14:foregroundMark x1="53659" y1="45875" x2="53659" y2="45875"/>
+                        <a14:foregroundMark x1="51829" y1="53625" x2="51829" y2="53625"/>
+                        <a14:foregroundMark x1="77927" y1="45750" x2="77927" y2="45750"/>
+                        <a14:foregroundMark x1="77439" y1="52875" x2="77439" y2="52875"/>
+                        <a14:foregroundMark x1="58659" y1="94375" x2="61220" y2="95125"/>
+                        <a14:foregroundMark x1="65244" y1="89250" x2="65244" y2="89250"/>
+                        <a14:foregroundMark x1="66098" y1="82625" x2="66098" y2="82625"/>
+                        <a14:foregroundMark x1="93780" y1="76250" x2="94512" y2="79500"/>
+                        <a14:foregroundMark x1="87561" y1="83625" x2="87561" y2="83625"/>
+                        <a14:foregroundMark x1="87073" y1="89500" x2="87073" y2="89500"/>
+                        <a14:foregroundMark x1="35976" y1="83000" x2="35976" y2="83000"/>
+                        <a14:foregroundMark x1="35244" y1="89000" x2="35244" y2="89000"/>
+                        <a14:foregroundMark x1="13049" y1="82500" x2="13049" y2="82500"/>
+                        <a14:foregroundMark x1="13659" y1="89750" x2="13659" y2="89750"/>
+                        <a14:foregroundMark x1="23902" y1="45750" x2="23902" y2="45750"/>
+                        <a14:foregroundMark x1="25610" y1="52875" x2="25610" y2="52875"/>
+                        <a14:foregroundMark x1="6585" y1="77250" x2="5366" y2="78500"/>
+                        <a14:foregroundMark x1="28902" y1="96250" x2="33171" y2="95750"/>
+                      </a14:backgroundRemoval>
+                    </a14:imgEffect>
+                  </a14:imgLayer>
+                </a14:imgProps>
+              </a:ext>
+            </a:extLst>
+          </a:blip>
+          <a:stretch>
+            <a:fillRect/>
+          </a:stretch>
+        </p:blipFill>
+        <p:spPr>
+          <a:xfrm flipH="1">
+            <a:off x="9946432" y="1637391"/>
+            <a:ext cx="864442" cy="843358"/>
+          </a:xfrm>
+          <a:prstGeom prst="rect">
+            <a:avLst/>
+          </a:prstGeom>
+        </p:spPr>
+      </p:pic>
     </p:spTree>
     <p:extLst>
       <p:ext uri="{BB962C8B-B14F-4D97-AF65-F5344CB8AC3E}">
-        <p14:creationId xmlns:p14="http://schemas.microsoft.com/office/powerpoint/2010/main" val="2163741397"/>
+        <p14:creationId xmlns:p14="http://schemas.microsoft.com/office/powerpoint/2010/main" val="2439508052"/>
       </p:ext>
     </p:extLst>
   </p:cSld>
   <p:clrMapOvr>
-    <a:masterClrMapping/>
+    <a:overrideClrMapping bg1="dk1" tx1="lt1" bg2="dk2" tx2="lt2" accent1="accent1" accent2="accent2" accent3="accent3" accent4="accent4" accent5="accent5" accent6="accent6" hlink="hlink" folHlink="folHlink"/>
   </p:clrMapOvr>
 </p:sld>
 </file>
@@ -3834,12 +7027,60 @@
           <a:chExt cx="0" cy="0"/>
         </a:xfrm>
       </p:grpSpPr>
+      <p:pic>
+        <p:nvPicPr>
+          <p:cNvPr id="4" name="Picture 2" descr="Sunday Service: June 14th, 2020 | Quest Church of St. Louis">
+            <a:extLst>
+              <a:ext uri="{FF2B5EF4-FFF2-40B4-BE49-F238E27FC236}">
+                <a16:creationId xmlns:a16="http://schemas.microsoft.com/office/drawing/2014/main" id="{A5A6D18C-225C-41BA-B3A9-FAC455ABCD40}"/>
+              </a:ext>
+            </a:extLst>
+          </p:cNvPr>
+          <p:cNvPicPr>
+            <a:picLocks noChangeAspect="1" noChangeArrowheads="1"/>
+          </p:cNvPicPr>
+          <p:nvPr/>
+        </p:nvPicPr>
+        <p:blipFill>
+          <a:blip r:embed="rId2">
+            <a:alphaModFix amt="35000"/>
+            <a:extLst>
+              <a:ext uri="{28A0092B-C50C-407E-A947-70E740481C1C}">
+                <a14:useLocalDpi xmlns:a14="http://schemas.microsoft.com/office/drawing/2010/main" val="0"/>
+              </a:ext>
+            </a:extLst>
+          </a:blip>
+          <a:srcRect/>
+          <a:stretch>
+            <a:fillRect/>
+          </a:stretch>
+        </p:blipFill>
+        <p:spPr bwMode="auto">
+          <a:xfrm>
+            <a:off x="-2976465" y="-10963663"/>
+            <a:ext cx="17746824" cy="17746824"/>
+          </a:xfrm>
+          <a:prstGeom prst="rect">
+            <a:avLst/>
+          </a:prstGeom>
+          <a:noFill/>
+          <a:extLst>
+            <a:ext uri="{909E8E84-426E-40DD-AFC4-6F175D3DCCD1}">
+              <a14:hiddenFill xmlns:a14="http://schemas.microsoft.com/office/drawing/2010/main">
+                <a:solidFill>
+                  <a:srgbClr val="FFFFFF"/>
+                </a:solidFill>
+              </a14:hiddenFill>
+            </a:ext>
+          </a:extLst>
+        </p:spPr>
+      </p:pic>
       <p:sp>
         <p:nvSpPr>
           <p:cNvPr id="2" name="Title 1">
             <a:extLst>
               <a:ext uri="{FF2B5EF4-FFF2-40B4-BE49-F238E27FC236}">
-                <a16:creationId xmlns:a16="http://schemas.microsoft.com/office/drawing/2014/main" id="{ADD6D830-A66C-4E68-A2E8-38B11A39E630}"/>
+                <a16:creationId xmlns:a16="http://schemas.microsoft.com/office/drawing/2014/main" id="{B468A54F-6B42-4042-B664-3A17402D4844}"/>
               </a:ext>
             </a:extLst>
           </p:cNvPr>
@@ -3857,7 +7098,7 @@
           <a:p>
             <a:r>
               <a:rPr lang="en-US" dirty="0"/>
-              <a:t>Objective</a:t>
+              <a:t>Why an IP?</a:t>
             </a:r>
           </a:p>
         </p:txBody>
@@ -3867,7 +7108,7 @@
           <p:cNvPr id="3" name="Content Placeholder 2">
             <a:extLst>
               <a:ext uri="{FF2B5EF4-FFF2-40B4-BE49-F238E27FC236}">
-                <a16:creationId xmlns:a16="http://schemas.microsoft.com/office/drawing/2014/main" id="{19F67473-2569-4A59-B2DD-4950152203D2}"/>
+                <a16:creationId xmlns:a16="http://schemas.microsoft.com/office/drawing/2014/main" id="{8C5FF341-6AAE-4742-B8F9-163A196ACE73}"/>
               </a:ext>
             </a:extLst>
           </p:cNvPr>
@@ -3885,40 +7126,104 @@
           <a:p>
             <a:r>
               <a:rPr lang="en-US" dirty="0"/>
-              <a:t>Determine the optimal decision tree</a:t>
+              <a:t>LP is not realistic</a:t>
             </a:r>
           </a:p>
           <a:p>
             <a:r>
               <a:rPr lang="en-US" dirty="0"/>
-              <a:t>Get information on the main features a school should focus on adjusting or improving</a:t>
-            </a:r>
-          </a:p>
-          <a:p>
-            <a:r>
-              <a:rPr lang="en-US" dirty="0"/>
-              <a:t>Test varying tree structures and compare important features determined for reach structure</a:t>
-            </a:r>
-          </a:p>
-          <a:p>
-            <a:r>
-              <a:rPr lang="en-US" dirty="0"/>
-              <a:t>Use this to implement policy changes</a:t>
-            </a:r>
-          </a:p>
-          <a:p>
-            <a:pPr lvl="1"/>
-            <a:r>
-              <a:rPr lang="en-US" dirty="0"/>
-              <a:t>Ex: If the number of SAT test takes is an important feature, then the school could possibly implement chances for students to take SAT prep or offer more chances for student to take the SAT on campus</a:t>
-            </a:r>
-          </a:p>
-        </p:txBody>
-      </p:sp>
+              <a:t>Allows for uninterpretable splitting of variables (especially since they are categorial/binary)</a:t>
+            </a:r>
+          </a:p>
+        </p:txBody>
+      </p:sp>
+      <p:pic>
+        <p:nvPicPr>
+          <p:cNvPr id="5122" name="Picture 2" descr="Integer Symbol Latex Clipart (#4805253) - PikPng">
+            <a:extLst>
+              <a:ext uri="{FF2B5EF4-FFF2-40B4-BE49-F238E27FC236}">
+                <a16:creationId xmlns:a16="http://schemas.microsoft.com/office/drawing/2014/main" id="{F6C0AB3B-C2FA-4AA1-BB59-D8081A992365}"/>
+              </a:ext>
+            </a:extLst>
+          </p:cNvPr>
+          <p:cNvPicPr>
+            <a:picLocks noChangeAspect="1" noChangeArrowheads="1"/>
+          </p:cNvPicPr>
+          <p:nvPr/>
+        </p:nvPicPr>
+        <p:blipFill>
+          <a:blip r:embed="rId3">
+            <a:duotone>
+              <a:schemeClr val="accent6">
+                <a:shade val="45000"/>
+                <a:satMod val="135000"/>
+              </a:schemeClr>
+              <a:prstClr val="white"/>
+            </a:duotone>
+            <a:extLst>
+              <a:ext uri="{BEBA8EAE-BF5A-486C-A8C5-ECC9F3942E4B}">
+                <a14:imgProps xmlns:a14="http://schemas.microsoft.com/office/drawing/2010/main">
+                  <a14:imgLayer r:embed="rId4">
+                    <a14:imgEffect>
+                      <a14:backgroundRemoval t="5732" b="93756" l="4405" r="96310">
+                        <a14:foregroundMark x1="25714" y1="7062" x2="25714" y2="7062"/>
+                        <a14:foregroundMark x1="26071" y1="7472" x2="37262" y2="6653"/>
+                        <a14:foregroundMark x1="46310" y1="6141" x2="55714" y2="5732"/>
+                        <a14:foregroundMark x1="55714" y1="5732" x2="72976" y2="7165"/>
+                        <a14:foregroundMark x1="72976" y1="7165" x2="86071" y2="6346"/>
+                        <a14:foregroundMark x1="11310" y1="19857" x2="28571" y2="9212"/>
+                        <a14:foregroundMark x1="87500" y1="5834" x2="81429" y2="17093"/>
+                        <a14:foregroundMark x1="64167" y1="11157" x2="47857" y2="32242"/>
+                        <a14:foregroundMark x1="46190" y1="35824" x2="30357" y2="57318"/>
+                        <a14:foregroundMark x1="28214" y1="59877" x2="13571" y2="81474"/>
+                        <a14:foregroundMark x1="9643" y1="86285" x2="5357" y2="92426"/>
+                        <a14:foregroundMark x1="5357" y1="92426" x2="22738" y2="92938"/>
+                        <a14:foregroundMark x1="22738" y1="92938" x2="47024" y2="91914"/>
+                        <a14:foregroundMark x1="47024" y1="91914" x2="70714" y2="93245"/>
+                        <a14:foregroundMark x1="71667" y1="92426" x2="81071" y2="93040"/>
+                        <a14:foregroundMark x1="81071" y1="93040" x2="89405" y2="92528"/>
+                        <a14:foregroundMark x1="89405" y1="92528" x2="96310" y2="71136"/>
+                        <a14:foregroundMark x1="96310" y1="71136" x2="95238" y2="67656"/>
+                        <a14:foregroundMark x1="4405" y1="91402" x2="4524" y2="93756"/>
+                      </a14:backgroundRemoval>
+                    </a14:imgEffect>
+                  </a14:imgLayer>
+                </a14:imgProps>
+              </a:ext>
+              <a:ext uri="{28A0092B-C50C-407E-A947-70E740481C1C}">
+                <a14:useLocalDpi xmlns:a14="http://schemas.microsoft.com/office/drawing/2010/main" val="0"/>
+              </a:ext>
+            </a:extLst>
+          </a:blip>
+          <a:srcRect/>
+          <a:stretch>
+            <a:fillRect/>
+          </a:stretch>
+        </p:blipFill>
+        <p:spPr bwMode="auto">
+          <a:xfrm rot="1707716">
+            <a:off x="3691210" y="666069"/>
+            <a:ext cx="622158" cy="723673"/>
+          </a:xfrm>
+          <a:prstGeom prst="rect">
+            <a:avLst/>
+          </a:prstGeom>
+          <a:noFill/>
+          <a:extLst>
+            <a:ext uri="{909E8E84-426E-40DD-AFC4-6F175D3DCCD1}">
+              <a14:hiddenFill xmlns:a14="http://schemas.microsoft.com/office/drawing/2010/main">
+                <a:solidFill>
+                  <a:srgbClr val="FFFFFF"/>
+                </a:solidFill>
+              </a14:hiddenFill>
+            </a:ext>
+          </a:extLst>
+        </p:spPr>
+      </p:pic>
     </p:spTree>
     <p:extLst>
       <p:ext uri="{BB962C8B-B14F-4D97-AF65-F5344CB8AC3E}">
-        <p14:creationId xmlns:p14="http://schemas.microsoft.com/office/powerpoint/2010/main" val="1010859900"/>
+        <p14:creationId xmlns:p14="http://schemas.microsoft.com/office/powerpoint/2010/main" val="2163741397"/>
       </p:ext>
     </p:extLst>
   </p:cSld>
@@ -3929,6 +7234,1527 @@
 </file>
 
 <file path=ppt/slides/slide7.xml><?xml version="1.0" encoding="utf-8"?>
+<p:sld xmlns:a="http://schemas.openxmlformats.org/drawingml/2006/main" xmlns:r="http://schemas.openxmlformats.org/officeDocument/2006/relationships" xmlns:p="http://schemas.openxmlformats.org/presentationml/2006/main">
+  <p:cSld>
+    <p:bg>
+      <p:bgPr>
+        <a:solidFill>
+          <a:schemeClr val="bg1"/>
+        </a:solidFill>
+        <a:effectLst/>
+      </p:bgPr>
+    </p:bg>
+    <p:spTree>
+      <p:nvGrpSpPr>
+        <p:cNvPr id="1" name=""/>
+        <p:cNvGrpSpPr/>
+        <p:nvPr/>
+      </p:nvGrpSpPr>
+      <p:grpSpPr>
+        <a:xfrm>
+          <a:off x="0" y="0"/>
+          <a:ext cx="0" cy="0"/>
+          <a:chOff x="0" y="0"/>
+          <a:chExt cx="0" cy="0"/>
+        </a:xfrm>
+      </p:grpSpPr>
+      <p:sp useBgFill="1">
+        <p:nvSpPr>
+          <p:cNvPr id="73" name="Rectangle 72">
+            <a:extLst>
+              <a:ext uri="{FF2B5EF4-FFF2-40B4-BE49-F238E27FC236}">
+                <a16:creationId xmlns:a16="http://schemas.microsoft.com/office/drawing/2014/main" id="{1A9F7B4E-B03D-4F64-BE33-00D074458D45}"/>
+              </a:ext>
+              <a:ext uri="{C183D7F6-B498-43B3-948B-1728B52AA6E4}">
+                <adec:decorative xmlns:adec="http://schemas.microsoft.com/office/drawing/2017/decorative" val="1"/>
+              </a:ext>
+            </a:extLst>
+          </p:cNvPr>
+          <p:cNvSpPr>
+            <a:spLocks noGrp="1" noRot="1" noChangeAspect="1" noMove="1" noResize="1" noEditPoints="1" noAdjustHandles="1" noChangeArrowheads="1" noChangeShapeType="1" noTextEdit="1"/>
+          </p:cNvSpPr>
+          <p:nvPr>
+            <p:extLst>
+              <p:ext uri="{386F3935-93C4-4BCD-93E2-E3B085C9AB24}">
+                <p16:designElem xmlns:p16="http://schemas.microsoft.com/office/powerpoint/2015/main" val="1"/>
+              </p:ext>
+            </p:extLst>
+          </p:nvPr>
+        </p:nvSpPr>
+        <p:spPr>
+          <a:xfrm>
+            <a:off x="0" y="0"/>
+            <a:ext cx="12188952" cy="6858000"/>
+          </a:xfrm>
+          <a:prstGeom prst="rect">
+            <a:avLst/>
+          </a:prstGeom>
+          <a:ln>
+            <a:noFill/>
+          </a:ln>
+        </p:spPr>
+        <p:style>
+          <a:lnRef idx="2">
+            <a:schemeClr val="accent1">
+              <a:shade val="50000"/>
+            </a:schemeClr>
+          </a:lnRef>
+          <a:fillRef idx="1">
+            <a:schemeClr val="accent1"/>
+          </a:fillRef>
+          <a:effectRef idx="0">
+            <a:schemeClr val="accent1"/>
+          </a:effectRef>
+          <a:fontRef idx="minor">
+            <a:schemeClr val="lt1"/>
+          </a:fontRef>
+        </p:style>
+        <p:txBody>
+          <a:bodyPr rtlCol="0" anchor="ctr"/>
+          <a:lstStyle/>
+          <a:p>
+            <a:pPr algn="ctr"/>
+            <a:endParaRPr lang="en-US"/>
+          </a:p>
+        </p:txBody>
+      </p:sp>
+      <p:pic>
+        <p:nvPicPr>
+          <p:cNvPr id="3076" name="Picture 4" descr="Finding Christ In Christmas - Pine Trees Clipart Png PNG Image |  Transparent PNG Free Download on SeekPNG">
+            <a:extLst>
+              <a:ext uri="{FF2B5EF4-FFF2-40B4-BE49-F238E27FC236}">
+                <a16:creationId xmlns:a16="http://schemas.microsoft.com/office/drawing/2014/main" id="{DFE11B84-553E-4F39-A85A-E21FED80D0DD}"/>
+              </a:ext>
+            </a:extLst>
+          </p:cNvPr>
+          <p:cNvPicPr>
+            <a:picLocks noChangeAspect="1" noChangeArrowheads="1"/>
+          </p:cNvPicPr>
+          <p:nvPr/>
+        </p:nvPicPr>
+        <p:blipFill rotWithShape="1">
+          <a:blip r:embed="rId2">
+            <a:alphaModFix amt="40000"/>
+            <a:extLst>
+              <a:ext uri="{28A0092B-C50C-407E-A947-70E740481C1C}">
+                <a14:useLocalDpi xmlns:a14="http://schemas.microsoft.com/office/drawing/2010/main" val="0"/>
+              </a:ext>
+            </a:extLst>
+          </a:blip>
+          <a:srcRect l="16868" r="15132" b="-1"/>
+          <a:stretch/>
+        </p:blipFill>
+        <p:spPr bwMode="auto">
+          <a:xfrm>
+            <a:off x="20" y="10"/>
+            <a:ext cx="12191979" cy="6857990"/>
+          </a:xfrm>
+          <a:prstGeom prst="rect">
+            <a:avLst/>
+          </a:prstGeom>
+          <a:noFill/>
+          <a:extLst>
+            <a:ext uri="{909E8E84-426E-40DD-AFC4-6F175D3DCCD1}">
+              <a14:hiddenFill xmlns:a14="http://schemas.microsoft.com/office/drawing/2010/main">
+                <a:solidFill>
+                  <a:srgbClr val="FFFFFF"/>
+                </a:solidFill>
+              </a14:hiddenFill>
+            </a:ext>
+          </a:extLst>
+        </p:spPr>
+      </p:pic>
+      <p:sp>
+        <p:nvSpPr>
+          <p:cNvPr id="2" name="Title 1">
+            <a:extLst>
+              <a:ext uri="{FF2B5EF4-FFF2-40B4-BE49-F238E27FC236}">
+                <a16:creationId xmlns:a16="http://schemas.microsoft.com/office/drawing/2014/main" id="{ADD6D830-A66C-4E68-A2E8-38B11A39E630}"/>
+              </a:ext>
+            </a:extLst>
+          </p:cNvPr>
+          <p:cNvSpPr>
+            <a:spLocks noGrp="1"/>
+          </p:cNvSpPr>
+          <p:nvPr>
+            <p:ph type="title"/>
+          </p:nvPr>
+        </p:nvSpPr>
+        <p:spPr>
+          <a:xfrm>
+            <a:off x="838200" y="365125"/>
+            <a:ext cx="10515600" cy="1325563"/>
+          </a:xfrm>
+        </p:spPr>
+        <p:txBody>
+          <a:bodyPr>
+            <a:normAutofit/>
+          </a:bodyPr>
+          <a:lstStyle/>
+          <a:p>
+            <a:r>
+              <a:rPr lang="en-US" sz="5400">
+                <a:solidFill>
+                  <a:srgbClr val="FFFFFF"/>
+                </a:solidFill>
+              </a:rPr>
+              <a:t>Objective</a:t>
+            </a:r>
+          </a:p>
+        </p:txBody>
+      </p:sp>
+      <p:sp>
+        <p:nvSpPr>
+          <p:cNvPr id="75" name="sketchy line">
+            <a:extLst>
+              <a:ext uri="{FF2B5EF4-FFF2-40B4-BE49-F238E27FC236}">
+                <a16:creationId xmlns:a16="http://schemas.microsoft.com/office/drawing/2014/main" id="{7E2BE7F7-CA89-4002-ACCE-A478AEA24F5E}"/>
+              </a:ext>
+              <a:ext uri="{C183D7F6-B498-43B3-948B-1728B52AA6E4}">
+                <adec:decorative xmlns:adec="http://schemas.microsoft.com/office/drawing/2017/decorative" val="1"/>
+              </a:ext>
+            </a:extLst>
+          </p:cNvPr>
+          <p:cNvSpPr>
+            <a:spLocks noGrp="1" noRot="1" noChangeAspect="1" noMove="1" noResize="1" noEditPoints="1" noAdjustHandles="1" noChangeArrowheads="1" noChangeShapeType="1" noTextEdit="1"/>
+          </p:cNvSpPr>
+          <p:nvPr>
+            <p:extLst>
+              <p:ext uri="{386F3935-93C4-4BCD-93E2-E3B085C9AB24}">
+                <p16:designElem xmlns:p16="http://schemas.microsoft.com/office/powerpoint/2015/main" val="1"/>
+              </p:ext>
+            </p:extLst>
+          </p:nvPr>
+        </p:nvSpPr>
+        <p:spPr>
+          <a:xfrm>
+            <a:off x="914399" y="1681544"/>
+            <a:ext cx="9692640" cy="18288"/>
+          </a:xfrm>
+          <a:custGeom>
+            <a:avLst/>
+            <a:gdLst>
+              <a:gd name="connsiteX0" fmla="*/ 0 w 9692640"/>
+              <a:gd name="connsiteY0" fmla="*/ 0 h 18288"/>
+              <a:gd name="connsiteX1" fmla="*/ 401552 w 9692640"/>
+              <a:gd name="connsiteY1" fmla="*/ 0 h 18288"/>
+              <a:gd name="connsiteX2" fmla="*/ 996957 w 9692640"/>
+              <a:gd name="connsiteY2" fmla="*/ 0 h 18288"/>
+              <a:gd name="connsiteX3" fmla="*/ 1398509 w 9692640"/>
+              <a:gd name="connsiteY3" fmla="*/ 0 h 18288"/>
+              <a:gd name="connsiteX4" fmla="*/ 2090841 w 9692640"/>
+              <a:gd name="connsiteY4" fmla="*/ 0 h 18288"/>
+              <a:gd name="connsiteX5" fmla="*/ 2686246 w 9692640"/>
+              <a:gd name="connsiteY5" fmla="*/ 0 h 18288"/>
+              <a:gd name="connsiteX6" fmla="*/ 3475504 w 9692640"/>
+              <a:gd name="connsiteY6" fmla="*/ 0 h 18288"/>
+              <a:gd name="connsiteX7" fmla="*/ 4361688 w 9692640"/>
+              <a:gd name="connsiteY7" fmla="*/ 0 h 18288"/>
+              <a:gd name="connsiteX8" fmla="*/ 5054019 w 9692640"/>
+              <a:gd name="connsiteY8" fmla="*/ 0 h 18288"/>
+              <a:gd name="connsiteX9" fmla="*/ 5940204 w 9692640"/>
+              <a:gd name="connsiteY9" fmla="*/ 0 h 18288"/>
+              <a:gd name="connsiteX10" fmla="*/ 6632535 w 9692640"/>
+              <a:gd name="connsiteY10" fmla="*/ 0 h 18288"/>
+              <a:gd name="connsiteX11" fmla="*/ 7034087 w 9692640"/>
+              <a:gd name="connsiteY11" fmla="*/ 0 h 18288"/>
+              <a:gd name="connsiteX12" fmla="*/ 7532566 w 9692640"/>
+              <a:gd name="connsiteY12" fmla="*/ 0 h 18288"/>
+              <a:gd name="connsiteX13" fmla="*/ 8418750 w 9692640"/>
+              <a:gd name="connsiteY13" fmla="*/ 0 h 18288"/>
+              <a:gd name="connsiteX14" fmla="*/ 9692640 w 9692640"/>
+              <a:gd name="connsiteY14" fmla="*/ 0 h 18288"/>
+              <a:gd name="connsiteX15" fmla="*/ 9692640 w 9692640"/>
+              <a:gd name="connsiteY15" fmla="*/ 18288 h 18288"/>
+              <a:gd name="connsiteX16" fmla="*/ 9000309 w 9692640"/>
+              <a:gd name="connsiteY16" fmla="*/ 18288 h 18288"/>
+              <a:gd name="connsiteX17" fmla="*/ 8307977 w 9692640"/>
+              <a:gd name="connsiteY17" fmla="*/ 18288 h 18288"/>
+              <a:gd name="connsiteX18" fmla="*/ 7712572 w 9692640"/>
+              <a:gd name="connsiteY18" fmla="*/ 18288 h 18288"/>
+              <a:gd name="connsiteX19" fmla="*/ 7214093 w 9692640"/>
+              <a:gd name="connsiteY19" fmla="*/ 18288 h 18288"/>
+              <a:gd name="connsiteX20" fmla="*/ 6327909 w 9692640"/>
+              <a:gd name="connsiteY20" fmla="*/ 18288 h 18288"/>
+              <a:gd name="connsiteX21" fmla="*/ 5635578 w 9692640"/>
+              <a:gd name="connsiteY21" fmla="*/ 18288 h 18288"/>
+              <a:gd name="connsiteX22" fmla="*/ 4846320 w 9692640"/>
+              <a:gd name="connsiteY22" fmla="*/ 18288 h 18288"/>
+              <a:gd name="connsiteX23" fmla="*/ 4444768 w 9692640"/>
+              <a:gd name="connsiteY23" fmla="*/ 18288 h 18288"/>
+              <a:gd name="connsiteX24" fmla="*/ 3946289 w 9692640"/>
+              <a:gd name="connsiteY24" fmla="*/ 18288 h 18288"/>
+              <a:gd name="connsiteX25" fmla="*/ 3253958 w 9692640"/>
+              <a:gd name="connsiteY25" fmla="*/ 18288 h 18288"/>
+              <a:gd name="connsiteX26" fmla="*/ 2464700 w 9692640"/>
+              <a:gd name="connsiteY26" fmla="*/ 18288 h 18288"/>
+              <a:gd name="connsiteX27" fmla="*/ 2063148 w 9692640"/>
+              <a:gd name="connsiteY27" fmla="*/ 18288 h 18288"/>
+              <a:gd name="connsiteX28" fmla="*/ 1661595 w 9692640"/>
+              <a:gd name="connsiteY28" fmla="*/ 18288 h 18288"/>
+              <a:gd name="connsiteX29" fmla="*/ 969264 w 9692640"/>
+              <a:gd name="connsiteY29" fmla="*/ 18288 h 18288"/>
+              <a:gd name="connsiteX30" fmla="*/ 0 w 9692640"/>
+              <a:gd name="connsiteY30" fmla="*/ 18288 h 18288"/>
+              <a:gd name="connsiteX31" fmla="*/ 0 w 9692640"/>
+              <a:gd name="connsiteY31" fmla="*/ 0 h 18288"/>
+            </a:gdLst>
+            <a:ahLst/>
+            <a:cxnLst>
+              <a:cxn ang="0">
+                <a:pos x="connsiteX0" y="connsiteY0"/>
+              </a:cxn>
+              <a:cxn ang="0">
+                <a:pos x="connsiteX1" y="connsiteY1"/>
+              </a:cxn>
+              <a:cxn ang="0">
+                <a:pos x="connsiteX2" y="connsiteY2"/>
+              </a:cxn>
+              <a:cxn ang="0">
+                <a:pos x="connsiteX3" y="connsiteY3"/>
+              </a:cxn>
+              <a:cxn ang="0">
+                <a:pos x="connsiteX4" y="connsiteY4"/>
+              </a:cxn>
+              <a:cxn ang="0">
+                <a:pos x="connsiteX5" y="connsiteY5"/>
+              </a:cxn>
+              <a:cxn ang="0">
+                <a:pos x="connsiteX6" y="connsiteY6"/>
+              </a:cxn>
+              <a:cxn ang="0">
+                <a:pos x="connsiteX7" y="connsiteY7"/>
+              </a:cxn>
+              <a:cxn ang="0">
+                <a:pos x="connsiteX8" y="connsiteY8"/>
+              </a:cxn>
+              <a:cxn ang="0">
+                <a:pos x="connsiteX9" y="connsiteY9"/>
+              </a:cxn>
+              <a:cxn ang="0">
+                <a:pos x="connsiteX10" y="connsiteY10"/>
+              </a:cxn>
+              <a:cxn ang="0">
+                <a:pos x="connsiteX11" y="connsiteY11"/>
+              </a:cxn>
+              <a:cxn ang="0">
+                <a:pos x="connsiteX12" y="connsiteY12"/>
+              </a:cxn>
+              <a:cxn ang="0">
+                <a:pos x="connsiteX13" y="connsiteY13"/>
+              </a:cxn>
+              <a:cxn ang="0">
+                <a:pos x="connsiteX14" y="connsiteY14"/>
+              </a:cxn>
+              <a:cxn ang="0">
+                <a:pos x="connsiteX15" y="connsiteY15"/>
+              </a:cxn>
+              <a:cxn ang="0">
+                <a:pos x="connsiteX16" y="connsiteY16"/>
+              </a:cxn>
+              <a:cxn ang="0">
+                <a:pos x="connsiteX17" y="connsiteY17"/>
+              </a:cxn>
+              <a:cxn ang="0">
+                <a:pos x="connsiteX18" y="connsiteY18"/>
+              </a:cxn>
+              <a:cxn ang="0">
+                <a:pos x="connsiteX19" y="connsiteY19"/>
+              </a:cxn>
+              <a:cxn ang="0">
+                <a:pos x="connsiteX20" y="connsiteY20"/>
+              </a:cxn>
+              <a:cxn ang="0">
+                <a:pos x="connsiteX21" y="connsiteY21"/>
+              </a:cxn>
+              <a:cxn ang="0">
+                <a:pos x="connsiteX22" y="connsiteY22"/>
+              </a:cxn>
+              <a:cxn ang="0">
+                <a:pos x="connsiteX23" y="connsiteY23"/>
+              </a:cxn>
+              <a:cxn ang="0">
+                <a:pos x="connsiteX24" y="connsiteY24"/>
+              </a:cxn>
+              <a:cxn ang="0">
+                <a:pos x="connsiteX25" y="connsiteY25"/>
+              </a:cxn>
+              <a:cxn ang="0">
+                <a:pos x="connsiteX26" y="connsiteY26"/>
+              </a:cxn>
+              <a:cxn ang="0">
+                <a:pos x="connsiteX27" y="connsiteY27"/>
+              </a:cxn>
+              <a:cxn ang="0">
+                <a:pos x="connsiteX28" y="connsiteY28"/>
+              </a:cxn>
+              <a:cxn ang="0">
+                <a:pos x="connsiteX29" y="connsiteY29"/>
+              </a:cxn>
+              <a:cxn ang="0">
+                <a:pos x="connsiteX30" y="connsiteY30"/>
+              </a:cxn>
+              <a:cxn ang="0">
+                <a:pos x="connsiteX31" y="connsiteY31"/>
+              </a:cxn>
+            </a:cxnLst>
+            <a:rect l="l" t="t" r="r" b="b"/>
+            <a:pathLst>
+              <a:path w="9692640" h="18288" fill="none" extrusionOk="0">
+                <a:moveTo>
+                  <a:pt x="0" y="0"/>
+                </a:moveTo>
+                <a:cubicBezTo>
+                  <a:pt x="142992" y="4732"/>
+                  <a:pt x="265909" y="-3365"/>
+                  <a:pt x="401552" y="0"/>
+                </a:cubicBezTo>
+                <a:cubicBezTo>
+                  <a:pt x="537195" y="3365"/>
+                  <a:pt x="738153" y="6482"/>
+                  <a:pt x="996957" y="0"/>
+                </a:cubicBezTo>
+                <a:cubicBezTo>
+                  <a:pt x="1255762" y="-6482"/>
+                  <a:pt x="1280511" y="12509"/>
+                  <a:pt x="1398509" y="0"/>
+                </a:cubicBezTo>
+                <a:cubicBezTo>
+                  <a:pt x="1516507" y="-12509"/>
+                  <a:pt x="1782573" y="-31523"/>
+                  <a:pt x="2090841" y="0"/>
+                </a:cubicBezTo>
+                <a:cubicBezTo>
+                  <a:pt x="2399109" y="31523"/>
+                  <a:pt x="2488380" y="26286"/>
+                  <a:pt x="2686246" y="0"/>
+                </a:cubicBezTo>
+                <a:cubicBezTo>
+                  <a:pt x="2884112" y="-26286"/>
+                  <a:pt x="3186024" y="-14734"/>
+                  <a:pt x="3475504" y="0"/>
+                </a:cubicBezTo>
+                <a:cubicBezTo>
+                  <a:pt x="3764984" y="14734"/>
+                  <a:pt x="4053017" y="43292"/>
+                  <a:pt x="4361688" y="0"/>
+                </a:cubicBezTo>
+                <a:cubicBezTo>
+                  <a:pt x="4670359" y="-43292"/>
+                  <a:pt x="4736164" y="-729"/>
+                  <a:pt x="5054019" y="0"/>
+                </a:cubicBezTo>
+                <a:cubicBezTo>
+                  <a:pt x="5371874" y="729"/>
+                  <a:pt x="5543528" y="-22963"/>
+                  <a:pt x="5940204" y="0"/>
+                </a:cubicBezTo>
+                <a:cubicBezTo>
+                  <a:pt x="6336881" y="22963"/>
+                  <a:pt x="6423838" y="6469"/>
+                  <a:pt x="6632535" y="0"/>
+                </a:cubicBezTo>
+                <a:cubicBezTo>
+                  <a:pt x="6841232" y="-6469"/>
+                  <a:pt x="6852819" y="17036"/>
+                  <a:pt x="7034087" y="0"/>
+                </a:cubicBezTo>
+                <a:cubicBezTo>
+                  <a:pt x="7215355" y="-17036"/>
+                  <a:pt x="7313136" y="11151"/>
+                  <a:pt x="7532566" y="0"/>
+                </a:cubicBezTo>
+                <a:cubicBezTo>
+                  <a:pt x="7751996" y="-11151"/>
+                  <a:pt x="8015001" y="25614"/>
+                  <a:pt x="8418750" y="0"/>
+                </a:cubicBezTo>
+                <a:cubicBezTo>
+                  <a:pt x="8822499" y="-25614"/>
+                  <a:pt x="9163239" y="48603"/>
+                  <a:pt x="9692640" y="0"/>
+                </a:cubicBezTo>
+                <a:cubicBezTo>
+                  <a:pt x="9691955" y="4437"/>
+                  <a:pt x="9693170" y="10717"/>
+                  <a:pt x="9692640" y="18288"/>
+                </a:cubicBezTo>
+                <a:cubicBezTo>
+                  <a:pt x="9545125" y="42172"/>
+                  <a:pt x="9164259" y="6706"/>
+                  <a:pt x="9000309" y="18288"/>
+                </a:cubicBezTo>
+                <a:cubicBezTo>
+                  <a:pt x="8836359" y="29870"/>
+                  <a:pt x="8521035" y="-14108"/>
+                  <a:pt x="8307977" y="18288"/>
+                </a:cubicBezTo>
+                <a:cubicBezTo>
+                  <a:pt x="8094919" y="50684"/>
+                  <a:pt x="7881757" y="11235"/>
+                  <a:pt x="7712572" y="18288"/>
+                </a:cubicBezTo>
+                <a:cubicBezTo>
+                  <a:pt x="7543387" y="25341"/>
+                  <a:pt x="7358861" y="20625"/>
+                  <a:pt x="7214093" y="18288"/>
+                </a:cubicBezTo>
+                <a:cubicBezTo>
+                  <a:pt x="7069325" y="15951"/>
+                  <a:pt x="6523705" y="52160"/>
+                  <a:pt x="6327909" y="18288"/>
+                </a:cubicBezTo>
+                <a:cubicBezTo>
+                  <a:pt x="6132113" y="-15584"/>
+                  <a:pt x="5923847" y="21204"/>
+                  <a:pt x="5635578" y="18288"/>
+                </a:cubicBezTo>
+                <a:cubicBezTo>
+                  <a:pt x="5347309" y="15372"/>
+                  <a:pt x="5114749" y="50642"/>
+                  <a:pt x="4846320" y="18288"/>
+                </a:cubicBezTo>
+                <a:cubicBezTo>
+                  <a:pt x="4577891" y="-14066"/>
+                  <a:pt x="4576701" y="1487"/>
+                  <a:pt x="4444768" y="18288"/>
+                </a:cubicBezTo>
+                <a:cubicBezTo>
+                  <a:pt x="4312835" y="35089"/>
+                  <a:pt x="4112575" y="15158"/>
+                  <a:pt x="3946289" y="18288"/>
+                </a:cubicBezTo>
+                <a:cubicBezTo>
+                  <a:pt x="3780003" y="21418"/>
+                  <a:pt x="3396009" y="18797"/>
+                  <a:pt x="3253958" y="18288"/>
+                </a:cubicBezTo>
+                <a:cubicBezTo>
+                  <a:pt x="3111907" y="17779"/>
+                  <a:pt x="2760272" y="57223"/>
+                  <a:pt x="2464700" y="18288"/>
+                </a:cubicBezTo>
+                <a:cubicBezTo>
+                  <a:pt x="2169128" y="-20647"/>
+                  <a:pt x="2232262" y="7960"/>
+                  <a:pt x="2063148" y="18288"/>
+                </a:cubicBezTo>
+                <a:cubicBezTo>
+                  <a:pt x="1894034" y="28616"/>
+                  <a:pt x="1799338" y="3019"/>
+                  <a:pt x="1661595" y="18288"/>
+                </a:cubicBezTo>
+                <a:cubicBezTo>
+                  <a:pt x="1523852" y="33557"/>
+                  <a:pt x="1113928" y="-4352"/>
+                  <a:pt x="969264" y="18288"/>
+                </a:cubicBezTo>
+                <a:cubicBezTo>
+                  <a:pt x="824600" y="40928"/>
+                  <a:pt x="356149" y="-3128"/>
+                  <a:pt x="0" y="18288"/>
+                </a:cubicBezTo>
+                <a:cubicBezTo>
+                  <a:pt x="-540" y="12521"/>
+                  <a:pt x="894" y="7749"/>
+                  <a:pt x="0" y="0"/>
+                </a:cubicBezTo>
+                <a:close/>
+              </a:path>
+              <a:path w="9692640" h="18288" stroke="0" extrusionOk="0">
+                <a:moveTo>
+                  <a:pt x="0" y="0"/>
+                </a:moveTo>
+                <a:cubicBezTo>
+                  <a:pt x="162642" y="3864"/>
+                  <a:pt x="346119" y="-18364"/>
+                  <a:pt x="498479" y="0"/>
+                </a:cubicBezTo>
+                <a:cubicBezTo>
+                  <a:pt x="650839" y="18364"/>
+                  <a:pt x="712065" y="-9389"/>
+                  <a:pt x="900031" y="0"/>
+                </a:cubicBezTo>
+                <a:cubicBezTo>
+                  <a:pt x="1087997" y="9389"/>
+                  <a:pt x="1177291" y="3685"/>
+                  <a:pt x="1398509" y="0"/>
+                </a:cubicBezTo>
+                <a:cubicBezTo>
+                  <a:pt x="1619727" y="-3685"/>
+                  <a:pt x="1874008" y="-8897"/>
+                  <a:pt x="2090841" y="0"/>
+                </a:cubicBezTo>
+                <a:cubicBezTo>
+                  <a:pt x="2307674" y="8897"/>
+                  <a:pt x="2573432" y="-313"/>
+                  <a:pt x="2880099" y="0"/>
+                </a:cubicBezTo>
+                <a:cubicBezTo>
+                  <a:pt x="3186766" y="313"/>
+                  <a:pt x="3422577" y="10664"/>
+                  <a:pt x="3766283" y="0"/>
+                </a:cubicBezTo>
+                <a:cubicBezTo>
+                  <a:pt x="4109989" y="-10664"/>
+                  <a:pt x="4342683" y="-32873"/>
+                  <a:pt x="4652467" y="0"/>
+                </a:cubicBezTo>
+                <a:cubicBezTo>
+                  <a:pt x="4962251" y="32873"/>
+                  <a:pt x="5122120" y="29155"/>
+                  <a:pt x="5247872" y="0"/>
+                </a:cubicBezTo>
+                <a:cubicBezTo>
+                  <a:pt x="5373625" y="-29155"/>
+                  <a:pt x="5749491" y="1706"/>
+                  <a:pt x="6037130" y="0"/>
+                </a:cubicBezTo>
+                <a:cubicBezTo>
+                  <a:pt x="6324769" y="-1706"/>
+                  <a:pt x="6531407" y="1172"/>
+                  <a:pt x="6729461" y="0"/>
+                </a:cubicBezTo>
+                <a:cubicBezTo>
+                  <a:pt x="6927515" y="-1172"/>
+                  <a:pt x="7096794" y="-1520"/>
+                  <a:pt x="7324867" y="0"/>
+                </a:cubicBezTo>
+                <a:cubicBezTo>
+                  <a:pt x="7552940" y="1520"/>
+                  <a:pt x="7878827" y="-17110"/>
+                  <a:pt x="8114124" y="0"/>
+                </a:cubicBezTo>
+                <a:cubicBezTo>
+                  <a:pt x="8349421" y="17110"/>
+                  <a:pt x="8334208" y="15114"/>
+                  <a:pt x="8515677" y="0"/>
+                </a:cubicBezTo>
+                <a:cubicBezTo>
+                  <a:pt x="8697146" y="-15114"/>
+                  <a:pt x="9236164" y="22466"/>
+                  <a:pt x="9692640" y="0"/>
+                </a:cubicBezTo>
+                <a:cubicBezTo>
+                  <a:pt x="9692735" y="8251"/>
+                  <a:pt x="9692514" y="12333"/>
+                  <a:pt x="9692640" y="18288"/>
+                </a:cubicBezTo>
+                <a:cubicBezTo>
+                  <a:pt x="9410102" y="47398"/>
+                  <a:pt x="9172773" y="7109"/>
+                  <a:pt x="9000309" y="18288"/>
+                </a:cubicBezTo>
+                <a:cubicBezTo>
+                  <a:pt x="8827845" y="29467"/>
+                  <a:pt x="8713608" y="28372"/>
+                  <a:pt x="8501830" y="18288"/>
+                </a:cubicBezTo>
+                <a:cubicBezTo>
+                  <a:pt x="8290052" y="8204"/>
+                  <a:pt x="7893416" y="3561"/>
+                  <a:pt x="7712572" y="18288"/>
+                </a:cubicBezTo>
+                <a:cubicBezTo>
+                  <a:pt x="7531728" y="33015"/>
+                  <a:pt x="7480716" y="17052"/>
+                  <a:pt x="7311020" y="18288"/>
+                </a:cubicBezTo>
+                <a:cubicBezTo>
+                  <a:pt x="7141324" y="19524"/>
+                  <a:pt x="6962706" y="15975"/>
+                  <a:pt x="6618688" y="18288"/>
+                </a:cubicBezTo>
+                <a:cubicBezTo>
+                  <a:pt x="6274670" y="20601"/>
+                  <a:pt x="6230664" y="-1692"/>
+                  <a:pt x="6120210" y="18288"/>
+                </a:cubicBezTo>
+                <a:cubicBezTo>
+                  <a:pt x="6009756" y="38268"/>
+                  <a:pt x="5442516" y="28115"/>
+                  <a:pt x="5234026" y="18288"/>
+                </a:cubicBezTo>
+                <a:cubicBezTo>
+                  <a:pt x="5025536" y="8461"/>
+                  <a:pt x="4953693" y="18182"/>
+                  <a:pt x="4832473" y="18288"/>
+                </a:cubicBezTo>
+                <a:cubicBezTo>
+                  <a:pt x="4711253" y="18394"/>
+                  <a:pt x="4414565" y="-11251"/>
+                  <a:pt x="4140142" y="18288"/>
+                </a:cubicBezTo>
+                <a:cubicBezTo>
+                  <a:pt x="3865719" y="47827"/>
+                  <a:pt x="3819081" y="16772"/>
+                  <a:pt x="3738590" y="18288"/>
+                </a:cubicBezTo>
+                <a:cubicBezTo>
+                  <a:pt x="3658099" y="19804"/>
+                  <a:pt x="3427576" y="1385"/>
+                  <a:pt x="3240111" y="18288"/>
+                </a:cubicBezTo>
+                <a:cubicBezTo>
+                  <a:pt x="3052646" y="35191"/>
+                  <a:pt x="2749652" y="-13914"/>
+                  <a:pt x="2450853" y="18288"/>
+                </a:cubicBezTo>
+                <a:cubicBezTo>
+                  <a:pt x="2152054" y="50490"/>
+                  <a:pt x="1928331" y="61101"/>
+                  <a:pt x="1564669" y="18288"/>
+                </a:cubicBezTo>
+                <a:cubicBezTo>
+                  <a:pt x="1201007" y="-24525"/>
+                  <a:pt x="1217828" y="-275"/>
+                  <a:pt x="1066190" y="18288"/>
+                </a:cubicBezTo>
+                <a:cubicBezTo>
+                  <a:pt x="914552" y="36851"/>
+                  <a:pt x="418290" y="-14785"/>
+                  <a:pt x="0" y="18288"/>
+                </a:cubicBezTo>
+                <a:cubicBezTo>
+                  <a:pt x="641" y="14236"/>
+                  <a:pt x="889" y="7550"/>
+                  <a:pt x="0" y="0"/>
+                </a:cubicBezTo>
+                <a:close/>
+              </a:path>
+            </a:pathLst>
+          </a:custGeom>
+          <a:solidFill>
+            <a:srgbClr val="FFFFFF">
+              <a:alpha val="75000"/>
+            </a:srgbClr>
+          </a:solidFill>
+          <a:ln w="44450" cap="rnd">
+            <a:solidFill>
+              <a:srgbClr val="FFFFFF">
+                <a:alpha val="75000"/>
+              </a:srgbClr>
+            </a:solidFill>
+            <a:round/>
+            <a:extLst>
+              <a:ext uri="{C807C97D-BFC1-408E-A445-0C87EB9F89A2}">
+                <ask:lineSketchStyleProps xmlns:ask="http://schemas.microsoft.com/office/drawing/2018/sketchyshapes" sd="2727557108">
+                  <a:prstGeom prst="rect">
+                    <a:avLst/>
+                  </a:prstGeom>
+                  <ask:type>
+                    <ask:lineSketchFreehand/>
+                  </ask:type>
+                </ask:lineSketchStyleProps>
+              </a:ext>
+            </a:extLst>
+          </a:ln>
+        </p:spPr>
+        <p:style>
+          <a:lnRef idx="2">
+            <a:schemeClr val="accent1">
+              <a:shade val="50000"/>
+            </a:schemeClr>
+          </a:lnRef>
+          <a:fillRef idx="1">
+            <a:schemeClr val="accent1"/>
+          </a:fillRef>
+          <a:effectRef idx="0">
+            <a:schemeClr val="accent1"/>
+          </a:effectRef>
+          <a:fontRef idx="minor">
+            <a:schemeClr val="lt1"/>
+          </a:fontRef>
+        </p:style>
+        <p:txBody>
+          <a:bodyPr rtlCol="0" anchor="ctr"/>
+          <a:lstStyle/>
+          <a:p>
+            <a:pPr algn="ctr"/>
+            <a:endParaRPr lang="en-US"/>
+          </a:p>
+        </p:txBody>
+      </p:sp>
+      <p:sp>
+        <p:nvSpPr>
+          <p:cNvPr id="3" name="Content Placeholder 2">
+            <a:extLst>
+              <a:ext uri="{FF2B5EF4-FFF2-40B4-BE49-F238E27FC236}">
+                <a16:creationId xmlns:a16="http://schemas.microsoft.com/office/drawing/2014/main" id="{19F67473-2569-4A59-B2DD-4950152203D2}"/>
+              </a:ext>
+            </a:extLst>
+          </p:cNvPr>
+          <p:cNvSpPr>
+            <a:spLocks noGrp="1"/>
+          </p:cNvSpPr>
+          <p:nvPr>
+            <p:ph idx="1"/>
+          </p:nvPr>
+        </p:nvSpPr>
+        <p:spPr>
+          <a:xfrm>
+            <a:off x="838200" y="2004446"/>
+            <a:ext cx="10515600" cy="4176897"/>
+          </a:xfrm>
+        </p:spPr>
+        <p:txBody>
+          <a:bodyPr>
+            <a:normAutofit/>
+          </a:bodyPr>
+          <a:lstStyle/>
+          <a:p>
+            <a:r>
+              <a:rPr lang="en-US" sz="2200">
+                <a:solidFill>
+                  <a:srgbClr val="FFFFFF"/>
+                </a:solidFill>
+              </a:rPr>
+              <a:t>Determine the optimal decision tree</a:t>
+            </a:r>
+          </a:p>
+          <a:p>
+            <a:r>
+              <a:rPr lang="en-US" sz="2200">
+                <a:solidFill>
+                  <a:srgbClr val="FFFFFF"/>
+                </a:solidFill>
+              </a:rPr>
+              <a:t>Get information on the main features a school should focus on adjusting or improving</a:t>
+            </a:r>
+          </a:p>
+          <a:p>
+            <a:r>
+              <a:rPr lang="en-US" sz="2200">
+                <a:solidFill>
+                  <a:srgbClr val="FFFFFF"/>
+                </a:solidFill>
+              </a:rPr>
+              <a:t>Test varying tree structures and compare important features determined for reach structure</a:t>
+            </a:r>
+          </a:p>
+          <a:p>
+            <a:r>
+              <a:rPr lang="en-US" sz="2200">
+                <a:solidFill>
+                  <a:srgbClr val="FFFFFF"/>
+                </a:solidFill>
+              </a:rPr>
+              <a:t>Use this to implement policy changes</a:t>
+            </a:r>
+          </a:p>
+          <a:p>
+            <a:pPr lvl="1"/>
+            <a:r>
+              <a:rPr lang="en-US" sz="2200">
+                <a:solidFill>
+                  <a:srgbClr val="FFFFFF"/>
+                </a:solidFill>
+              </a:rPr>
+              <a:t>Ex: If the number of SAT test takes is an important feature, then the school could possibly implement chances for students to take SAT prep or offer more chances for student to take the SAT on campus</a:t>
+            </a:r>
+          </a:p>
+        </p:txBody>
+      </p:sp>
+      <p:pic>
+        <p:nvPicPr>
+          <p:cNvPr id="3080" name="Picture 8" descr="A Worthy Target - Objective Icon Pink Clipart - Full Size Clipart (#596730)  - PinClipart">
+            <a:extLst>
+              <a:ext uri="{FF2B5EF4-FFF2-40B4-BE49-F238E27FC236}">
+                <a16:creationId xmlns:a16="http://schemas.microsoft.com/office/drawing/2014/main" id="{C505D347-23FF-4071-9DDF-0BECB38F539D}"/>
+              </a:ext>
+            </a:extLst>
+          </p:cNvPr>
+          <p:cNvPicPr>
+            <a:picLocks noChangeAspect="1" noChangeArrowheads="1"/>
+          </p:cNvPicPr>
+          <p:nvPr/>
+        </p:nvPicPr>
+        <p:blipFill>
+          <a:blip r:embed="rId3">
+            <a:extLst>
+              <a:ext uri="{BEBA8EAE-BF5A-486C-A8C5-ECC9F3942E4B}">
+                <a14:imgProps xmlns:a14="http://schemas.microsoft.com/office/drawing/2010/main">
+                  <a14:imgLayer r:embed="rId4">
+                    <a14:imgEffect>
+                      <a14:backgroundRemoval t="6250" b="94688" l="5313" r="94063">
+                        <a14:foregroundMark x1="48438" y1="14375" x2="48438" y2="14375"/>
+                        <a14:foregroundMark x1="68750" y1="21563" x2="68750" y2="21563"/>
+                        <a14:foregroundMark x1="94063" y1="15625" x2="94063" y2="15625"/>
+                        <a14:foregroundMark x1="82813" y1="6250" x2="82813" y2="6250"/>
+                        <a14:foregroundMark x1="39688" y1="35938" x2="39688" y2="35938"/>
+                        <a14:foregroundMark x1="5313" y1="47500" x2="5313" y2="47500"/>
+                        <a14:foregroundMark x1="86250" y1="44375" x2="86250" y2="44375"/>
+                        <a14:foregroundMark x1="57500" y1="92500" x2="57500" y2="92500"/>
+                        <a14:foregroundMark x1="47500" y1="94688" x2="47500" y2="94688"/>
+                      </a14:backgroundRemoval>
+                    </a14:imgEffect>
+                  </a14:imgLayer>
+                </a14:imgProps>
+              </a:ext>
+              <a:ext uri="{28A0092B-C50C-407E-A947-70E740481C1C}">
+                <a14:useLocalDpi xmlns:a14="http://schemas.microsoft.com/office/drawing/2010/main" val="0"/>
+              </a:ext>
+            </a:extLst>
+          </a:blip>
+          <a:srcRect/>
+          <a:stretch>
+            <a:fillRect/>
+          </a:stretch>
+        </p:blipFill>
+        <p:spPr bwMode="auto">
+          <a:xfrm>
+            <a:off x="3729353" y="437961"/>
+            <a:ext cx="1060704" cy="1060704"/>
+          </a:xfrm>
+          <a:prstGeom prst="rect">
+            <a:avLst/>
+          </a:prstGeom>
+          <a:noFill/>
+          <a:extLst>
+            <a:ext uri="{909E8E84-426E-40DD-AFC4-6F175D3DCCD1}">
+              <a14:hiddenFill xmlns:a14="http://schemas.microsoft.com/office/drawing/2010/main">
+                <a:solidFill>
+                  <a:srgbClr val="FFFFFF"/>
+                </a:solidFill>
+              </a14:hiddenFill>
+            </a:ext>
+          </a:extLst>
+        </p:spPr>
+      </p:pic>
+    </p:spTree>
+    <p:extLst>
+      <p:ext uri="{BB962C8B-B14F-4D97-AF65-F5344CB8AC3E}">
+        <p14:creationId xmlns:p14="http://schemas.microsoft.com/office/powerpoint/2010/main" val="1010859900"/>
+      </p:ext>
+    </p:extLst>
+  </p:cSld>
+  <p:clrMapOvr>
+    <a:overrideClrMapping bg1="dk1" tx1="lt1" bg2="dk2" tx2="lt2" accent1="accent1" accent2="accent2" accent3="accent3" accent4="accent4" accent5="accent5" accent6="accent6" hlink="hlink" folHlink="folHlink"/>
+  </p:clrMapOvr>
+</p:sld>
+</file>
+
+<file path=ppt/slides/slide8.xml><?xml version="1.0" encoding="utf-8"?>
+<p:sld xmlns:a="http://schemas.openxmlformats.org/drawingml/2006/main" xmlns:r="http://schemas.openxmlformats.org/officeDocument/2006/relationships" xmlns:p="http://schemas.openxmlformats.org/presentationml/2006/main">
+  <p:cSld>
+    <p:bg>
+      <p:bgPr>
+        <a:solidFill>
+          <a:schemeClr val="bg1"/>
+        </a:solidFill>
+        <a:effectLst/>
+      </p:bgPr>
+    </p:bg>
+    <p:spTree>
+      <p:nvGrpSpPr>
+        <p:cNvPr id="1" name=""/>
+        <p:cNvGrpSpPr/>
+        <p:nvPr/>
+      </p:nvGrpSpPr>
+      <p:grpSpPr>
+        <a:xfrm>
+          <a:off x="0" y="0"/>
+          <a:ext cx="0" cy="0"/>
+          <a:chOff x="0" y="0"/>
+          <a:chExt cx="0" cy="0"/>
+        </a:xfrm>
+      </p:grpSpPr>
+      <p:sp>
+        <p:nvSpPr>
+          <p:cNvPr id="73" name="Rectangle 72">
+            <a:extLst>
+              <a:ext uri="{FF2B5EF4-FFF2-40B4-BE49-F238E27FC236}">
+                <a16:creationId xmlns:a16="http://schemas.microsoft.com/office/drawing/2014/main" id="{6166C6D1-23AC-49C4-BA07-238E4E9F8CEB}"/>
+              </a:ext>
+              <a:ext uri="{C183D7F6-B498-43B3-948B-1728B52AA6E4}">
+                <adec:decorative xmlns:adec="http://schemas.microsoft.com/office/drawing/2017/decorative" val="1"/>
+              </a:ext>
+            </a:extLst>
+          </p:cNvPr>
+          <p:cNvSpPr>
+            <a:spLocks noGrp="1" noRot="1" noChangeAspect="1" noMove="1" noResize="1" noEditPoints="1" noAdjustHandles="1" noChangeArrowheads="1" noChangeShapeType="1" noTextEdit="1"/>
+          </p:cNvSpPr>
+          <p:nvPr>
+            <p:extLst>
+              <p:ext uri="{386F3935-93C4-4BCD-93E2-E3B085C9AB24}">
+                <p16:designElem xmlns:p16="http://schemas.microsoft.com/office/powerpoint/2015/main" val="1"/>
+              </p:ext>
+            </p:extLst>
+          </p:nvPr>
+        </p:nvSpPr>
+        <p:spPr>
+          <a:xfrm>
+            <a:off x="462058" y="450222"/>
+            <a:ext cx="6711020" cy="2781866"/>
+          </a:xfrm>
+          <a:prstGeom prst="rect">
+            <a:avLst/>
+          </a:prstGeom>
+          <a:solidFill>
+            <a:srgbClr val="595959"/>
+          </a:solidFill>
+          <a:ln w="25400">
+            <a:noFill/>
+          </a:ln>
+        </p:spPr>
+        <p:style>
+          <a:lnRef idx="2">
+            <a:schemeClr val="accent1">
+              <a:shade val="50000"/>
+            </a:schemeClr>
+          </a:lnRef>
+          <a:fillRef idx="1">
+            <a:schemeClr val="accent1"/>
+          </a:fillRef>
+          <a:effectRef idx="0">
+            <a:schemeClr val="accent1"/>
+          </a:effectRef>
+          <a:fontRef idx="minor">
+            <a:schemeClr val="lt1"/>
+          </a:fontRef>
+        </p:style>
+        <p:txBody>
+          <a:bodyPr rtlCol="0" anchor="ctr"/>
+          <a:lstStyle/>
+          <a:p>
+            <a:pPr algn="ctr"/>
+            <a:endParaRPr lang="en-US">
+              <a:solidFill>
+                <a:srgbClr val="FFFFFF"/>
+              </a:solidFill>
+            </a:endParaRPr>
+          </a:p>
+        </p:txBody>
+      </p:sp>
+      <p:sp>
+        <p:nvSpPr>
+          <p:cNvPr id="2" name="Title 1">
+            <a:extLst>
+              <a:ext uri="{FF2B5EF4-FFF2-40B4-BE49-F238E27FC236}">
+                <a16:creationId xmlns:a16="http://schemas.microsoft.com/office/drawing/2014/main" id="{ADD6D830-A66C-4E68-A2E8-38B11A39E630}"/>
+              </a:ext>
+            </a:extLst>
+          </p:cNvPr>
+          <p:cNvSpPr>
+            <a:spLocks noGrp="1"/>
+          </p:cNvSpPr>
+          <p:nvPr>
+            <p:ph type="title"/>
+          </p:nvPr>
+        </p:nvSpPr>
+        <p:spPr>
+          <a:xfrm>
+            <a:off x="774698" y="762000"/>
+            <a:ext cx="6108725" cy="2144162"/>
+          </a:xfrm>
+        </p:spPr>
+        <p:txBody>
+          <a:bodyPr>
+            <a:normAutofit/>
+          </a:bodyPr>
+          <a:lstStyle/>
+          <a:p>
+            <a:r>
+              <a:rPr lang="en-US">
+                <a:solidFill>
+                  <a:srgbClr val="FFFFFF"/>
+                </a:solidFill>
+              </a:rPr>
+              <a:t>Project Plans</a:t>
+            </a:r>
+          </a:p>
+        </p:txBody>
+      </p:sp>
+      <p:sp>
+        <p:nvSpPr>
+          <p:cNvPr id="75" name="Rectangle 74">
+            <a:extLst>
+              <a:ext uri="{FF2B5EF4-FFF2-40B4-BE49-F238E27FC236}">
+                <a16:creationId xmlns:a16="http://schemas.microsoft.com/office/drawing/2014/main" id="{2A8B9026-04DF-499B-A388-67FCB7435E5F}"/>
+              </a:ext>
+              <a:ext uri="{C183D7F6-B498-43B3-948B-1728B52AA6E4}">
+                <adec:decorative xmlns:adec="http://schemas.microsoft.com/office/drawing/2017/decorative" val="1"/>
+              </a:ext>
+            </a:extLst>
+          </p:cNvPr>
+          <p:cNvSpPr>
+            <a:spLocks noGrp="1" noRot="1" noChangeAspect="1" noMove="1" noResize="1" noEditPoints="1" noAdjustHandles="1" noChangeArrowheads="1" noChangeShapeType="1" noTextEdit="1"/>
+          </p:cNvSpPr>
+          <p:nvPr>
+            <p:extLst>
+              <p:ext uri="{386F3935-93C4-4BCD-93E2-E3B085C9AB24}">
+                <p16:designElem xmlns:p16="http://schemas.microsoft.com/office/powerpoint/2015/main" val="1"/>
+              </p:ext>
+            </p:extLst>
+          </p:nvPr>
+        </p:nvSpPr>
+        <p:spPr>
+          <a:xfrm>
+            <a:off x="467505" y="3395972"/>
+            <a:ext cx="1332806" cy="1417320"/>
+          </a:xfrm>
+          <a:prstGeom prst="rect">
+            <a:avLst/>
+          </a:prstGeom>
+          <a:solidFill>
+            <a:srgbClr val="A90535">
+              <a:alpha val="95000"/>
+            </a:srgbClr>
+          </a:solidFill>
+          <a:ln w="25400">
+            <a:noFill/>
+          </a:ln>
+        </p:spPr>
+        <p:style>
+          <a:lnRef idx="2">
+            <a:schemeClr val="accent1">
+              <a:shade val="50000"/>
+            </a:schemeClr>
+          </a:lnRef>
+          <a:fillRef idx="1">
+            <a:schemeClr val="accent1"/>
+          </a:fillRef>
+          <a:effectRef idx="0">
+            <a:schemeClr val="accent1"/>
+          </a:effectRef>
+          <a:fontRef idx="minor">
+            <a:schemeClr val="lt1"/>
+          </a:fontRef>
+        </p:style>
+        <p:txBody>
+          <a:bodyPr rtlCol="0" anchor="ctr"/>
+          <a:lstStyle/>
+          <a:p>
+            <a:pPr algn="ctr"/>
+            <a:endParaRPr lang="en-US">
+              <a:solidFill>
+                <a:srgbClr val="FFFFFF"/>
+              </a:solidFill>
+            </a:endParaRPr>
+          </a:p>
+        </p:txBody>
+      </p:sp>
+      <p:sp>
+        <p:nvSpPr>
+          <p:cNvPr id="77" name="Rectangle 76">
+            <a:extLst>
+              <a:ext uri="{FF2B5EF4-FFF2-40B4-BE49-F238E27FC236}">
+                <a16:creationId xmlns:a16="http://schemas.microsoft.com/office/drawing/2014/main" id="{05CC4153-3F0D-4F4C-8F12-E8FC3FA40AEE}"/>
+              </a:ext>
+              <a:ext uri="{C183D7F6-B498-43B3-948B-1728B52AA6E4}">
+                <adec:decorative xmlns:adec="http://schemas.microsoft.com/office/drawing/2017/decorative" val="1"/>
+              </a:ext>
+            </a:extLst>
+          </p:cNvPr>
+          <p:cNvSpPr>
+            <a:spLocks noGrp="1" noRot="1" noChangeAspect="1" noMove="1" noResize="1" noEditPoints="1" noAdjustHandles="1" noChangeArrowheads="1" noChangeShapeType="1" noTextEdit="1"/>
+          </p:cNvSpPr>
+          <p:nvPr>
+            <p:extLst>
+              <p:ext uri="{386F3935-93C4-4BCD-93E2-E3B085C9AB24}">
+                <p16:designElem xmlns:p16="http://schemas.microsoft.com/office/powerpoint/2015/main" val="1"/>
+              </p:ext>
+            </p:extLst>
+          </p:nvPr>
+        </p:nvSpPr>
+        <p:spPr>
+          <a:xfrm>
+            <a:off x="462054" y="4965191"/>
+            <a:ext cx="1338257" cy="1437773"/>
+          </a:xfrm>
+          <a:prstGeom prst="rect">
+            <a:avLst/>
+          </a:prstGeom>
+          <a:solidFill>
+            <a:srgbClr val="A5A5A5"/>
+          </a:solidFill>
+          <a:ln w="25400">
+            <a:noFill/>
+          </a:ln>
+        </p:spPr>
+        <p:style>
+          <a:lnRef idx="2">
+            <a:schemeClr val="accent1">
+              <a:shade val="50000"/>
+            </a:schemeClr>
+          </a:lnRef>
+          <a:fillRef idx="1">
+            <a:schemeClr val="accent1"/>
+          </a:fillRef>
+          <a:effectRef idx="0">
+            <a:schemeClr val="accent1"/>
+          </a:effectRef>
+          <a:fontRef idx="minor">
+            <a:schemeClr val="lt1"/>
+          </a:fontRef>
+        </p:style>
+        <p:txBody>
+          <a:bodyPr rtlCol="0" anchor="ctr"/>
+          <a:lstStyle/>
+          <a:p>
+            <a:pPr algn="ctr"/>
+            <a:endParaRPr lang="en-US">
+              <a:solidFill>
+                <a:srgbClr val="FFFFFF"/>
+              </a:solidFill>
+            </a:endParaRPr>
+          </a:p>
+        </p:txBody>
+      </p:sp>
+      <p:sp>
+        <p:nvSpPr>
+          <p:cNvPr id="79" name="Rectangle 78">
+            <a:extLst>
+              <a:ext uri="{FF2B5EF4-FFF2-40B4-BE49-F238E27FC236}">
+                <a16:creationId xmlns:a16="http://schemas.microsoft.com/office/drawing/2014/main" id="{1C091803-41C2-48E0-9228-5148460C7479}"/>
+              </a:ext>
+              <a:ext uri="{C183D7F6-B498-43B3-948B-1728B52AA6E4}">
+                <adec:decorative xmlns:adec="http://schemas.microsoft.com/office/drawing/2017/decorative" val="1"/>
+              </a:ext>
+            </a:extLst>
+          </p:cNvPr>
+          <p:cNvSpPr>
+            <a:spLocks noGrp="1" noRot="1" noChangeAspect="1" noMove="1" noResize="1" noEditPoints="1" noAdjustHandles="1" noChangeArrowheads="1" noChangeShapeType="1" noTextEdit="1"/>
+          </p:cNvSpPr>
+          <p:nvPr>
+            <p:extLst>
+              <p:ext uri="{386F3935-93C4-4BCD-93E2-E3B085C9AB24}">
+                <p16:designElem xmlns:p16="http://schemas.microsoft.com/office/powerpoint/2015/main" val="1"/>
+              </p:ext>
+            </p:extLst>
+          </p:nvPr>
+        </p:nvSpPr>
+        <p:spPr>
+          <a:xfrm>
+            <a:off x="1975100" y="3395974"/>
+            <a:ext cx="5193903" cy="3006991"/>
+          </a:xfrm>
+          <a:prstGeom prst="rect">
+            <a:avLst/>
+          </a:prstGeom>
+          <a:solidFill>
+            <a:schemeClr val="tx1">
+              <a:lumMod val="50000"/>
+              <a:lumOff val="50000"/>
+              <a:alpha val="20000"/>
+            </a:schemeClr>
+          </a:solidFill>
+          <a:ln>
+            <a:noFill/>
+          </a:ln>
+        </p:spPr>
+        <p:style>
+          <a:lnRef idx="2">
+            <a:schemeClr val="accent1">
+              <a:shade val="50000"/>
+            </a:schemeClr>
+          </a:lnRef>
+          <a:fillRef idx="1">
+            <a:schemeClr val="accent1"/>
+          </a:fillRef>
+          <a:effectRef idx="0">
+            <a:schemeClr val="accent1"/>
+          </a:effectRef>
+          <a:fontRef idx="minor">
+            <a:schemeClr val="lt1"/>
+          </a:fontRef>
+        </p:style>
+        <p:txBody>
+          <a:bodyPr rtlCol="0" anchor="ctr"/>
+          <a:lstStyle/>
+          <a:p>
+            <a:pPr algn="ctr"/>
+            <a:endParaRPr lang="en-US"/>
+          </a:p>
+        </p:txBody>
+      </p:sp>
+      <p:sp>
+        <p:nvSpPr>
+          <p:cNvPr id="3" name="Content Placeholder 2">
+            <a:extLst>
+              <a:ext uri="{FF2B5EF4-FFF2-40B4-BE49-F238E27FC236}">
+                <a16:creationId xmlns:a16="http://schemas.microsoft.com/office/drawing/2014/main" id="{19F67473-2569-4A59-B2DD-4950152203D2}"/>
+              </a:ext>
+            </a:extLst>
+          </p:cNvPr>
+          <p:cNvSpPr>
+            <a:spLocks noGrp="1"/>
+          </p:cNvSpPr>
+          <p:nvPr>
+            <p:ph idx="1"/>
+          </p:nvPr>
+        </p:nvSpPr>
+        <p:spPr>
+          <a:xfrm>
+            <a:off x="2286000" y="3648548"/>
+            <a:ext cx="4525347" cy="2481864"/>
+          </a:xfrm>
+        </p:spPr>
+        <p:txBody>
+          <a:bodyPr anchor="ctr">
+            <a:normAutofit/>
+          </a:bodyPr>
+          <a:lstStyle/>
+          <a:p>
+            <a:r>
+              <a:rPr lang="en-US" sz="1800"/>
+              <a:t>Define a set of tree structures for testing</a:t>
+            </a:r>
+          </a:p>
+          <a:p>
+            <a:r>
+              <a:rPr lang="en-US" sz="1800"/>
+              <a:t>Test varying sets of features on said tree structures</a:t>
+            </a:r>
+          </a:p>
+          <a:p>
+            <a:r>
+              <a:rPr lang="en-US" sz="1800"/>
+              <a:t>Determine list of adjustable features and recommend policy changes which effect said features</a:t>
+            </a:r>
+          </a:p>
+        </p:txBody>
+      </p:sp>
+      <p:pic>
+        <p:nvPicPr>
+          <p:cNvPr id="6148" name="Picture 4" descr="Stanford Cardinal Alternate Logo (1993-2013) - Pine tree with red outline | Pine  tree drawing, Oak tree drawings, Family tree painting">
+            <a:extLst>
+              <a:ext uri="{FF2B5EF4-FFF2-40B4-BE49-F238E27FC236}">
+                <a16:creationId xmlns:a16="http://schemas.microsoft.com/office/drawing/2014/main" id="{C2275E79-5E4A-460F-824F-2C34C2CB441C}"/>
+              </a:ext>
+            </a:extLst>
+          </p:cNvPr>
+          <p:cNvPicPr>
+            <a:picLocks noChangeAspect="1" noChangeArrowheads="1"/>
+          </p:cNvPicPr>
+          <p:nvPr/>
+        </p:nvPicPr>
+        <p:blipFill rotWithShape="1">
+          <a:blip r:embed="rId2">
+            <a:duotone>
+              <a:schemeClr val="accent6">
+                <a:shade val="45000"/>
+                <a:satMod val="135000"/>
+              </a:schemeClr>
+              <a:prstClr val="white"/>
+            </a:duotone>
+            <a:extLst>
+              <a:ext uri="{BEBA8EAE-BF5A-486C-A8C5-ECC9F3942E4B}">
+                <a14:imgProps xmlns:a14="http://schemas.microsoft.com/office/drawing/2010/main">
+                  <a14:imgLayer r:embed="rId3">
+                    <a14:imgEffect>
+                      <a14:backgroundRemoval t="2385" b="96502" l="5039" r="94574">
+                        <a14:foregroundMark x1="52713" y1="6995" x2="52713" y2="6995"/>
+                        <a14:foregroundMark x1="50775" y1="2385" x2="50775" y2="2385"/>
+                        <a14:foregroundMark x1="5426" y1="75835" x2="5426" y2="75835"/>
+                        <a14:foregroundMark x1="94961" y1="73768" x2="94961" y2="73768"/>
+                        <a14:foregroundMark x1="46124" y1="96502" x2="46124" y2="96502"/>
+                      </a14:backgroundRemoval>
+                    </a14:imgEffect>
+                  </a14:imgLayer>
+                </a14:imgProps>
+              </a:ext>
+              <a:ext uri="{28A0092B-C50C-407E-A947-70E740481C1C}">
+                <a14:useLocalDpi xmlns:a14="http://schemas.microsoft.com/office/drawing/2010/main" val="0"/>
+              </a:ext>
+            </a:extLst>
+          </a:blip>
+          <a:srcRect t="21296" r="1" b="22851"/>
+          <a:stretch/>
+        </p:blipFill>
+        <p:spPr bwMode="auto">
+          <a:xfrm>
+            <a:off x="7339089" y="450221"/>
+            <a:ext cx="4371502" cy="5952744"/>
+          </a:xfrm>
+          <a:prstGeom prst="rect">
+            <a:avLst/>
+          </a:prstGeom>
+          <a:noFill/>
+          <a:extLst>
+            <a:ext uri="{909E8E84-426E-40DD-AFC4-6F175D3DCCD1}">
+              <a14:hiddenFill xmlns:a14="http://schemas.microsoft.com/office/drawing/2010/main">
+                <a:solidFill>
+                  <a:srgbClr val="FFFFFF"/>
+                </a:solidFill>
+              </a14:hiddenFill>
+            </a:ext>
+          </a:extLst>
+        </p:spPr>
+      </p:pic>
+      <p:pic>
+        <p:nvPicPr>
+          <p:cNvPr id="10" name="Picture 2" descr="Business Background clipart - Communication, transparent clip art">
+            <a:extLst>
+              <a:ext uri="{FF2B5EF4-FFF2-40B4-BE49-F238E27FC236}">
+                <a16:creationId xmlns:a16="http://schemas.microsoft.com/office/drawing/2014/main" id="{BC574B2F-2D46-4289-A5A9-9D99291FA406}"/>
+              </a:ext>
+            </a:extLst>
+          </p:cNvPr>
+          <p:cNvPicPr>
+            <a:picLocks noChangeAspect="1" noChangeArrowheads="1"/>
+          </p:cNvPicPr>
+          <p:nvPr/>
+        </p:nvPicPr>
+        <p:blipFill>
+          <a:blip r:embed="rId4">
+            <a:duotone>
+              <a:schemeClr val="accent4">
+                <a:shade val="45000"/>
+                <a:satMod val="135000"/>
+              </a:schemeClr>
+              <a:prstClr val="white"/>
+            </a:duotone>
+            <a:extLst>
+              <a:ext uri="{BEBA8EAE-BF5A-486C-A8C5-ECC9F3942E4B}">
+                <a14:imgProps xmlns:a14="http://schemas.microsoft.com/office/drawing/2010/main">
+                  <a14:imgLayer r:embed="rId5">
+                    <a14:imgEffect>
+                      <a14:backgroundRemoval t="1719" b="96250" l="2889" r="95889">
+                        <a14:foregroundMark x1="21556" y1="25938" x2="21556" y2="25938"/>
+                        <a14:foregroundMark x1="21111" y1="23906" x2="19889" y2="25469"/>
+                        <a14:foregroundMark x1="26889" y1="29063" x2="25222" y2="27656"/>
+                        <a14:foregroundMark x1="17000" y1="27187" x2="14778" y2="27969"/>
+                        <a14:foregroundMark x1="13444" y1="32344" x2="11667" y2="36250"/>
+                        <a14:foregroundMark x1="13222" y1="40313" x2="13889" y2="44219"/>
+                        <a14:foregroundMark x1="20778" y1="48281" x2="19444" y2="49063"/>
+                        <a14:foregroundMark x1="20889" y1="52344" x2="22000" y2="57031"/>
+                        <a14:foregroundMark x1="25556" y1="59844" x2="27556" y2="61875"/>
+                        <a14:foregroundMark x1="32778" y1="58125" x2="34222" y2="57969"/>
+                        <a14:foregroundMark x1="34222" y1="57969" x2="34222" y2="57969"/>
+                        <a14:foregroundMark x1="36444" y1="50156" x2="37333" y2="50000"/>
+                        <a14:foregroundMark x1="34778" y1="43750" x2="34444" y2="41250"/>
+                        <a14:foregroundMark x1="28556" y1="36875" x2="29889" y2="39063"/>
+                        <a14:foregroundMark x1="3889" y1="21563" x2="4000" y2="28125"/>
+                        <a14:foregroundMark x1="4333" y1="33438" x2="4222" y2="39844"/>
+                        <a14:foregroundMark x1="4778" y1="46719" x2="2889" y2="59531"/>
+                        <a14:foregroundMark x1="4111" y1="62344" x2="5778" y2="70000"/>
+                        <a14:foregroundMark x1="5778" y1="70000" x2="8111" y2="71406"/>
+                        <a14:foregroundMark x1="14889" y1="71875" x2="20556" y2="72500"/>
+                        <a14:foregroundMark x1="20556" y1="72500" x2="23444" y2="71875"/>
+                        <a14:foregroundMark x1="28111" y1="72188" x2="34667" y2="72500"/>
+                        <a14:foregroundMark x1="34667" y1="72500" x2="37889" y2="72500"/>
+                        <a14:foregroundMark x1="44667" y1="71875" x2="50556" y2="71406"/>
+                        <a14:foregroundMark x1="50556" y1="71406" x2="54889" y2="71563"/>
+                        <a14:foregroundMark x1="61000" y1="71719" x2="66778" y2="70938"/>
+                        <a14:foregroundMark x1="66778" y1="70938" x2="68000" y2="69219"/>
+                        <a14:foregroundMark x1="70111" y1="51563" x2="71333" y2="59062"/>
+                        <a14:foregroundMark x1="52667" y1="56719" x2="57333" y2="57656"/>
+                        <a14:foregroundMark x1="50000" y1="41406" x2="56222" y2="42344"/>
+                        <a14:foregroundMark x1="49778" y1="25938" x2="58556" y2="26406"/>
+                        <a14:foregroundMark x1="58000" y1="41875" x2="61000" y2="41719"/>
+                        <a14:foregroundMark x1="48000" y1="57500" x2="50556" y2="57813"/>
+                        <a14:foregroundMark x1="5778" y1="7031" x2="41333" y2="10625"/>
+                        <a14:foregroundMark x1="41333" y1="10625" x2="61667" y2="8750"/>
+                        <a14:foregroundMark x1="61667" y1="8750" x2="63889" y2="8750"/>
+                        <a14:foregroundMark x1="69889" y1="9063" x2="59444" y2="8438"/>
+                        <a14:foregroundMark x1="37222" y1="1719" x2="35889" y2="5000"/>
+                        <a14:foregroundMark x1="69778" y1="18750" x2="70778" y2="26250"/>
+                        <a14:foregroundMark x1="67556" y1="35469" x2="73111" y2="41094"/>
+                        <a14:foregroundMark x1="76222" y1="42969" x2="81333" y2="38906"/>
+                        <a14:foregroundMark x1="81333" y1="38906" x2="82889" y2="36406"/>
+                        <a14:foregroundMark x1="86000" y1="40781" x2="89889" y2="71719"/>
+                        <a14:foregroundMark x1="95889" y1="43281" x2="89222" y2="69531"/>
+                        <a14:foregroundMark x1="89222" y1="69531" x2="87778" y2="84375"/>
+                        <a14:foregroundMark x1="93889" y1="95625" x2="91889" y2="95313"/>
+                        <a14:foregroundMark x1="87889" y1="96250" x2="86444" y2="95938"/>
+                        <a14:foregroundMark x1="90778" y1="21094" x2="90111" y2="26094"/>
+                        <a14:foregroundMark x1="90000" y1="35000" x2="89889" y2="37656"/>
+                      </a14:backgroundRemoval>
+                    </a14:imgEffect>
+                  </a14:imgLayer>
+                </a14:imgProps>
+              </a:ext>
+              <a:ext uri="{28A0092B-C50C-407E-A947-70E740481C1C}">
+                <a14:useLocalDpi xmlns:a14="http://schemas.microsoft.com/office/drawing/2010/main" val="0"/>
+              </a:ext>
+            </a:extLst>
+          </a:blip>
+          <a:srcRect/>
+          <a:stretch>
+            <a:fillRect/>
+          </a:stretch>
+        </p:blipFill>
+        <p:spPr bwMode="auto">
+          <a:xfrm flipH="1">
+            <a:off x="4038599" y="1478436"/>
+            <a:ext cx="1020147" cy="725438"/>
+          </a:xfrm>
+          <a:prstGeom prst="rect">
+            <a:avLst/>
+          </a:prstGeom>
+          <a:noFill/>
+          <a:extLst>
+            <a:ext uri="{909E8E84-426E-40DD-AFC4-6F175D3DCCD1}">
+              <a14:hiddenFill xmlns:a14="http://schemas.microsoft.com/office/drawing/2010/main">
+                <a:solidFill>
+                  <a:srgbClr val="FFFFFF"/>
+                </a:solidFill>
+              </a14:hiddenFill>
+            </a:ext>
+          </a:extLst>
+        </p:spPr>
+      </p:pic>
+      <p:sp>
+        <p:nvSpPr>
+          <p:cNvPr id="4" name="Rectangle 3">
+            <a:extLst>
+              <a:ext uri="{FF2B5EF4-FFF2-40B4-BE49-F238E27FC236}">
+                <a16:creationId xmlns:a16="http://schemas.microsoft.com/office/drawing/2014/main" id="{6A89293F-2063-4D48-BC79-0294436827C6}"/>
+              </a:ext>
+            </a:extLst>
+          </p:cNvPr>
+          <p:cNvSpPr/>
+          <p:nvPr/>
+        </p:nvSpPr>
+        <p:spPr>
+          <a:xfrm>
+            <a:off x="462054" y="3395972"/>
+            <a:ext cx="1338257" cy="1417320"/>
+          </a:xfrm>
+          <a:prstGeom prst="rect">
+            <a:avLst/>
+          </a:prstGeom>
+        </p:spPr>
+        <p:style>
+          <a:lnRef idx="2">
+            <a:schemeClr val="accent4">
+              <a:shade val="50000"/>
+            </a:schemeClr>
+          </a:lnRef>
+          <a:fillRef idx="1">
+            <a:schemeClr val="accent4"/>
+          </a:fillRef>
+          <a:effectRef idx="0">
+            <a:schemeClr val="accent4"/>
+          </a:effectRef>
+          <a:fontRef idx="minor">
+            <a:schemeClr val="lt1"/>
+          </a:fontRef>
+        </p:style>
+        <p:txBody>
+          <a:bodyPr rtlCol="0" anchor="ctr"/>
+          <a:lstStyle/>
+          <a:p>
+            <a:pPr algn="ctr"/>
+            <a:endParaRPr lang="en-US"/>
+          </a:p>
+        </p:txBody>
+      </p:sp>
+    </p:spTree>
+    <p:extLst>
+      <p:ext uri="{BB962C8B-B14F-4D97-AF65-F5344CB8AC3E}">
+        <p14:creationId xmlns:p14="http://schemas.microsoft.com/office/powerpoint/2010/main" val="1215659637"/>
+      </p:ext>
+    </p:extLst>
+  </p:cSld>
+  <p:clrMapOvr>
+    <a:masterClrMapping/>
+  </p:clrMapOvr>
+</p:sld>
+</file>
+
+<file path=ppt/slides/slide9.xml><?xml version="1.0" encoding="utf-8"?>
 <p:sld xmlns:a="http://schemas.openxmlformats.org/drawingml/2006/main" xmlns:r="http://schemas.openxmlformats.org/officeDocument/2006/relationships" xmlns:p="http://schemas.openxmlformats.org/presentationml/2006/main">
   <p:cSld>
     <p:spTree>
@@ -3966,104 +8792,6 @@
           <a:bodyPr/>
           <a:lstStyle/>
           <a:p>
-            <a:r>
-              <a:rPr lang="en-US" dirty="0"/>
-              <a:t>Project Plans</a:t>
-            </a:r>
-          </a:p>
-        </p:txBody>
-      </p:sp>
-      <p:sp>
-        <p:nvSpPr>
-          <p:cNvPr id="3" name="Content Placeholder 2">
-            <a:extLst>
-              <a:ext uri="{FF2B5EF4-FFF2-40B4-BE49-F238E27FC236}">
-                <a16:creationId xmlns:a16="http://schemas.microsoft.com/office/drawing/2014/main" id="{19F67473-2569-4A59-B2DD-4950152203D2}"/>
-              </a:ext>
-            </a:extLst>
-          </p:cNvPr>
-          <p:cNvSpPr>
-            <a:spLocks noGrp="1"/>
-          </p:cNvSpPr>
-          <p:nvPr>
-            <p:ph idx="1"/>
-          </p:nvPr>
-        </p:nvSpPr>
-        <p:spPr/>
-        <p:txBody>
-          <a:bodyPr/>
-          <a:lstStyle/>
-          <a:p>
-            <a:r>
-              <a:rPr lang="en-US" dirty="0"/>
-              <a:t>Define a set of tree structures for testing</a:t>
-            </a:r>
-          </a:p>
-          <a:p>
-            <a:r>
-              <a:rPr lang="en-US" dirty="0"/>
-              <a:t>Test varying sets of features on said tree structures</a:t>
-            </a:r>
-          </a:p>
-          <a:p>
-            <a:r>
-              <a:rPr lang="en-US" dirty="0"/>
-              <a:t>Determine list of adjustable features and recommend policy changes which effect said features</a:t>
-            </a:r>
-          </a:p>
-        </p:txBody>
-      </p:sp>
-    </p:spTree>
-    <p:extLst>
-      <p:ext uri="{BB962C8B-B14F-4D97-AF65-F5344CB8AC3E}">
-        <p14:creationId xmlns:p14="http://schemas.microsoft.com/office/powerpoint/2010/main" val="1215659637"/>
-      </p:ext>
-    </p:extLst>
-  </p:cSld>
-  <p:clrMapOvr>
-    <a:masterClrMapping/>
-  </p:clrMapOvr>
-</p:sld>
-</file>
-
-<file path=ppt/slides/slide8.xml><?xml version="1.0" encoding="utf-8"?>
-<p:sld xmlns:a="http://schemas.openxmlformats.org/drawingml/2006/main" xmlns:r="http://schemas.openxmlformats.org/officeDocument/2006/relationships" xmlns:p="http://schemas.openxmlformats.org/presentationml/2006/main">
-  <p:cSld>
-    <p:spTree>
-      <p:nvGrpSpPr>
-        <p:cNvPr id="1" name=""/>
-        <p:cNvGrpSpPr/>
-        <p:nvPr/>
-      </p:nvGrpSpPr>
-      <p:grpSpPr>
-        <a:xfrm>
-          <a:off x="0" y="0"/>
-          <a:ext cx="0" cy="0"/>
-          <a:chOff x="0" y="0"/>
-          <a:chExt cx="0" cy="0"/>
-        </a:xfrm>
-      </p:grpSpPr>
-      <p:sp>
-        <p:nvSpPr>
-          <p:cNvPr id="2" name="Title 1">
-            <a:extLst>
-              <a:ext uri="{FF2B5EF4-FFF2-40B4-BE49-F238E27FC236}">
-                <a16:creationId xmlns:a16="http://schemas.microsoft.com/office/drawing/2014/main" id="{ADD6D830-A66C-4E68-A2E8-38B11A39E630}"/>
-              </a:ext>
-            </a:extLst>
-          </p:cNvPr>
-          <p:cNvSpPr>
-            <a:spLocks noGrp="1"/>
-          </p:cNvSpPr>
-          <p:nvPr>
-            <p:ph type="title"/>
-          </p:nvPr>
-        </p:nvSpPr>
-        <p:spPr/>
-        <p:txBody>
-          <a:bodyPr/>
-          <a:lstStyle/>
-          <a:p>
             <a:pPr algn="ctr"/>
             <a:r>
               <a:rPr lang="en-US" dirty="0"/>
@@ -4072,42 +8800,41 @@
           </a:p>
         </p:txBody>
       </p:sp>
-      <p:sp>
-        <p:nvSpPr>
-          <p:cNvPr id="3" name="Content Placeholder 2">
-            <a:extLst>
-              <a:ext uri="{FF2B5EF4-FFF2-40B4-BE49-F238E27FC236}">
-                <a16:creationId xmlns:a16="http://schemas.microsoft.com/office/drawing/2014/main" id="{19F67473-2569-4A59-B2DD-4950152203D2}"/>
-              </a:ext>
-            </a:extLst>
-          </p:cNvPr>
-          <p:cNvSpPr>
-            <a:spLocks noGrp="1"/>
-          </p:cNvSpPr>
+      <p:pic>
+        <p:nvPicPr>
+          <p:cNvPr id="5" name="Content Placeholder 4" descr="Whiteboard&#10;&#10;Description automatically generated with medium confidence">
+            <a:extLst>
+              <a:ext uri="{FF2B5EF4-FFF2-40B4-BE49-F238E27FC236}">
+                <a16:creationId xmlns:a16="http://schemas.microsoft.com/office/drawing/2014/main" id="{88F4A980-3339-4863-A71C-A9903A1AA3AB}"/>
+              </a:ext>
+            </a:extLst>
+          </p:cNvPr>
+          <p:cNvPicPr>
+            <a:picLocks noGrp="1" noChangeAspect="1"/>
+          </p:cNvPicPr>
           <p:nvPr>
             <p:ph idx="1"/>
           </p:nvPr>
-        </p:nvSpPr>
-        <p:spPr/>
-        <p:txBody>
-          <a:bodyPr/>
-          <a:lstStyle/>
-          <a:p>
-            <a:r>
-              <a:rPr lang="en-US" dirty="0"/>
-              <a:t>*insert </a:t>
-            </a:r>
-            <a:r>
-              <a:rPr lang="en-US" dirty="0" err="1"/>
-              <a:t>bitmojis</a:t>
-            </a:r>
-            <a:r>
-              <a:rPr lang="en-US" dirty="0"/>
-              <a:t> later*</a:t>
-            </a:r>
-          </a:p>
-        </p:txBody>
-      </p:sp>
+        </p:nvPicPr>
+        <p:blipFill>
+          <a:blip r:embed="rId2">
+            <a:extLst>
+              <a:ext uri="{28A0092B-C50C-407E-A947-70E740481C1C}">
+                <a14:useLocalDpi xmlns:a14="http://schemas.microsoft.com/office/drawing/2010/main" val="0"/>
+              </a:ext>
+            </a:extLst>
+          </a:blip>
+          <a:stretch>
+            <a:fillRect/>
+          </a:stretch>
+        </p:blipFill>
+        <p:spPr>
+          <a:xfrm>
+            <a:off x="3920331" y="2265892"/>
+            <a:ext cx="4351338" cy="4351338"/>
+          </a:xfrm>
+        </p:spPr>
+      </p:pic>
     </p:spTree>
     <p:extLst>
       <p:ext uri="{BB962C8B-B14F-4D97-AF65-F5344CB8AC3E}">

--- a/Trees Get Degrees.pptx
+++ b/Trees Get Degrees.pptx
@@ -9,11 +9,12 @@
     <p:sldId id="259" r:id="rId3"/>
     <p:sldId id="260" r:id="rId4"/>
     <p:sldId id="266" r:id="rId5"/>
-    <p:sldId id="262" r:id="rId6"/>
-    <p:sldId id="265" r:id="rId7"/>
-    <p:sldId id="261" r:id="rId8"/>
-    <p:sldId id="263" r:id="rId9"/>
-    <p:sldId id="264" r:id="rId10"/>
+    <p:sldId id="267" r:id="rId6"/>
+    <p:sldId id="262" r:id="rId7"/>
+    <p:sldId id="265" r:id="rId8"/>
+    <p:sldId id="261" r:id="rId9"/>
+    <p:sldId id="263" r:id="rId10"/>
+    <p:sldId id="264" r:id="rId11"/>
   </p:sldIdLst>
   <p:sldSz cx="12192000" cy="6858000"/>
   <p:notesSz cx="6858000" cy="9144000"/>
@@ -4413,6 +4414,100 @@
 </p:sld>
 </file>
 
+<file path=ppt/slides/slide10.xml><?xml version="1.0" encoding="utf-8"?>
+<p:sld xmlns:a="http://schemas.openxmlformats.org/drawingml/2006/main" xmlns:r="http://schemas.openxmlformats.org/officeDocument/2006/relationships" xmlns:p="http://schemas.openxmlformats.org/presentationml/2006/main">
+  <p:cSld>
+    <p:spTree>
+      <p:nvGrpSpPr>
+        <p:cNvPr id="1" name=""/>
+        <p:cNvGrpSpPr/>
+        <p:nvPr/>
+      </p:nvGrpSpPr>
+      <p:grpSpPr>
+        <a:xfrm>
+          <a:off x="0" y="0"/>
+          <a:ext cx="0" cy="0"/>
+          <a:chOff x="0" y="0"/>
+          <a:chExt cx="0" cy="0"/>
+        </a:xfrm>
+      </p:grpSpPr>
+      <p:sp>
+        <p:nvSpPr>
+          <p:cNvPr id="2" name="Title 1">
+            <a:extLst>
+              <a:ext uri="{FF2B5EF4-FFF2-40B4-BE49-F238E27FC236}">
+                <a16:creationId xmlns:a16="http://schemas.microsoft.com/office/drawing/2014/main" id="{ADD6D830-A66C-4E68-A2E8-38B11A39E630}"/>
+              </a:ext>
+            </a:extLst>
+          </p:cNvPr>
+          <p:cNvSpPr>
+            <a:spLocks noGrp="1"/>
+          </p:cNvSpPr>
+          <p:nvPr>
+            <p:ph type="title"/>
+          </p:nvPr>
+        </p:nvSpPr>
+        <p:spPr/>
+        <p:txBody>
+          <a:bodyPr/>
+          <a:lstStyle/>
+          <a:p>
+            <a:pPr algn="ctr"/>
+            <a:r>
+              <a:rPr lang="en-US" dirty="0"/>
+              <a:t>Questions, comments, concerns?</a:t>
+            </a:r>
+          </a:p>
+        </p:txBody>
+      </p:sp>
+      <p:pic>
+        <p:nvPicPr>
+          <p:cNvPr id="5" name="Content Placeholder 4" descr="Whiteboard&#10;&#10;Description automatically generated with medium confidence">
+            <a:extLst>
+              <a:ext uri="{FF2B5EF4-FFF2-40B4-BE49-F238E27FC236}">
+                <a16:creationId xmlns:a16="http://schemas.microsoft.com/office/drawing/2014/main" id="{88F4A980-3339-4863-A71C-A9903A1AA3AB}"/>
+              </a:ext>
+            </a:extLst>
+          </p:cNvPr>
+          <p:cNvPicPr>
+            <a:picLocks noGrp="1" noChangeAspect="1"/>
+          </p:cNvPicPr>
+          <p:nvPr>
+            <p:ph idx="1"/>
+          </p:nvPr>
+        </p:nvPicPr>
+        <p:blipFill>
+          <a:blip r:embed="rId2">
+            <a:extLst>
+              <a:ext uri="{28A0092B-C50C-407E-A947-70E740481C1C}">
+                <a14:useLocalDpi xmlns:a14="http://schemas.microsoft.com/office/drawing/2010/main" val="0"/>
+              </a:ext>
+            </a:extLst>
+          </a:blip>
+          <a:stretch>
+            <a:fillRect/>
+          </a:stretch>
+        </p:blipFill>
+        <p:spPr>
+          <a:xfrm>
+            <a:off x="3920331" y="2265892"/>
+            <a:ext cx="4351338" cy="4351338"/>
+          </a:xfrm>
+        </p:spPr>
+      </p:pic>
+    </p:spTree>
+    <p:extLst>
+      <p:ext uri="{BB962C8B-B14F-4D97-AF65-F5344CB8AC3E}">
+        <p14:creationId xmlns:p14="http://schemas.microsoft.com/office/powerpoint/2010/main" val="677029886"/>
+      </p:ext>
+    </p:extLst>
+  </p:cSld>
+  <p:clrMapOvr>
+    <a:masterClrMapping/>
+  </p:clrMapOvr>
+</p:sld>
+</file>
+
 <file path=ppt/slides/slide2.xml><?xml version="1.0" encoding="utf-8"?>
 <p:sld xmlns:a="http://schemas.openxmlformats.org/drawingml/2006/main" xmlns:r="http://schemas.openxmlformats.org/officeDocument/2006/relationships" xmlns:p="http://schemas.openxmlformats.org/presentationml/2006/main">
   <p:cSld>
@@ -4869,24 +4964,24 @@
         </p:spPr>
         <p:txBody>
           <a:bodyPr>
-            <a:normAutofit/>
+            <a:noAutofit/>
           </a:bodyPr>
           <a:lstStyle/>
           <a:p>
             <a:r>
-              <a:rPr lang="en-US" sz="2000"/>
+              <a:rPr lang="en-US" dirty="0"/>
               <a:t>Tailored to specific school communities</a:t>
             </a:r>
           </a:p>
           <a:p>
             <a:r>
-              <a:rPr lang="en-US" sz="2000"/>
+              <a:rPr lang="en-US" dirty="0"/>
               <a:t>Better informing schools on how to prepare students to get into college</a:t>
             </a:r>
           </a:p>
           <a:p>
             <a:r>
-              <a:rPr lang="en-US" sz="2000"/>
+              <a:rPr lang="en-US" dirty="0"/>
               <a:t>Interpretable and practical decision tree results</a:t>
             </a:r>
           </a:p>
@@ -4991,7 +5086,7 @@
         </p:nvSpPr>
         <p:spPr>
           <a:xfrm>
-            <a:off x="3986206" y="387701"/>
+            <a:off x="3592802" y="149770"/>
             <a:ext cx="6172200" cy="1828800"/>
           </a:xfrm>
         </p:spPr>
@@ -5026,52 +5121,52 @@
         </p:nvSpPr>
         <p:spPr>
           <a:xfrm>
-            <a:off x="3986206" y="2216501"/>
-            <a:ext cx="6172200" cy="3858768"/>
+            <a:off x="3377609" y="1638328"/>
+            <a:ext cx="8814391" cy="3858768"/>
           </a:xfrm>
         </p:spPr>
         <p:txBody>
           <a:bodyPr>
-            <a:normAutofit/>
+            <a:noAutofit/>
           </a:bodyPr>
           <a:lstStyle/>
           <a:p>
             <a:r>
-              <a:rPr lang="en-US" sz="2000" dirty="0"/>
+              <a:rPr lang="en-US" dirty="0"/>
               <a:t>2017 Public School Data from Massachusetts</a:t>
             </a:r>
           </a:p>
           <a:p>
             <a:pPr lvl="1"/>
             <a:r>
-              <a:rPr lang="en-US" sz="2000" dirty="0"/>
+              <a:rPr lang="en-US" sz="2800" dirty="0"/>
               <a:t>Remove schools that do not cater to any high school students</a:t>
             </a:r>
           </a:p>
           <a:p>
             <a:pPr lvl="1"/>
             <a:r>
-              <a:rPr lang="en-US" sz="2000" dirty="0"/>
+              <a:rPr lang="en-US" sz="2800" dirty="0"/>
               <a:t>Remove features that are not standard among most if not all schools in the country</a:t>
             </a:r>
           </a:p>
           <a:p>
             <a:pPr lvl="1"/>
             <a:r>
-              <a:rPr lang="en-US" sz="2000" dirty="0"/>
+              <a:rPr lang="en-US" sz="2800" dirty="0"/>
               <a:t>Convert data to binary variables for LP</a:t>
             </a:r>
           </a:p>
           <a:p>
             <a:r>
-              <a:rPr lang="en-US" sz="2000" dirty="0"/>
+              <a:rPr lang="en-US" dirty="0"/>
               <a:t>Average Percentage of Students that Attended College after high school in Massachusetts </a:t>
             </a:r>
           </a:p>
           <a:p>
             <a:pPr lvl="1"/>
             <a:r>
-              <a:rPr lang="en-US" sz="2000" dirty="0"/>
+              <a:rPr lang="en-US" sz="2800" dirty="0"/>
               <a:t>Used in determining is a school is “successful” in that they send a higher percentage of students to college after high school than the state as a whole</a:t>
             </a:r>
           </a:p>
@@ -5222,7 +5317,7 @@
         </p:blipFill>
         <p:spPr>
           <a:xfrm>
-            <a:off x="6275189" y="782731"/>
+            <a:off x="5777091" y="361964"/>
             <a:ext cx="1015799" cy="1064170"/>
           </a:xfrm>
           <a:prstGeom prst="rect">
@@ -6576,6 +6671,538 @@
     <p:bg>
       <p:bgPr>
         <a:solidFill>
+          <a:schemeClr val="bg1"/>
+        </a:solidFill>
+        <a:effectLst/>
+      </p:bgPr>
+    </p:bg>
+    <p:spTree>
+      <p:nvGrpSpPr>
+        <p:cNvPr id="1" name=""/>
+        <p:cNvGrpSpPr/>
+        <p:nvPr/>
+      </p:nvGrpSpPr>
+      <p:grpSpPr>
+        <a:xfrm>
+          <a:off x="0" y="0"/>
+          <a:ext cx="0" cy="0"/>
+          <a:chOff x="0" y="0"/>
+          <a:chExt cx="0" cy="0"/>
+        </a:xfrm>
+      </p:grpSpPr>
+      <p:sp useBgFill="1">
+        <p:nvSpPr>
+          <p:cNvPr id="73" name="Rectangle 72">
+            <a:extLst>
+              <a:ext uri="{FF2B5EF4-FFF2-40B4-BE49-F238E27FC236}">
+                <a16:creationId xmlns:a16="http://schemas.microsoft.com/office/drawing/2014/main" id="{9AA72BD9-2C5A-4EDC-931F-5AA08EACA0F3}"/>
+              </a:ext>
+              <a:ext uri="{C183D7F6-B498-43B3-948B-1728B52AA6E4}">
+                <adec:decorative xmlns:adec="http://schemas.microsoft.com/office/drawing/2017/decorative" val="1"/>
+              </a:ext>
+            </a:extLst>
+          </p:cNvPr>
+          <p:cNvSpPr>
+            <a:spLocks noGrp="1" noRot="1" noChangeAspect="1" noMove="1" noResize="1" noEditPoints="1" noAdjustHandles="1" noChangeArrowheads="1" noChangeShapeType="1" noTextEdit="1"/>
+          </p:cNvSpPr>
+          <p:nvPr>
+            <p:extLst>
+              <p:ext uri="{386F3935-93C4-4BCD-93E2-E3B085C9AB24}">
+                <p16:designElem xmlns:p16="http://schemas.microsoft.com/office/powerpoint/2015/main" val="1"/>
+              </p:ext>
+            </p:extLst>
+          </p:nvPr>
+        </p:nvSpPr>
+        <p:spPr>
+          <a:xfrm>
+            <a:off x="0" y="0"/>
+            <a:ext cx="12192000" cy="6858000"/>
+          </a:xfrm>
+          <a:prstGeom prst="rect">
+            <a:avLst/>
+          </a:prstGeom>
+          <a:ln>
+            <a:noFill/>
+          </a:ln>
+        </p:spPr>
+        <p:style>
+          <a:lnRef idx="2">
+            <a:schemeClr val="accent1">
+              <a:shade val="50000"/>
+            </a:schemeClr>
+          </a:lnRef>
+          <a:fillRef idx="1">
+            <a:schemeClr val="accent1"/>
+          </a:fillRef>
+          <a:effectRef idx="0">
+            <a:schemeClr val="accent1"/>
+          </a:effectRef>
+          <a:fontRef idx="minor">
+            <a:schemeClr val="lt1"/>
+          </a:fontRef>
+        </p:style>
+        <p:txBody>
+          <a:bodyPr rtlCol="0" anchor="ctr"/>
+          <a:lstStyle/>
+          <a:p>
+            <a:pPr algn="ctr"/>
+            <a:endParaRPr lang="en-US"/>
+          </a:p>
+        </p:txBody>
+      </p:sp>
+      <p:pic>
+        <p:nvPicPr>
+          <p:cNvPr id="7172" name="Picture 4" descr="1,160 Circuit Board Tree Illustrations &amp; Clip Art - iStock">
+            <a:extLst>
+              <a:ext uri="{FF2B5EF4-FFF2-40B4-BE49-F238E27FC236}">
+                <a16:creationId xmlns:a16="http://schemas.microsoft.com/office/drawing/2014/main" id="{2D229414-B970-4297-9303-E76BACC9CA41}"/>
+              </a:ext>
+            </a:extLst>
+          </p:cNvPr>
+          <p:cNvPicPr>
+            <a:picLocks noChangeAspect="1" noChangeArrowheads="1"/>
+          </p:cNvPicPr>
+          <p:nvPr/>
+        </p:nvPicPr>
+        <p:blipFill rotWithShape="1">
+          <a:blip r:embed="rId2">
+            <a:extLst>
+              <a:ext uri="{28A0092B-C50C-407E-A947-70E740481C1C}">
+                <a14:useLocalDpi xmlns:a14="http://schemas.microsoft.com/office/drawing/2010/main" val="0"/>
+              </a:ext>
+            </a:extLst>
+          </a:blip>
+          <a:srcRect l="16899" t="9091" r="11187" b="-1"/>
+          <a:stretch/>
+        </p:blipFill>
+        <p:spPr bwMode="auto">
+          <a:xfrm rot="5400000">
+            <a:off x="4291265" y="-1289590"/>
+            <a:ext cx="8054624" cy="10182243"/>
+          </a:xfrm>
+          <a:prstGeom prst="rect">
+            <a:avLst/>
+          </a:prstGeom>
+          <a:noFill/>
+          <a:extLst>
+            <a:ext uri="{909E8E84-426E-40DD-AFC4-6F175D3DCCD1}">
+              <a14:hiddenFill xmlns:a14="http://schemas.microsoft.com/office/drawing/2010/main">
+                <a:solidFill>
+                  <a:srgbClr val="FFFFFF"/>
+                </a:solidFill>
+              </a14:hiddenFill>
+            </a:ext>
+          </a:extLst>
+        </p:spPr>
+      </p:pic>
+      <p:sp>
+        <p:nvSpPr>
+          <p:cNvPr id="75" name="Rectangle 74">
+            <a:extLst>
+              <a:ext uri="{FF2B5EF4-FFF2-40B4-BE49-F238E27FC236}">
+                <a16:creationId xmlns:a16="http://schemas.microsoft.com/office/drawing/2014/main" id="{DD3981AC-7B61-4947-BCF3-F7AA7FA385B9}"/>
+              </a:ext>
+              <a:ext uri="{C183D7F6-B498-43B3-948B-1728B52AA6E4}">
+                <adec:decorative xmlns:adec="http://schemas.microsoft.com/office/drawing/2017/decorative" val="1"/>
+              </a:ext>
+            </a:extLst>
+          </p:cNvPr>
+          <p:cNvSpPr>
+            <a:spLocks noGrp="1" noRot="1" noChangeAspect="1" noMove="1" noResize="1" noEditPoints="1" noAdjustHandles="1" noChangeArrowheads="1" noChangeShapeType="1" noTextEdit="1"/>
+          </p:cNvSpPr>
+          <p:nvPr>
+            <p:extLst>
+              <p:ext uri="{386F3935-93C4-4BCD-93E2-E3B085C9AB24}">
+                <p16:designElem xmlns:p16="http://schemas.microsoft.com/office/powerpoint/2015/main" val="1"/>
+              </p:ext>
+            </p:extLst>
+          </p:nvPr>
+        </p:nvSpPr>
+        <p:spPr>
+          <a:xfrm>
+            <a:off x="2" y="0"/>
+            <a:ext cx="9756601" cy="6858000"/>
+          </a:xfrm>
+          <a:prstGeom prst="rect">
+            <a:avLst/>
+          </a:prstGeom>
+          <a:gradFill>
+            <a:gsLst>
+              <a:gs pos="58000">
+                <a:schemeClr val="bg1"/>
+              </a:gs>
+              <a:gs pos="35000">
+                <a:schemeClr val="bg1">
+                  <a:alpha val="78000"/>
+                </a:schemeClr>
+              </a:gs>
+              <a:gs pos="19000">
+                <a:schemeClr val="bg1">
+                  <a:alpha val="38000"/>
+                </a:schemeClr>
+              </a:gs>
+              <a:gs pos="0">
+                <a:schemeClr val="bg1">
+                  <a:alpha val="0"/>
+                </a:schemeClr>
+              </a:gs>
+              <a:gs pos="100000">
+                <a:schemeClr val="bg1"/>
+              </a:gs>
+            </a:gsLst>
+            <a:lin ang="10800000" scaled="0"/>
+          </a:gradFill>
+          <a:ln>
+            <a:noFill/>
+          </a:ln>
+        </p:spPr>
+        <p:style>
+          <a:lnRef idx="2">
+            <a:schemeClr val="accent1">
+              <a:shade val="50000"/>
+            </a:schemeClr>
+          </a:lnRef>
+          <a:fillRef idx="1">
+            <a:schemeClr val="accent1"/>
+          </a:fillRef>
+          <a:effectRef idx="0">
+            <a:schemeClr val="accent1"/>
+          </a:effectRef>
+          <a:fontRef idx="minor">
+            <a:schemeClr val="lt1"/>
+          </a:fontRef>
+        </p:style>
+        <p:txBody>
+          <a:bodyPr rtlCol="0" anchor="ctr"/>
+          <a:lstStyle/>
+          <a:p>
+            <a:pPr algn="ctr"/>
+            <a:endParaRPr lang="en-US" dirty="0"/>
+          </a:p>
+        </p:txBody>
+      </p:sp>
+      <p:sp>
+        <p:nvSpPr>
+          <p:cNvPr id="2" name="Title 1">
+            <a:extLst>
+              <a:ext uri="{FF2B5EF4-FFF2-40B4-BE49-F238E27FC236}">
+                <a16:creationId xmlns:a16="http://schemas.microsoft.com/office/drawing/2014/main" id="{D9B24BEF-4DA2-4A86-9E53-F75C7D8F30D3}"/>
+              </a:ext>
+            </a:extLst>
+          </p:cNvPr>
+          <p:cNvSpPr>
+            <a:spLocks noGrp="1"/>
+          </p:cNvSpPr>
+          <p:nvPr>
+            <p:ph type="title"/>
+          </p:nvPr>
+        </p:nvSpPr>
+        <p:spPr>
+          <a:xfrm>
+            <a:off x="371094" y="1161288"/>
+            <a:ext cx="3438144" cy="1124712"/>
+          </a:xfrm>
+        </p:spPr>
+        <p:txBody>
+          <a:bodyPr anchor="b">
+            <a:normAutofit/>
+          </a:bodyPr>
+          <a:lstStyle/>
+          <a:p>
+            <a:r>
+              <a:rPr lang="en-US" dirty="0"/>
+              <a:t>The Model</a:t>
+            </a:r>
+          </a:p>
+        </p:txBody>
+      </p:sp>
+      <p:sp>
+        <p:nvSpPr>
+          <p:cNvPr id="77" name="Rectangle 76">
+            <a:extLst>
+              <a:ext uri="{FF2B5EF4-FFF2-40B4-BE49-F238E27FC236}">
+                <a16:creationId xmlns:a16="http://schemas.microsoft.com/office/drawing/2014/main" id="{55D4142C-5077-457F-A6AD-3FECFDB39685}"/>
+              </a:ext>
+              <a:ext uri="{C183D7F6-B498-43B3-948B-1728B52AA6E4}">
+                <adec:decorative xmlns:adec="http://schemas.microsoft.com/office/drawing/2017/decorative" val="1"/>
+              </a:ext>
+            </a:extLst>
+          </p:cNvPr>
+          <p:cNvSpPr>
+            <a:spLocks noGrp="1" noRot="1" noChangeAspect="1" noMove="1" noResize="1" noEditPoints="1" noAdjustHandles="1" noChangeArrowheads="1" noChangeShapeType="1" noTextEdit="1"/>
+          </p:cNvSpPr>
+          <p:nvPr>
+            <p:extLst>
+              <p:ext uri="{386F3935-93C4-4BCD-93E2-E3B085C9AB24}">
+                <p16:designElem xmlns:p16="http://schemas.microsoft.com/office/powerpoint/2015/main" val="1"/>
+              </p:ext>
+            </p:extLst>
+          </p:nvPr>
+        </p:nvSpPr>
+        <p:spPr>
+          <a:xfrm rot="5400000">
+            <a:off x="662559" y="605790"/>
+            <a:ext cx="73152" cy="548640"/>
+          </a:xfrm>
+          <a:prstGeom prst="rect">
+            <a:avLst/>
+          </a:prstGeom>
+          <a:solidFill>
+            <a:schemeClr val="accent2"/>
+          </a:solidFill>
+          <a:ln>
+            <a:noFill/>
+          </a:ln>
+        </p:spPr>
+        <p:style>
+          <a:lnRef idx="2">
+            <a:schemeClr val="accent1">
+              <a:shade val="50000"/>
+            </a:schemeClr>
+          </a:lnRef>
+          <a:fillRef idx="1">
+            <a:schemeClr val="accent1"/>
+          </a:fillRef>
+          <a:effectRef idx="0">
+            <a:schemeClr val="accent1"/>
+          </a:effectRef>
+          <a:fontRef idx="minor">
+            <a:schemeClr val="lt1"/>
+          </a:fontRef>
+        </p:style>
+        <p:txBody>
+          <a:bodyPr rtlCol="0" anchor="ctr"/>
+          <a:lstStyle/>
+          <a:p>
+            <a:pPr algn="ctr"/>
+            <a:endParaRPr lang="en-US">
+              <a:solidFill>
+                <a:prstClr val="white"/>
+              </a:solidFill>
+              <a:latin typeface="Calibri" panose="020F0502020204030204"/>
+            </a:endParaRPr>
+          </a:p>
+        </p:txBody>
+      </p:sp>
+      <p:sp>
+        <p:nvSpPr>
+          <p:cNvPr id="79" name="Rectangle 78">
+            <a:extLst>
+              <a:ext uri="{FF2B5EF4-FFF2-40B4-BE49-F238E27FC236}">
+                <a16:creationId xmlns:a16="http://schemas.microsoft.com/office/drawing/2014/main" id="{7A5F0580-5EE9-419F-96EE-B6529EF6E7D0}"/>
+              </a:ext>
+              <a:ext uri="{C183D7F6-B498-43B3-948B-1728B52AA6E4}">
+                <adec:decorative xmlns:adec="http://schemas.microsoft.com/office/drawing/2017/decorative" val="1"/>
+              </a:ext>
+            </a:extLst>
+          </p:cNvPr>
+          <p:cNvSpPr>
+            <a:spLocks noGrp="1" noRot="1" noChangeAspect="1" noMove="1" noResize="1" noEditPoints="1" noAdjustHandles="1" noChangeArrowheads="1" noChangeShapeType="1" noTextEdit="1"/>
+          </p:cNvSpPr>
+          <p:nvPr>
+            <p:extLst>
+              <p:ext uri="{386F3935-93C4-4BCD-93E2-E3B085C9AB24}">
+                <p16:designElem xmlns:p16="http://schemas.microsoft.com/office/powerpoint/2015/main" val="1"/>
+              </p:ext>
+            </p:extLst>
+          </p:nvPr>
+        </p:nvSpPr>
+        <p:spPr>
+          <a:xfrm>
+            <a:off x="428244" y="2443480"/>
+            <a:ext cx="3300984" cy="18288"/>
+          </a:xfrm>
+          <a:prstGeom prst="rect">
+            <a:avLst/>
+          </a:prstGeom>
+          <a:solidFill>
+            <a:schemeClr val="tx1"/>
+          </a:solidFill>
+          <a:ln w="3175">
+            <a:noFill/>
+          </a:ln>
+          <a:effectLst/>
+        </p:spPr>
+        <p:style>
+          <a:lnRef idx="2">
+            <a:schemeClr val="accent1">
+              <a:shade val="50000"/>
+            </a:schemeClr>
+          </a:lnRef>
+          <a:fillRef idx="1">
+            <a:schemeClr val="accent1"/>
+          </a:fillRef>
+          <a:effectRef idx="0">
+            <a:schemeClr val="accent1"/>
+          </a:effectRef>
+          <a:fontRef idx="minor">
+            <a:schemeClr val="lt1"/>
+          </a:fontRef>
+        </p:style>
+        <p:txBody>
+          <a:bodyPr rtlCol="0" anchor="ctr"/>
+          <a:lstStyle/>
+          <a:p>
+            <a:pPr marL="0" marR="0" lvl="0" indent="0" algn="ctr" defTabSz="914400" rtl="0" eaLnBrk="1" fontAlgn="auto" latinLnBrk="0" hangingPunct="1">
+              <a:lnSpc>
+                <a:spcPct val="100000"/>
+              </a:lnSpc>
+              <a:spcBef>
+                <a:spcPts val="0"/>
+              </a:spcBef>
+              <a:spcAft>
+                <a:spcPts val="0"/>
+              </a:spcAft>
+              <a:buClrTx/>
+              <a:buSzTx/>
+              <a:buFontTx/>
+              <a:buNone/>
+              <a:tabLst/>
+              <a:defRPr/>
+            </a:pPr>
+            <a:endParaRPr kumimoji="0" lang="en-US" sz="1800" b="0" i="0" u="none" strike="noStrike" kern="1200" cap="none" spc="0" normalizeH="0" baseline="0" noProof="0">
+              <a:ln>
+                <a:noFill/>
+              </a:ln>
+              <a:solidFill>
+                <a:prstClr val="white"/>
+              </a:solidFill>
+              <a:effectLst/>
+              <a:uLnTx/>
+              <a:uFillTx/>
+              <a:latin typeface="Calibri" panose="020F0502020204030204"/>
+              <a:ea typeface="+mn-ea"/>
+              <a:cs typeface="+mn-cs"/>
+            </a:endParaRPr>
+          </a:p>
+        </p:txBody>
+      </p:sp>
+      <p:sp>
+        <p:nvSpPr>
+          <p:cNvPr id="3" name="Content Placeholder 2">
+            <a:extLst>
+              <a:ext uri="{FF2B5EF4-FFF2-40B4-BE49-F238E27FC236}">
+                <a16:creationId xmlns:a16="http://schemas.microsoft.com/office/drawing/2014/main" id="{FD9FFF41-751D-4356-9265-4B774EBC0572}"/>
+              </a:ext>
+            </a:extLst>
+          </p:cNvPr>
+          <p:cNvSpPr>
+            <a:spLocks noGrp="1"/>
+          </p:cNvSpPr>
+          <p:nvPr>
+            <p:ph idx="1"/>
+          </p:nvPr>
+        </p:nvSpPr>
+        <p:spPr>
+          <a:xfrm>
+            <a:off x="371094" y="2718054"/>
+            <a:ext cx="4317864" cy="3948560"/>
+          </a:xfrm>
+        </p:spPr>
+        <p:txBody>
+          <a:bodyPr anchor="t">
+            <a:normAutofit fontScale="92500" lnSpcReduction="20000"/>
+          </a:bodyPr>
+          <a:lstStyle/>
+          <a:p>
+            <a:r>
+              <a:rPr lang="en-US" sz="3300" dirty="0"/>
+              <a:t>Maximizing the correct classification such that we still have a proper decision tree</a:t>
+            </a:r>
+          </a:p>
+          <a:p>
+            <a:pPr lvl="1"/>
+            <a:r>
+              <a:rPr lang="en-US" sz="3300" dirty="0"/>
+              <a:t>Want to make as many samples as possible are sorted into correct bins</a:t>
+            </a:r>
+          </a:p>
+          <a:p>
+            <a:pPr lvl="1"/>
+            <a:r>
+              <a:rPr lang="en-US" sz="3300" dirty="0"/>
+              <a:t>Tree should stay relatively small to keep interpretability</a:t>
+            </a:r>
+          </a:p>
+          <a:p>
+            <a:pPr lvl="1"/>
+            <a:endParaRPr lang="en-US" sz="1700" dirty="0"/>
+          </a:p>
+        </p:txBody>
+      </p:sp>
+      <p:pic>
+        <p:nvPicPr>
+          <p:cNvPr id="4" name="Picture 6" descr="Semiconductor Icons - Download Free Vector Icons | Noun Project">
+            <a:extLst>
+              <a:ext uri="{FF2B5EF4-FFF2-40B4-BE49-F238E27FC236}">
+                <a16:creationId xmlns:a16="http://schemas.microsoft.com/office/drawing/2014/main" id="{0B4790A0-0854-4A11-8D05-157F8FBABE94}"/>
+              </a:ext>
+            </a:extLst>
+          </p:cNvPr>
+          <p:cNvPicPr>
+            <a:picLocks noChangeAspect="1" noChangeArrowheads="1"/>
+          </p:cNvPicPr>
+          <p:nvPr/>
+        </p:nvPicPr>
+        <p:blipFill>
+          <a:blip r:embed="rId3">
+            <a:duotone>
+              <a:schemeClr val="accent3">
+                <a:shade val="45000"/>
+                <a:satMod val="135000"/>
+              </a:schemeClr>
+              <a:prstClr val="white"/>
+            </a:duotone>
+            <a:extLst>
+              <a:ext uri="{28A0092B-C50C-407E-A947-70E740481C1C}">
+                <a14:useLocalDpi xmlns:a14="http://schemas.microsoft.com/office/drawing/2010/main" val="0"/>
+              </a:ext>
+            </a:extLst>
+          </a:blip>
+          <a:srcRect/>
+          <a:stretch>
+            <a:fillRect/>
+          </a:stretch>
+        </p:blipFill>
+        <p:spPr bwMode="auto">
+          <a:xfrm>
+            <a:off x="3042701" y="1346999"/>
+            <a:ext cx="1114769" cy="1114769"/>
+          </a:xfrm>
+          <a:prstGeom prst="rect">
+            <a:avLst/>
+          </a:prstGeom>
+          <a:noFill/>
+          <a:extLst>
+            <a:ext uri="{909E8E84-426E-40DD-AFC4-6F175D3DCCD1}">
+              <a14:hiddenFill xmlns:a14="http://schemas.microsoft.com/office/drawing/2010/main">
+                <a:solidFill>
+                  <a:srgbClr val="FFFFFF"/>
+                </a:solidFill>
+              </a14:hiddenFill>
+            </a:ext>
+          </a:extLst>
+        </p:spPr>
+      </p:pic>
+    </p:spTree>
+    <p:extLst>
+      <p:ext uri="{BB962C8B-B14F-4D97-AF65-F5344CB8AC3E}">
+        <p14:creationId xmlns:p14="http://schemas.microsoft.com/office/powerpoint/2010/main" val="3793160065"/>
+      </p:ext>
+    </p:extLst>
+  </p:cSld>
+  <p:clrMapOvr>
+    <a:overrideClrMapping bg1="dk1" tx1="lt1" bg2="dk2" tx2="lt2" accent1="accent1" accent2="accent2" accent3="accent3" accent4="accent4" accent5="accent5" accent6="accent6" hlink="hlink" folHlink="folHlink"/>
+  </p:clrMapOvr>
+</p:sld>
+</file>
+
+<file path=ppt/slides/slide6.xml><?xml version="1.0" encoding="utf-8"?>
+<p:sld xmlns:a="http://schemas.openxmlformats.org/drawingml/2006/main" xmlns:r="http://schemas.openxmlformats.org/officeDocument/2006/relationships" xmlns:p="http://schemas.openxmlformats.org/presentationml/2006/main">
+  <p:cSld>
+    <p:bg>
+      <p:bgPr>
+        <a:solidFill>
           <a:schemeClr val="bg1">
             <a:tint val="95000"/>
             <a:satMod val="170000"/>
@@ -6897,30 +7524,30 @@
         </p:nvSpPr>
         <p:spPr>
           <a:xfrm>
-            <a:off x="6638578" y="2871982"/>
-            <a:ext cx="5004073" cy="3181684"/>
+            <a:off x="6634134" y="2796363"/>
+            <a:ext cx="5008517" cy="3427424"/>
           </a:xfrm>
         </p:spPr>
         <p:txBody>
           <a:bodyPr anchor="t">
-            <a:normAutofit/>
+            <a:noAutofit/>
           </a:bodyPr>
           <a:lstStyle/>
           <a:p>
             <a:r>
-              <a:rPr lang="en-US" sz="1800" dirty="0"/>
+              <a:rPr lang="en-US" dirty="0"/>
               <a:t>Separate samples into “positive” and “negative” outcomes</a:t>
             </a:r>
           </a:p>
           <a:p>
             <a:r>
-              <a:rPr lang="en-US" sz="1800" dirty="0"/>
+              <a:rPr lang="en-US" dirty="0"/>
               <a:t>Define tree structure</a:t>
             </a:r>
           </a:p>
           <a:p>
             <a:r>
-              <a:rPr lang="en-US" sz="1800" dirty="0"/>
+              <a:rPr lang="en-US" dirty="0"/>
               <a:t>Determine difference between total number of “positive” and “negative” outcomes to include factor in objective function</a:t>
             </a:r>
           </a:p>
@@ -7010,7 +7637,7 @@
 </p:sld>
 </file>
 
-<file path=ppt/slides/slide6.xml><?xml version="1.0" encoding="utf-8"?>
+<file path=ppt/slides/slide7.xml><?xml version="1.0" encoding="utf-8"?>
 <p:sld xmlns:a="http://schemas.openxmlformats.org/drawingml/2006/main" xmlns:r="http://schemas.openxmlformats.org/officeDocument/2006/relationships" xmlns:p="http://schemas.openxmlformats.org/presentationml/2006/main">
   <p:cSld>
     <p:spTree>
@@ -7233,7 +7860,7 @@
 </p:sld>
 </file>
 
-<file path=ppt/slides/slide7.xml><?xml version="1.0" encoding="utf-8"?>
+<file path=ppt/slides/slide8.xml><?xml version="1.0" encoding="utf-8"?>
 <p:sld xmlns:a="http://schemas.openxmlformats.org/drawingml/2006/main" xmlns:r="http://schemas.openxmlformats.org/officeDocument/2006/relationships" xmlns:p="http://schemas.openxmlformats.org/presentationml/2006/main">
   <p:cSld>
     <p:bg>
@@ -7393,7 +8020,7 @@
           <a:lstStyle/>
           <a:p>
             <a:r>
-              <a:rPr lang="en-US" sz="5400">
+              <a:rPr lang="en-US" dirty="0">
                 <a:solidFill>
                   <a:srgbClr val="FFFFFF"/>
                 </a:solidFill>
@@ -7999,12 +8626,12 @@
         </p:spPr>
         <p:txBody>
           <a:bodyPr>
-            <a:normAutofit/>
+            <a:noAutofit/>
           </a:bodyPr>
           <a:lstStyle/>
           <a:p>
             <a:r>
-              <a:rPr lang="en-US" sz="2200">
+              <a:rPr lang="en-US" dirty="0">
                 <a:solidFill>
                   <a:srgbClr val="FFFFFF"/>
                 </a:solidFill>
@@ -8014,7 +8641,7 @@
           </a:p>
           <a:p>
             <a:r>
-              <a:rPr lang="en-US" sz="2200">
+              <a:rPr lang="en-US" dirty="0">
                 <a:solidFill>
                   <a:srgbClr val="FFFFFF"/>
                 </a:solidFill>
@@ -8024,7 +8651,7 @@
           </a:p>
           <a:p>
             <a:r>
-              <a:rPr lang="en-US" sz="2200">
+              <a:rPr lang="en-US" dirty="0">
                 <a:solidFill>
                   <a:srgbClr val="FFFFFF"/>
                 </a:solidFill>
@@ -8034,7 +8661,7 @@
           </a:p>
           <a:p>
             <a:r>
-              <a:rPr lang="en-US" sz="2200">
+              <a:rPr lang="en-US" dirty="0">
                 <a:solidFill>
                   <a:srgbClr val="FFFFFF"/>
                 </a:solidFill>
@@ -8045,7 +8672,7 @@
           <a:p>
             <a:pPr lvl="1"/>
             <a:r>
-              <a:rPr lang="en-US" sz="2200">
+              <a:rPr lang="en-US" sz="2800" dirty="0">
                 <a:solidFill>
                   <a:srgbClr val="FFFFFF"/>
                 </a:solidFill>
@@ -8103,8 +8730,8 @@
         </p:blipFill>
         <p:spPr bwMode="auto">
           <a:xfrm>
-            <a:off x="3729353" y="437961"/>
-            <a:ext cx="1060704" cy="1060704"/>
+            <a:off x="3314683" y="583563"/>
+            <a:ext cx="842647" cy="842647"/>
           </a:xfrm>
           <a:prstGeom prst="rect">
             <a:avLst/>
@@ -8134,7 +8761,7 @@
 </p:sld>
 </file>
 
-<file path=ppt/slides/slide8.xml><?xml version="1.0" encoding="utf-8"?>
+<file path=ppt/slides/slide9.xml><?xml version="1.0" encoding="utf-8"?>
 <p:sld xmlns:a="http://schemas.openxmlformats.org/drawingml/2006/main" xmlns:r="http://schemas.openxmlformats.org/officeDocument/2006/relationships" xmlns:p="http://schemas.openxmlformats.org/presentationml/2006/main">
   <p:cSld>
     <p:bg>
@@ -8255,7 +8882,7 @@
           <a:lstStyle/>
           <a:p>
             <a:r>
-              <a:rPr lang="en-US">
+              <a:rPr lang="en-US" dirty="0">
                 <a:solidFill>
                   <a:srgbClr val="FFFFFF"/>
                 </a:solidFill>
@@ -8486,31 +9113,31 @@
         </p:nvSpPr>
         <p:spPr>
           <a:xfrm>
-            <a:off x="2286000" y="3648548"/>
-            <a:ext cx="4525347" cy="2481864"/>
+            <a:off x="1939795" y="3426593"/>
+            <a:ext cx="5259810" cy="3006992"/>
           </a:xfrm>
         </p:spPr>
         <p:txBody>
           <a:bodyPr anchor="ctr">
-            <a:normAutofit/>
+            <a:noAutofit/>
           </a:bodyPr>
           <a:lstStyle/>
           <a:p>
             <a:r>
-              <a:rPr lang="en-US" sz="1800"/>
+              <a:rPr lang="en-US" dirty="0"/>
               <a:t>Define a set of tree structures for testing</a:t>
             </a:r>
           </a:p>
           <a:p>
             <a:r>
-              <a:rPr lang="en-US" sz="1800"/>
+              <a:rPr lang="en-US" dirty="0"/>
               <a:t>Test varying sets of features on said tree structures</a:t>
             </a:r>
           </a:p>
           <a:p>
             <a:r>
-              <a:rPr lang="en-US" sz="1800"/>
-              <a:t>Determine list of adjustable features and recommend policy changes which effect said features</a:t>
+              <a:rPr lang="en-US" dirty="0"/>
+              <a:t>Determine list of adjustable features and recommend policy changes</a:t>
             </a:r>
           </a:p>
         </p:txBody>
@@ -8745,100 +9372,6 @@
     <p:extLst>
       <p:ext uri="{BB962C8B-B14F-4D97-AF65-F5344CB8AC3E}">
         <p14:creationId xmlns:p14="http://schemas.microsoft.com/office/powerpoint/2010/main" val="1215659637"/>
-      </p:ext>
-    </p:extLst>
-  </p:cSld>
-  <p:clrMapOvr>
-    <a:masterClrMapping/>
-  </p:clrMapOvr>
-</p:sld>
-</file>
-
-<file path=ppt/slides/slide9.xml><?xml version="1.0" encoding="utf-8"?>
-<p:sld xmlns:a="http://schemas.openxmlformats.org/drawingml/2006/main" xmlns:r="http://schemas.openxmlformats.org/officeDocument/2006/relationships" xmlns:p="http://schemas.openxmlformats.org/presentationml/2006/main">
-  <p:cSld>
-    <p:spTree>
-      <p:nvGrpSpPr>
-        <p:cNvPr id="1" name=""/>
-        <p:cNvGrpSpPr/>
-        <p:nvPr/>
-      </p:nvGrpSpPr>
-      <p:grpSpPr>
-        <a:xfrm>
-          <a:off x="0" y="0"/>
-          <a:ext cx="0" cy="0"/>
-          <a:chOff x="0" y="0"/>
-          <a:chExt cx="0" cy="0"/>
-        </a:xfrm>
-      </p:grpSpPr>
-      <p:sp>
-        <p:nvSpPr>
-          <p:cNvPr id="2" name="Title 1">
-            <a:extLst>
-              <a:ext uri="{FF2B5EF4-FFF2-40B4-BE49-F238E27FC236}">
-                <a16:creationId xmlns:a16="http://schemas.microsoft.com/office/drawing/2014/main" id="{ADD6D830-A66C-4E68-A2E8-38B11A39E630}"/>
-              </a:ext>
-            </a:extLst>
-          </p:cNvPr>
-          <p:cNvSpPr>
-            <a:spLocks noGrp="1"/>
-          </p:cNvSpPr>
-          <p:nvPr>
-            <p:ph type="title"/>
-          </p:nvPr>
-        </p:nvSpPr>
-        <p:spPr/>
-        <p:txBody>
-          <a:bodyPr/>
-          <a:lstStyle/>
-          <a:p>
-            <a:pPr algn="ctr"/>
-            <a:r>
-              <a:rPr lang="en-US" dirty="0"/>
-              <a:t>Questions, comments, concerns?</a:t>
-            </a:r>
-          </a:p>
-        </p:txBody>
-      </p:sp>
-      <p:pic>
-        <p:nvPicPr>
-          <p:cNvPr id="5" name="Content Placeholder 4" descr="Whiteboard&#10;&#10;Description automatically generated with medium confidence">
-            <a:extLst>
-              <a:ext uri="{FF2B5EF4-FFF2-40B4-BE49-F238E27FC236}">
-                <a16:creationId xmlns:a16="http://schemas.microsoft.com/office/drawing/2014/main" id="{88F4A980-3339-4863-A71C-A9903A1AA3AB}"/>
-              </a:ext>
-            </a:extLst>
-          </p:cNvPr>
-          <p:cNvPicPr>
-            <a:picLocks noGrp="1" noChangeAspect="1"/>
-          </p:cNvPicPr>
-          <p:nvPr>
-            <p:ph idx="1"/>
-          </p:nvPr>
-        </p:nvPicPr>
-        <p:blipFill>
-          <a:blip r:embed="rId2">
-            <a:extLst>
-              <a:ext uri="{28A0092B-C50C-407E-A947-70E740481C1C}">
-                <a14:useLocalDpi xmlns:a14="http://schemas.microsoft.com/office/drawing/2010/main" val="0"/>
-              </a:ext>
-            </a:extLst>
-          </a:blip>
-          <a:stretch>
-            <a:fillRect/>
-          </a:stretch>
-        </p:blipFill>
-        <p:spPr>
-          <a:xfrm>
-            <a:off x="3920331" y="2265892"/>
-            <a:ext cx="4351338" cy="4351338"/>
-          </a:xfrm>
-        </p:spPr>
-      </p:pic>
-    </p:spTree>
-    <p:extLst>
-      <p:ext uri="{BB962C8B-B14F-4D97-AF65-F5344CB8AC3E}">
-        <p14:creationId xmlns:p14="http://schemas.microsoft.com/office/powerpoint/2010/main" val="677029886"/>
       </p:ext>
     </p:extLst>
   </p:cSld>

--- a/Trees Get Degrees.pptx
+++ b/Trees Get Degrees.pptx
@@ -4490,9 +4490,45 @@
         </p:blipFill>
         <p:spPr>
           <a:xfrm>
-            <a:off x="3920331" y="2265892"/>
-            <a:ext cx="4351338" cy="4351338"/>
+            <a:off x="1479756" y="2332243"/>
+            <a:ext cx="4398635" cy="4398635"/>
           </a:xfrm>
+        </p:spPr>
+      </p:pic>
+      <p:pic>
+        <p:nvPicPr>
+          <p:cNvPr id="4" name="Picture 3" descr="A picture containing vector graphics&#10;&#10;Description automatically generated">
+            <a:extLst>
+              <a:ext uri="{FF2B5EF4-FFF2-40B4-BE49-F238E27FC236}">
+                <a16:creationId xmlns:a16="http://schemas.microsoft.com/office/drawing/2014/main" id="{38701657-F839-40AA-904D-380CAC5F7F7D}"/>
+              </a:ext>
+            </a:extLst>
+          </p:cNvPr>
+          <p:cNvPicPr>
+            <a:picLocks noChangeAspect="1"/>
+          </p:cNvPicPr>
+          <p:nvPr/>
+        </p:nvPicPr>
+        <p:blipFill>
+          <a:blip r:embed="rId3">
+            <a:extLst>
+              <a:ext uri="{28A0092B-C50C-407E-A947-70E740481C1C}">
+                <a14:useLocalDpi xmlns:a14="http://schemas.microsoft.com/office/drawing/2010/main" val="0"/>
+              </a:ext>
+            </a:extLst>
+          </a:blip>
+          <a:stretch>
+            <a:fillRect/>
+          </a:stretch>
+        </p:blipFill>
+        <p:spPr>
+          <a:xfrm>
+            <a:off x="6313610" y="1690688"/>
+            <a:ext cx="5040190" cy="5040190"/>
+          </a:xfrm>
+          <a:prstGeom prst="rect">
+            <a:avLst/>
+          </a:prstGeom>
         </p:spPr>
       </p:pic>
     </p:spTree>
@@ -7548,7 +7584,7 @@
           <a:p>
             <a:r>
               <a:rPr lang="en-US" dirty="0"/>
-              <a:t>Determine difference between total number of “positive” and “negative” outcomes to include factor in objective function</a:t>
+              <a:t>Determine ratio between total number of “positive” and “negative” outcomes to include factor in objective function</a:t>
             </a:r>
           </a:p>
         </p:txBody>
@@ -7759,7 +7795,7 @@
           <a:p>
             <a:r>
               <a:rPr lang="en-US" dirty="0"/>
-              <a:t>Allows for uninterpretable splitting of variables (especially since they are categorial/binary)</a:t>
+              <a:t>Allows for uninterpretable splitting of variables (especially since they are categorical/binary)</a:t>
             </a:r>
           </a:p>
         </p:txBody>

--- a/Trees Get Degrees.pptx
+++ b/Trees Get Degrees.pptx
@@ -7150,7 +7150,7 @@
             <a:pPr lvl="1"/>
             <a:r>
               <a:rPr lang="en-US" sz="3300" dirty="0"/>
-              <a:t>Want to make as many samples as possible are sorted into correct bins</a:t>
+              <a:t>Want to make sure as many samples as possible are sorted into correct bins</a:t>
             </a:r>
           </a:p>
           <a:p>
@@ -8692,7 +8692,7 @@
                   <a:srgbClr val="FFFFFF"/>
                 </a:solidFill>
               </a:rPr>
-              <a:t>Test varying tree structures and compare important features determined for reach structure</a:t>
+              <a:t>Test varying tree structures and compare important features determined for each structure</a:t>
             </a:r>
           </a:p>
           <a:p>
@@ -8713,7 +8713,7 @@
                   <a:srgbClr val="FFFFFF"/>
                 </a:solidFill>
               </a:rPr>
-              <a:t>Ex: If the number of SAT test takes is an important feature, then the school could possibly implement chances for students to take SAT prep or offer more chances for student to take the SAT on campus</a:t>
+              <a:t>Ex: If the number of SAT test takers is an important feature, then the school could possibly implement chances for students to take SAT prep or offer more chances for student to take the SAT on campus</a:t>
             </a:r>
           </a:p>
         </p:txBody>
